--- a/other-talks/SVWZ24 Posters.pptx
+++ b/other-talks/SVWZ24 Posters.pptx
@@ -626,7 +626,7 @@
           </a:ln>
           <a:extLst>
             <a:ext uri="{C572A759-6A51-4108-AA02-DFA0A04FC94B}">
-              <ma14:wrappingTextBoxFlag xmlns="" xmlns:m="http://schemas.openxmlformats.org/officeDocument/2006/math" xmlns:a14="http://schemas.microsoft.com/office/drawing/2010/main" xmlns:ma14="http://schemas.microsoft.com/office/mac/drawingml/2011/main" val="1"/>
+              <ma14:wrappingTextBoxFlag xmlns:ma14="http://schemas.microsoft.com/office/mac/drawingml/2011/main" xmlns:a14="http://schemas.microsoft.com/office/drawing/2010/main" xmlns:m="http://schemas.openxmlformats.org/officeDocument/2006/math" xmlns="" val="1"/>
             </a:ext>
           </a:extLst>
         </p:spPr>
@@ -663,7 +663,7 @@
           </a:ln>
           <a:extLst>
             <a:ext uri="{C572A759-6A51-4108-AA02-DFA0A04FC94B}">
-              <ma14:wrappingTextBoxFlag xmlns="" xmlns:m="http://schemas.openxmlformats.org/officeDocument/2006/math" xmlns:a14="http://schemas.microsoft.com/office/drawing/2010/main" xmlns:ma14="http://schemas.microsoft.com/office/mac/drawingml/2011/main" val="1"/>
+              <ma14:wrappingTextBoxFlag xmlns:ma14="http://schemas.microsoft.com/office/mac/drawingml/2011/main" xmlns:a14="http://schemas.microsoft.com/office/drawing/2010/main" xmlns:m="http://schemas.openxmlformats.org/officeDocument/2006/math" xmlns="" val="1"/>
             </a:ext>
           </a:extLst>
         </p:spPr>
@@ -1476,145 +1476,6 @@
           <a:chExt cx="0" cy="0"/>
         </a:xfrm>
       </p:grpSpPr>
-      <p:grpSp>
-        <p:nvGrpSpPr>
-          <p:cNvPr id="29" name="Rectangle 74"/>
-          <p:cNvGrpSpPr/>
-          <p:nvPr/>
-        </p:nvGrpSpPr>
-        <p:grpSpPr>
-          <a:xfrm>
-            <a:off x="956930" y="15440912"/>
-            <a:ext cx="9158275" cy="4637744"/>
-            <a:chOff x="0" y="0"/>
-            <a:chExt cx="9158273" cy="4637742"/>
-          </a:xfrm>
-        </p:grpSpPr>
-        <p:sp>
-          <p:nvSpPr>
-            <p:cNvPr id="27" name="Rectangle"/>
-            <p:cNvSpPr/>
-            <p:nvPr/>
-          </p:nvSpPr>
-          <p:spPr>
-            <a:xfrm>
-              <a:off x="0" y="0"/>
-              <a:ext cx="9158274" cy="4637743"/>
-            </a:xfrm>
-            <a:prstGeom prst="rect">
-              <a:avLst/>
-            </a:prstGeom>
-            <a:solidFill>
-              <a:srgbClr val="CCD1D4"/>
-            </a:solidFill>
-            <a:ln w="12700" cap="flat">
-              <a:noFill/>
-              <a:miter lim="400000"/>
-            </a:ln>
-            <a:effectLst/>
-          </p:spPr>
-          <p:txBody>
-            <a:bodyPr wrap="square" lIns="45719" tIns="45719" rIns="45719" bIns="45719" numCol="1" anchor="ctr">
-              <a:noAutofit/>
-            </a:bodyPr>
-            <a:lstStyle/>
-            <a:p>
-              <a:pPr algn="ctr">
-                <a:defRPr>
-                  <a:solidFill>
-                    <a:srgbClr val="FFFFFF"/>
-                  </a:solidFill>
-                </a:defRPr>
-              </a:pPr>
-              <a:endParaRPr/>
-            </a:p>
-          </p:txBody>
-        </p:sp>
-        <p:sp>
-          <p:nvSpPr>
-            <p:cNvPr id="28" name="image"/>
-            <p:cNvSpPr/>
-            <p:nvPr/>
-          </p:nvSpPr>
-          <p:spPr>
-            <a:xfrm>
-              <a:off x="2753399" y="2318870"/>
-              <a:ext cx="3651475" cy="1"/>
-            </a:xfrm>
-            <a:custGeom>
-              <a:avLst/>
-              <a:gdLst/>
-              <a:ahLst/>
-              <a:cxnLst>
-                <a:cxn ang="0">
-                  <a:pos x="wd2" y="hd2"/>
-                </a:cxn>
-                <a:cxn ang="5400000">
-                  <a:pos x="wd2" y="hd2"/>
-                </a:cxn>
-                <a:cxn ang="10800000">
-                  <a:pos x="wd2" y="hd2"/>
-                </a:cxn>
-                <a:cxn ang="16200000">
-                  <a:pos x="wd2" y="hd2"/>
-                </a:cxn>
-              </a:cxnLst>
-              <a:rect l="0" t="0" r="r" b="b"/>
-              <a:pathLst>
-                <a:path w="21600" extrusionOk="0">
-                  <a:moveTo>
-                    <a:pt x="0" y="0"/>
-                  </a:moveTo>
-                  <a:lnTo>
-                    <a:pt x="21600" y="0"/>
-                  </a:lnTo>
-                  <a:lnTo>
-                    <a:pt x="21600" y="0"/>
-                  </a:lnTo>
-                  <a:lnTo>
-                    <a:pt x="0" y="0"/>
-                  </a:lnTo>
-                  <a:close/>
-                </a:path>
-              </a:pathLst>
-            </a:custGeom>
-            <a:noFill/>
-            <a:ln w="12700" cap="flat">
-              <a:noFill/>
-              <a:miter lim="400000"/>
-            </a:ln>
-            <a:effectLst/>
-            <a:extLst>
-              <a:ext uri="{C572A759-6A51-4108-AA02-DFA0A04FC94B}">
-                <ma14:wrappingTextBoxFlag xmlns="" xmlns:m="http://schemas.openxmlformats.org/officeDocument/2006/math" xmlns:a14="http://schemas.microsoft.com/office/drawing/2010/main" xmlns:ma14="http://schemas.microsoft.com/office/mac/drawingml/2011/main" val="1"/>
-              </a:ext>
-            </a:extLst>
-          </p:spPr>
-          <p:txBody>
-            <a:bodyPr wrap="square" lIns="45719" tIns="45719" rIns="45719" bIns="45719" numCol="1" anchor="ctr">
-              <a:spAutoFit/>
-            </a:bodyPr>
-            <a:lstStyle>
-              <a:lvl1pPr algn="ctr">
-                <a:defRPr sz="1100">
-                  <a:solidFill>
-                    <a:srgbClr val="677B8C"/>
-                  </a:solidFill>
-                  <a:latin typeface="Arial"/>
-                  <a:ea typeface="Arial"/>
-                  <a:cs typeface="Arial"/>
-                  <a:sym typeface="Arial"/>
-                </a:defRPr>
-              </a:lvl1pPr>
-            </a:lstStyle>
-            <a:p>
-              <a:r>
-                <a:t>image</a:t>
-              </a:r>
-            </a:p>
-          </p:txBody>
-        </p:sp>
-      </p:grpSp>
       <p:sp>
         <p:nvSpPr>
           <p:cNvPr id="30" name="TextBox 35"/>
@@ -1624,7 +1485,7 @@
         <p:spPr>
           <a:xfrm>
             <a:off x="968275" y="784521"/>
-            <a:ext cx="14466772" cy="1694190"/>
+            <a:ext cx="13096068" cy="1785104"/>
           </a:xfrm>
           <a:prstGeom prst="rect">
             <a:avLst/>
@@ -1634,12 +1495,12 @@
           </a:ln>
           <a:extLst>
             <a:ext uri="{C572A759-6A51-4108-AA02-DFA0A04FC94B}">
-              <ma14:wrappingTextBoxFlag xmlns="" xmlns:m="http://schemas.openxmlformats.org/officeDocument/2006/math" xmlns:a14="http://schemas.microsoft.com/office/drawing/2010/main" xmlns:ma14="http://schemas.microsoft.com/office/mac/drawingml/2011/main" val="1"/>
+              <ma14:wrappingTextBoxFlag xmlns:ma14="http://schemas.microsoft.com/office/mac/drawingml/2011/main" xmlns:a14="http://schemas.microsoft.com/office/drawing/2010/main" xmlns:m="http://schemas.openxmlformats.org/officeDocument/2006/math" xmlns="" val="1"/>
             </a:ext>
           </a:extLst>
         </p:spPr>
         <p:txBody>
-          <a:bodyPr lIns="45719" rIns="45719">
+          <a:bodyPr wrap="square" lIns="45719" rIns="45719">
             <a:spAutoFit/>
           </a:bodyPr>
           <a:lstStyle>
@@ -1654,8 +1515,18 @@
           </a:lstStyle>
           <a:p>
             <a:r>
-              <a:t>Title of research poster in 55pt should not exceed two lines</a:t>
+              <a:rPr lang="en-US" dirty="0">
+                <a:solidFill>
+                  <a:srgbClr val="C00000"/>
+                </a:solidFill>
+              </a:rPr>
+              <a:t>On Socially Fair Low-Rank Approximation and Column Subset Selection</a:t>
             </a:r>
+            <a:endParaRPr dirty="0">
+              <a:solidFill>
+                <a:srgbClr val="C00000"/>
+              </a:solidFill>
+            </a:endParaRPr>
           </a:p>
         </p:txBody>
       </p:sp>
@@ -1722,7 +1593,7 @@
         <p:spPr>
           <a:xfrm>
             <a:off x="986246" y="3580560"/>
-            <a:ext cx="9064534" cy="1067915"/>
+            <a:ext cx="9064534" cy="646331"/>
           </a:xfrm>
           <a:prstGeom prst="rect">
             <a:avLst/>
@@ -1732,7 +1603,7 @@
           </a:ln>
           <a:extLst>
             <a:ext uri="{C572A759-6A51-4108-AA02-DFA0A04FC94B}">
-              <ma14:wrappingTextBoxFlag xmlns="" xmlns:m="http://schemas.openxmlformats.org/officeDocument/2006/math" xmlns:a14="http://schemas.microsoft.com/office/drawing/2010/main" xmlns:ma14="http://schemas.microsoft.com/office/mac/drawingml/2011/main" val="1"/>
+              <ma14:wrappingTextBoxFlag xmlns:ma14="http://schemas.microsoft.com/office/mac/drawingml/2011/main" xmlns:a14="http://schemas.microsoft.com/office/drawing/2010/main" xmlns:m="http://schemas.openxmlformats.org/officeDocument/2006/math" xmlns="" val="1"/>
             </a:ext>
           </a:extLst>
         </p:spPr>
@@ -1752,21 +1623,885 @@
           </a:lstStyle>
           <a:p>
             <a:r>
-              <a:t>Headline in 34pt should not extend beyond 2-3 lines</a:t>
+              <a:rPr lang="en-US" sz="3600" dirty="0">
+                <a:solidFill>
+                  <a:srgbClr val="C00000"/>
+                </a:solidFill>
+                <a:latin typeface="Calibri Light" panose="020F0302020204030204" pitchFamily="34" charset="0"/>
+                <a:cs typeface="Calibri Light" panose="020F0302020204030204" pitchFamily="34" charset="0"/>
+              </a:rPr>
+              <a:t>Low-Rank Approximation</a:t>
             </a:r>
+            <a:endParaRPr lang="en-US" sz="3600" dirty="0"/>
           </a:p>
         </p:txBody>
       </p:sp>
+      <mc:AlternateContent xmlns:mc="http://schemas.openxmlformats.org/markup-compatibility/2006">
+        <mc:Choice xmlns:a14="http://schemas.microsoft.com/office/drawing/2010/main" Requires="a14">
+          <p:sp>
+            <p:nvSpPr>
+              <p:cNvPr id="34" name="TextBox 39"/>
+              <p:cNvSpPr txBox="1"/>
+              <p:nvPr/>
+            </p:nvSpPr>
+            <p:spPr>
+              <a:xfrm>
+                <a:off x="968275" y="4334392"/>
+                <a:ext cx="9064534" cy="2281266"/>
+              </a:xfrm>
+              <a:prstGeom prst="rect">
+                <a:avLst/>
+              </a:prstGeom>
+              <a:ln w="12700">
+                <a:miter lim="400000"/>
+              </a:ln>
+              <a:extLst>
+                <a:ext uri="{C572A759-6A51-4108-AA02-DFA0A04FC94B}">
+                  <ma14:wrappingTextBoxFlag xmlns:ma14="http://schemas.microsoft.com/office/mac/drawingml/2011/main" xmlns:m="http://schemas.openxmlformats.org/officeDocument/2006/math" xmlns="" val="1"/>
+                </a:ext>
+              </a:extLst>
+            </p:spPr>
+            <p:txBody>
+              <a:bodyPr lIns="45719" rIns="45719">
+                <a:spAutoFit/>
+              </a:bodyPr>
+              <a:lstStyle>
+                <a:lvl1pPr>
+                  <a:lnSpc>
+                    <a:spcPct val="120000"/>
+                  </a:lnSpc>
+                  <a:defRPr sz="2100">
+                    <a:solidFill>
+                      <a:srgbClr val="344854"/>
+                    </a:solidFill>
+                    <a:latin typeface="Arial"/>
+                    <a:ea typeface="Arial"/>
+                    <a:cs typeface="Arial"/>
+                    <a:sym typeface="Arial"/>
+                  </a:defRPr>
+                </a:lvl1pPr>
+              </a:lstStyle>
+              <a:p>
+                <a:pPr marL="457200" indent="-457200">
+                  <a:buFont typeface="Arial" panose="020B0604020202020204" pitchFamily="34" charset="0"/>
+                  <a:buChar char="•"/>
+                </a:pPr>
+                <a:r>
+                  <a:rPr lang="en-US" sz="3000" dirty="0">
+                    <a:latin typeface="Calibri" panose="020F0502020204030204" pitchFamily="34" charset="0"/>
+                    <a:cs typeface="Calibri" panose="020F0502020204030204" pitchFamily="34" charset="0"/>
+                  </a:rPr>
+                  <a:t>Find rank </a:t>
+                </a:r>
+                <a14:m>
+                  <m:oMath xmlns:m="http://schemas.openxmlformats.org/officeDocument/2006/math">
+                    <m:r>
+                      <a:rPr lang="en-US" sz="3000" b="0" i="1" smtClean="0">
+                        <a:solidFill>
+                          <a:srgbClr val="C00000"/>
+                        </a:solidFill>
+                        <a:latin typeface="Cambria Math" panose="02040503050406030204" pitchFamily="18" charset="0"/>
+                      </a:rPr>
+                      <m:t>𝑘</m:t>
+                    </m:r>
+                  </m:oMath>
+                </a14:m>
+                <a:r>
+                  <a:rPr lang="en-US" sz="3000" dirty="0">
+                    <a:latin typeface="Calibri" panose="020F0502020204030204" pitchFamily="34" charset="0"/>
+                    <a:cs typeface="Calibri" panose="020F0502020204030204" pitchFamily="34" charset="0"/>
+                  </a:rPr>
+                  <a:t> matrices </a:t>
+                </a:r>
+                <a14:m>
+                  <m:oMath xmlns:m="http://schemas.openxmlformats.org/officeDocument/2006/math">
+                    <m:r>
+                      <a:rPr lang="en-US" sz="3000" b="0" i="1" smtClean="0">
+                        <a:solidFill>
+                          <a:srgbClr val="C00000"/>
+                        </a:solidFill>
+                        <a:latin typeface="Cambria Math" panose="02040503050406030204" pitchFamily="18" charset="0"/>
+                        <a:cs typeface="Calibri" panose="020F0502020204030204" pitchFamily="34" charset="0"/>
+                      </a:rPr>
+                      <m:t>𝑈</m:t>
+                    </m:r>
+                    <m:r>
+                      <a:rPr lang="en-US" sz="3000" b="0" i="1" smtClean="0">
+                        <a:solidFill>
+                          <a:srgbClr val="C00000"/>
+                        </a:solidFill>
+                        <a:latin typeface="Cambria Math" panose="02040503050406030204" pitchFamily="18" charset="0"/>
+                        <a:cs typeface="Calibri" panose="020F0502020204030204" pitchFamily="34" charset="0"/>
+                      </a:rPr>
+                      <m:t>∈</m:t>
+                    </m:r>
+                    <m:sSup>
+                      <m:sSupPr>
+                        <m:ctrlPr>
+                          <a:rPr lang="en-US" sz="3000" b="0" i="1" smtClean="0">
+                            <a:solidFill>
+                              <a:srgbClr val="C00000"/>
+                            </a:solidFill>
+                            <a:latin typeface="Cambria Math" panose="02040503050406030204" pitchFamily="18" charset="0"/>
+                            <a:cs typeface="Calibri" panose="020F0502020204030204" pitchFamily="34" charset="0"/>
+                          </a:rPr>
+                        </m:ctrlPr>
+                      </m:sSupPr>
+                      <m:e>
+                        <m:r>
+                          <a:rPr lang="en-US" sz="3000" b="0" i="1" smtClean="0">
+                            <a:solidFill>
+                              <a:srgbClr val="C00000"/>
+                            </a:solidFill>
+                            <a:latin typeface="Cambria Math" panose="02040503050406030204" pitchFamily="18" charset="0"/>
+                            <a:cs typeface="Calibri" panose="020F0502020204030204" pitchFamily="34" charset="0"/>
+                          </a:rPr>
+                          <m:t>ℝ</m:t>
+                        </m:r>
+                      </m:e>
+                      <m:sup>
+                        <m:r>
+                          <a:rPr lang="en-US" sz="3000" b="0" i="1" smtClean="0">
+                            <a:solidFill>
+                              <a:srgbClr val="C00000"/>
+                            </a:solidFill>
+                            <a:latin typeface="Cambria Math" panose="02040503050406030204" pitchFamily="18" charset="0"/>
+                            <a:cs typeface="Calibri" panose="020F0502020204030204" pitchFamily="34" charset="0"/>
+                          </a:rPr>
+                          <m:t>𝑛</m:t>
+                        </m:r>
+                        <m:r>
+                          <a:rPr lang="en-US" sz="3000" b="0" i="1" smtClean="0">
+                            <a:solidFill>
+                              <a:srgbClr val="C00000"/>
+                            </a:solidFill>
+                            <a:latin typeface="Cambria Math" panose="02040503050406030204" pitchFamily="18" charset="0"/>
+                            <a:cs typeface="Calibri" panose="020F0502020204030204" pitchFamily="34" charset="0"/>
+                          </a:rPr>
+                          <m:t>×</m:t>
+                        </m:r>
+                        <m:r>
+                          <a:rPr lang="en-US" sz="3000" b="0" i="1" smtClean="0">
+                            <a:solidFill>
+                              <a:srgbClr val="C00000"/>
+                            </a:solidFill>
+                            <a:latin typeface="Cambria Math" panose="02040503050406030204" pitchFamily="18" charset="0"/>
+                            <a:cs typeface="Calibri" panose="020F0502020204030204" pitchFamily="34" charset="0"/>
+                          </a:rPr>
+                          <m:t>𝑘</m:t>
+                        </m:r>
+                      </m:sup>
+                    </m:sSup>
+                  </m:oMath>
+                </a14:m>
+                <a:r>
+                  <a:rPr lang="en-US" sz="3000" dirty="0">
+                    <a:latin typeface="Calibri" panose="020F0502020204030204" pitchFamily="34" charset="0"/>
+                    <a:cs typeface="Calibri" panose="020F0502020204030204" pitchFamily="34" charset="0"/>
+                  </a:rPr>
+                  <a:t>,</a:t>
+                </a:r>
+                <a:r>
+                  <a:rPr lang="en-US" sz="3000" dirty="0">
+                    <a:solidFill>
+                      <a:srgbClr val="C00000"/>
+                    </a:solidFill>
+                  </a:rPr>
+                  <a:t> </a:t>
+                </a:r>
+                <a14:m>
+                  <m:oMath xmlns:m="http://schemas.openxmlformats.org/officeDocument/2006/math">
+                    <m:r>
+                      <a:rPr lang="en-US" sz="3000" b="0" i="1" smtClean="0">
+                        <a:solidFill>
+                          <a:srgbClr val="C00000"/>
+                        </a:solidFill>
+                        <a:latin typeface="Cambria Math" panose="02040503050406030204" pitchFamily="18" charset="0"/>
+                      </a:rPr>
+                      <m:t>𝑉</m:t>
+                    </m:r>
+                    <m:r>
+                      <a:rPr lang="en-US" sz="3000" b="0" i="1" smtClean="0">
+                        <a:solidFill>
+                          <a:srgbClr val="C00000"/>
+                        </a:solidFill>
+                        <a:latin typeface="Cambria Math" panose="02040503050406030204" pitchFamily="18" charset="0"/>
+                      </a:rPr>
+                      <m:t>∈</m:t>
+                    </m:r>
+                    <m:sSup>
+                      <m:sSupPr>
+                        <m:ctrlPr>
+                          <a:rPr lang="en-US" sz="3000" b="0" i="1" smtClean="0">
+                            <a:solidFill>
+                              <a:srgbClr val="C00000"/>
+                            </a:solidFill>
+                            <a:latin typeface="Cambria Math" panose="02040503050406030204" pitchFamily="18" charset="0"/>
+                          </a:rPr>
+                        </m:ctrlPr>
+                      </m:sSupPr>
+                      <m:e>
+                        <m:r>
+                          <a:rPr lang="en-US" sz="3000" b="0" i="1" smtClean="0">
+                            <a:solidFill>
+                              <a:srgbClr val="C00000"/>
+                            </a:solidFill>
+                            <a:latin typeface="Cambria Math" panose="02040503050406030204" pitchFamily="18" charset="0"/>
+                          </a:rPr>
+                          <m:t>ℝ</m:t>
+                        </m:r>
+                      </m:e>
+                      <m:sup>
+                        <m:r>
+                          <a:rPr lang="en-US" sz="3000" b="0" i="1" smtClean="0">
+                            <a:solidFill>
+                              <a:srgbClr val="C00000"/>
+                            </a:solidFill>
+                            <a:latin typeface="Cambria Math" panose="02040503050406030204" pitchFamily="18" charset="0"/>
+                          </a:rPr>
+                          <m:t>𝑘</m:t>
+                        </m:r>
+                        <m:r>
+                          <a:rPr lang="en-US" sz="3000" b="0" i="1" smtClean="0">
+                            <a:solidFill>
+                              <a:srgbClr val="C00000"/>
+                            </a:solidFill>
+                            <a:latin typeface="Cambria Math" panose="02040503050406030204" pitchFamily="18" charset="0"/>
+                          </a:rPr>
+                          <m:t>×</m:t>
+                        </m:r>
+                        <m:r>
+                          <a:rPr lang="en-US" sz="3000" b="0" i="1" smtClean="0">
+                            <a:solidFill>
+                              <a:srgbClr val="C00000"/>
+                            </a:solidFill>
+                            <a:latin typeface="Cambria Math" panose="02040503050406030204" pitchFamily="18" charset="0"/>
+                          </a:rPr>
+                          <m:t>𝑑</m:t>
+                        </m:r>
+                      </m:sup>
+                    </m:sSup>
+                  </m:oMath>
+                </a14:m>
+                <a:r>
+                  <a:rPr lang="en-US" sz="3000" dirty="0">
+                    <a:latin typeface="Calibri" panose="020F0502020204030204" pitchFamily="34" charset="0"/>
+                    <a:cs typeface="Calibri" panose="020F0502020204030204" pitchFamily="34" charset="0"/>
+                  </a:rPr>
+                  <a:t> that minimizes </a:t>
+                </a:r>
+                <a14:m>
+                  <m:oMath xmlns:m="http://schemas.openxmlformats.org/officeDocument/2006/math">
+                    <m:sSub>
+                      <m:sSubPr>
+                        <m:ctrlPr>
+                          <a:rPr lang="en-US" sz="3000" b="0" i="1" smtClean="0">
+                            <a:solidFill>
+                              <a:srgbClr val="C00000"/>
+                            </a:solidFill>
+                            <a:latin typeface="Cambria Math" panose="02040503050406030204" pitchFamily="18" charset="0"/>
+                          </a:rPr>
+                        </m:ctrlPr>
+                      </m:sSubPr>
+                      <m:e>
+                        <m:d>
+                          <m:dPr>
+                            <m:begChr m:val="‖"/>
+                            <m:endChr m:val="‖"/>
+                            <m:ctrlPr>
+                              <a:rPr lang="en-US" sz="3000" b="0" i="1" smtClean="0">
+                                <a:solidFill>
+                                  <a:srgbClr val="C00000"/>
+                                </a:solidFill>
+                                <a:latin typeface="Cambria Math" panose="02040503050406030204" pitchFamily="18" charset="0"/>
+                              </a:rPr>
+                            </m:ctrlPr>
+                          </m:dPr>
+                          <m:e>
+                            <m:r>
+                              <a:rPr lang="en-US" sz="3000" b="0" i="1" smtClean="0">
+                                <a:solidFill>
+                                  <a:srgbClr val="C00000"/>
+                                </a:solidFill>
+                                <a:latin typeface="Cambria Math" panose="02040503050406030204" pitchFamily="18" charset="0"/>
+                              </a:rPr>
+                              <m:t>𝑈𝑉</m:t>
+                            </m:r>
+                            <m:r>
+                              <a:rPr lang="en-US" sz="3000" b="0" i="1" smtClean="0">
+                                <a:solidFill>
+                                  <a:srgbClr val="C00000"/>
+                                </a:solidFill>
+                                <a:latin typeface="Cambria Math" panose="02040503050406030204" pitchFamily="18" charset="0"/>
+                              </a:rPr>
+                              <m:t>−</m:t>
+                            </m:r>
+                            <m:r>
+                              <a:rPr lang="en-US" sz="3000" b="0" i="1" smtClean="0">
+                                <a:solidFill>
+                                  <a:srgbClr val="C00000"/>
+                                </a:solidFill>
+                                <a:latin typeface="Cambria Math" panose="02040503050406030204" pitchFamily="18" charset="0"/>
+                              </a:rPr>
+                              <m:t>𝐴</m:t>
+                            </m:r>
+                          </m:e>
+                        </m:d>
+                      </m:e>
+                      <m:sub>
+                        <m:r>
+                          <a:rPr lang="en-US" sz="3000" b="0" i="1" smtClean="0">
+                            <a:solidFill>
+                              <a:srgbClr val="C00000"/>
+                            </a:solidFill>
+                            <a:latin typeface="Cambria Math" panose="02040503050406030204" pitchFamily="18" charset="0"/>
+                          </a:rPr>
+                          <m:t>𝐹</m:t>
+                        </m:r>
+                      </m:sub>
+                    </m:sSub>
+                  </m:oMath>
+                </a14:m>
+                <a:r>
+                  <a:rPr lang="en-US" sz="3000" dirty="0">
+                    <a:solidFill>
+                      <a:srgbClr val="C00000"/>
+                    </a:solidFill>
+                    <a:latin typeface="Calibri" panose="020F0502020204030204" pitchFamily="34" charset="0"/>
+                    <a:cs typeface="Calibri" panose="020F0502020204030204" pitchFamily="34" charset="0"/>
+                  </a:rPr>
+                  <a:t> </a:t>
+                </a:r>
+              </a:p>
+              <a:p>
+                <a:pPr marL="457200" indent="-457200">
+                  <a:buFont typeface="Arial" panose="020B0604020202020204" pitchFamily="34" charset="0"/>
+                  <a:buChar char="•"/>
+                </a:pPr>
+                <a:r>
+                  <a:rPr lang="en-US" sz="3000" dirty="0">
+                    <a:latin typeface="Calibri" panose="020F0502020204030204" pitchFamily="34" charset="0"/>
+                    <a:cs typeface="Calibri" panose="020F0502020204030204" pitchFamily="34" charset="0"/>
+                  </a:rPr>
+                  <a:t>Finding structure among noise</a:t>
+                </a:r>
+              </a:p>
+              <a:p>
+                <a:pPr marL="457200" indent="-457200">
+                  <a:buFont typeface="Arial" panose="020B0604020202020204" pitchFamily="34" charset="0"/>
+                  <a:buChar char="•"/>
+                </a:pPr>
+                <a:r>
+                  <a:rPr lang="en-US" sz="3000" dirty="0">
+                    <a:latin typeface="Calibri" panose="020F0502020204030204" pitchFamily="34" charset="0"/>
+                    <a:cs typeface="Calibri" panose="020F0502020204030204" pitchFamily="34" charset="0"/>
+                  </a:rPr>
+                  <a:t>Matrix completion problem</a:t>
+                </a:r>
+              </a:p>
+            </p:txBody>
+          </p:sp>
+        </mc:Choice>
+        <mc:Fallback>
+          <p:sp>
+            <p:nvSpPr>
+              <p:cNvPr id="34" name="TextBox 39"/>
+              <p:cNvSpPr txBox="1">
+                <a:spLocks noRot="1" noChangeAspect="1" noMove="1" noResize="1" noEditPoints="1" noAdjustHandles="1" noChangeArrowheads="1" noChangeShapeType="1" noTextEdit="1"/>
+              </p:cNvSpPr>
+              <p:nvPr/>
+            </p:nvSpPr>
+            <p:spPr>
+              <a:xfrm>
+                <a:off x="968275" y="4334392"/>
+                <a:ext cx="9064534" cy="2281266"/>
+              </a:xfrm>
+              <a:prstGeom prst="rect">
+                <a:avLst/>
+              </a:prstGeom>
+              <a:blipFill>
+                <a:blip r:embed="rId4"/>
+                <a:stretch>
+                  <a:fillRect l="-1883" t="-535" b="-7487"/>
+                </a:stretch>
+              </a:blipFill>
+              <a:ln w="12700">
+                <a:miter lim="400000"/>
+              </a:ln>
+              <a:extLst>
+                <a:ext uri="{C572A759-6A51-4108-AA02-DFA0A04FC94B}">
+                  <ma14:wrappingTextBoxFlag xmlns:ma14="http://schemas.microsoft.com/office/mac/drawingml/2011/main" xmlns:a14="http://schemas.microsoft.com/office/drawing/2010/main" xmlns:m="http://schemas.openxmlformats.org/officeDocument/2006/math" xmlns="" val="1"/>
+                </a:ext>
+              </a:extLst>
+            </p:spPr>
+            <p:txBody>
+              <a:bodyPr/>
+              <a:lstStyle/>
+              <a:p>
+                <a:r>
+                  <a:rPr lang="en-US">
+                    <a:noFill/>
+                  </a:rPr>
+                  <a:t> </a:t>
+                </a:r>
+              </a:p>
+            </p:txBody>
+          </p:sp>
+        </mc:Fallback>
+      </mc:AlternateContent>
+      <mc:AlternateContent xmlns:mc="http://schemas.openxmlformats.org/markup-compatibility/2006">
+        <mc:Choice xmlns:a14="http://schemas.microsoft.com/office/drawing/2010/main" Requires="a14">
+          <p:sp>
+            <p:nvSpPr>
+              <p:cNvPr id="36" name="TextBox 42"/>
+              <p:cNvSpPr txBox="1"/>
+              <p:nvPr/>
+            </p:nvSpPr>
+            <p:spPr>
+              <a:xfrm>
+                <a:off x="982979" y="8205922"/>
+                <a:ext cx="7728262" cy="2408865"/>
+              </a:xfrm>
+              <a:prstGeom prst="rect">
+                <a:avLst/>
+              </a:prstGeom>
+              <a:ln w="12700">
+                <a:miter lim="400000"/>
+              </a:ln>
+              <a:extLst>
+                <a:ext uri="{C572A759-6A51-4108-AA02-DFA0A04FC94B}">
+                  <ma14:wrappingTextBoxFlag xmlns:ma14="http://schemas.microsoft.com/office/mac/drawingml/2011/main" xmlns:m="http://schemas.openxmlformats.org/officeDocument/2006/math" xmlns="" val="1"/>
+                </a:ext>
+              </a:extLst>
+            </p:spPr>
+            <p:txBody>
+              <a:bodyPr wrap="square" lIns="45719" rIns="45719">
+                <a:spAutoFit/>
+              </a:bodyPr>
+              <a:lstStyle/>
+              <a:p>
+                <a:pPr marL="342900" indent="-342900">
+                  <a:buClr>
+                    <a:schemeClr val="tx1"/>
+                  </a:buClr>
+                  <a:buFont typeface="Arial" panose="020B0604020202020204" pitchFamily="34" charset="0"/>
+                  <a:buChar char="•"/>
+                </a:pPr>
+                <a:r>
+                  <a:rPr lang="en-US" sz="3000" dirty="0">
+                    <a:latin typeface="Calibri" panose="020F0502020204030204" pitchFamily="34" charset="0"/>
+                    <a:cs typeface="Calibri" panose="020F0502020204030204" pitchFamily="34" charset="0"/>
+                  </a:rPr>
+                  <a:t>Closed form solution to find optimal </a:t>
+                </a:r>
+                <a14:m>
+                  <m:oMath xmlns:m="http://schemas.openxmlformats.org/officeDocument/2006/math">
+                    <m:r>
+                      <a:rPr lang="en-US" sz="3000" b="0" i="1" smtClean="0">
+                        <a:solidFill>
+                          <a:srgbClr val="C00000"/>
+                        </a:solidFill>
+                        <a:latin typeface="Cambria Math" panose="02040503050406030204" pitchFamily="18" charset="0"/>
+                        <a:cs typeface="Calibri" panose="020F0502020204030204" pitchFamily="34" charset="0"/>
+                      </a:rPr>
+                      <m:t>𝑈</m:t>
+                    </m:r>
+                    <m:r>
+                      <a:rPr lang="en-US" sz="3000" b="0" i="1" smtClean="0">
+                        <a:solidFill>
+                          <a:srgbClr val="C00000"/>
+                        </a:solidFill>
+                        <a:latin typeface="Cambria Math" panose="02040503050406030204" pitchFamily="18" charset="0"/>
+                        <a:cs typeface="Calibri" panose="020F0502020204030204" pitchFamily="34" charset="0"/>
+                      </a:rPr>
+                      <m:t>∈</m:t>
+                    </m:r>
+                    <m:sSup>
+                      <m:sSupPr>
+                        <m:ctrlPr>
+                          <a:rPr lang="en-US" sz="3000" b="0" i="1" smtClean="0">
+                            <a:solidFill>
+                              <a:srgbClr val="C00000"/>
+                            </a:solidFill>
+                            <a:latin typeface="Cambria Math" panose="02040503050406030204" pitchFamily="18" charset="0"/>
+                            <a:cs typeface="Calibri" panose="020F0502020204030204" pitchFamily="34" charset="0"/>
+                          </a:rPr>
+                        </m:ctrlPr>
+                      </m:sSupPr>
+                      <m:e>
+                        <m:r>
+                          <a:rPr lang="en-US" sz="3000" b="0" i="1" smtClean="0">
+                            <a:solidFill>
+                              <a:srgbClr val="C00000"/>
+                            </a:solidFill>
+                            <a:latin typeface="Cambria Math" panose="02040503050406030204" pitchFamily="18" charset="0"/>
+                            <a:cs typeface="Calibri" panose="020F0502020204030204" pitchFamily="34" charset="0"/>
+                          </a:rPr>
+                          <m:t>ℝ</m:t>
+                        </m:r>
+                      </m:e>
+                      <m:sup>
+                        <m:r>
+                          <a:rPr lang="en-US" sz="3000" b="0" i="1" smtClean="0">
+                            <a:solidFill>
+                              <a:srgbClr val="C00000"/>
+                            </a:solidFill>
+                            <a:latin typeface="Cambria Math" panose="02040503050406030204" pitchFamily="18" charset="0"/>
+                            <a:cs typeface="Calibri" panose="020F0502020204030204" pitchFamily="34" charset="0"/>
+                          </a:rPr>
+                          <m:t>𝑛</m:t>
+                        </m:r>
+                        <m:r>
+                          <a:rPr lang="en-US" sz="3000" b="0" i="1" smtClean="0">
+                            <a:solidFill>
+                              <a:srgbClr val="C00000"/>
+                            </a:solidFill>
+                            <a:latin typeface="Cambria Math" panose="02040503050406030204" pitchFamily="18" charset="0"/>
+                            <a:cs typeface="Calibri" panose="020F0502020204030204" pitchFamily="34" charset="0"/>
+                          </a:rPr>
+                          <m:t>×</m:t>
+                        </m:r>
+                        <m:r>
+                          <a:rPr lang="en-US" sz="3000" b="0" i="1" smtClean="0">
+                            <a:solidFill>
+                              <a:srgbClr val="C00000"/>
+                            </a:solidFill>
+                            <a:latin typeface="Cambria Math" panose="02040503050406030204" pitchFamily="18" charset="0"/>
+                            <a:cs typeface="Calibri" panose="020F0502020204030204" pitchFamily="34" charset="0"/>
+                          </a:rPr>
+                          <m:t>𝑘</m:t>
+                        </m:r>
+                      </m:sup>
+                    </m:sSup>
+                  </m:oMath>
+                </a14:m>
+                <a:r>
+                  <a:rPr lang="en-US" sz="3000" dirty="0">
+                    <a:latin typeface="Calibri" panose="020F0502020204030204" pitchFamily="34" charset="0"/>
+                    <a:cs typeface="Calibri" panose="020F0502020204030204" pitchFamily="34" charset="0"/>
+                  </a:rPr>
+                  <a:t>,</a:t>
+                </a:r>
+                <a:r>
+                  <a:rPr lang="en-US" sz="3000" dirty="0">
+                    <a:solidFill>
+                      <a:srgbClr val="C00000"/>
+                    </a:solidFill>
+                    <a:latin typeface="Calibri" panose="020F0502020204030204" pitchFamily="34" charset="0"/>
+                    <a:cs typeface="Calibri" panose="020F0502020204030204" pitchFamily="34" charset="0"/>
+                  </a:rPr>
+                  <a:t> </a:t>
+                </a:r>
+                <a14:m>
+                  <m:oMath xmlns:m="http://schemas.openxmlformats.org/officeDocument/2006/math">
+                    <m:r>
+                      <a:rPr lang="en-US" sz="3000" b="0" i="1" smtClean="0">
+                        <a:solidFill>
+                          <a:srgbClr val="C00000"/>
+                        </a:solidFill>
+                        <a:latin typeface="Cambria Math" panose="02040503050406030204" pitchFamily="18" charset="0"/>
+                      </a:rPr>
+                      <m:t>𝑉</m:t>
+                    </m:r>
+                    <m:r>
+                      <a:rPr lang="en-US" sz="3000" b="0" i="1" smtClean="0">
+                        <a:solidFill>
+                          <a:srgbClr val="C00000"/>
+                        </a:solidFill>
+                        <a:latin typeface="Cambria Math" panose="02040503050406030204" pitchFamily="18" charset="0"/>
+                      </a:rPr>
+                      <m:t>∈</m:t>
+                    </m:r>
+                    <m:sSup>
+                      <m:sSupPr>
+                        <m:ctrlPr>
+                          <a:rPr lang="en-US" sz="3000" b="0" i="1" smtClean="0">
+                            <a:solidFill>
+                              <a:srgbClr val="C00000"/>
+                            </a:solidFill>
+                            <a:latin typeface="Cambria Math" panose="02040503050406030204" pitchFamily="18" charset="0"/>
+                          </a:rPr>
+                        </m:ctrlPr>
+                      </m:sSupPr>
+                      <m:e>
+                        <m:r>
+                          <a:rPr lang="en-US" sz="3000" b="0" i="1" smtClean="0">
+                            <a:solidFill>
+                              <a:srgbClr val="C00000"/>
+                            </a:solidFill>
+                            <a:latin typeface="Cambria Math" panose="02040503050406030204" pitchFamily="18" charset="0"/>
+                          </a:rPr>
+                          <m:t>ℝ</m:t>
+                        </m:r>
+                      </m:e>
+                      <m:sup>
+                        <m:r>
+                          <a:rPr lang="en-US" sz="3000" b="0" i="1" smtClean="0">
+                            <a:solidFill>
+                              <a:srgbClr val="C00000"/>
+                            </a:solidFill>
+                            <a:latin typeface="Cambria Math" panose="02040503050406030204" pitchFamily="18" charset="0"/>
+                          </a:rPr>
+                          <m:t>𝑘</m:t>
+                        </m:r>
+                        <m:r>
+                          <a:rPr lang="en-US" sz="3000" b="0" i="1" smtClean="0">
+                            <a:solidFill>
+                              <a:srgbClr val="C00000"/>
+                            </a:solidFill>
+                            <a:latin typeface="Cambria Math" panose="02040503050406030204" pitchFamily="18" charset="0"/>
+                          </a:rPr>
+                          <m:t>×</m:t>
+                        </m:r>
+                        <m:r>
+                          <a:rPr lang="en-US" sz="3000" b="0" i="1" smtClean="0">
+                            <a:solidFill>
+                              <a:srgbClr val="C00000"/>
+                            </a:solidFill>
+                            <a:latin typeface="Cambria Math" panose="02040503050406030204" pitchFamily="18" charset="0"/>
+                          </a:rPr>
+                          <m:t>𝑑</m:t>
+                        </m:r>
+                      </m:sup>
+                    </m:sSup>
+                  </m:oMath>
+                </a14:m>
+                <a:r>
+                  <a:rPr lang="en-US" sz="3000" dirty="0">
+                    <a:latin typeface="Calibri" panose="020F0502020204030204" pitchFamily="34" charset="0"/>
+                    <a:cs typeface="Calibri" panose="020F0502020204030204" pitchFamily="34" charset="0"/>
+                  </a:rPr>
+                  <a:t> that minimizes </a:t>
+                </a:r>
+                <a14:m>
+                  <m:oMath xmlns:m="http://schemas.openxmlformats.org/officeDocument/2006/math">
+                    <m:sSub>
+                      <m:sSubPr>
+                        <m:ctrlPr>
+                          <a:rPr lang="en-US" sz="3000" b="0" i="1" smtClean="0">
+                            <a:solidFill>
+                              <a:srgbClr val="C00000"/>
+                            </a:solidFill>
+                            <a:latin typeface="Cambria Math" panose="02040503050406030204" pitchFamily="18" charset="0"/>
+                          </a:rPr>
+                        </m:ctrlPr>
+                      </m:sSubPr>
+                      <m:e>
+                        <m:d>
+                          <m:dPr>
+                            <m:begChr m:val="‖"/>
+                            <m:endChr m:val="‖"/>
+                            <m:ctrlPr>
+                              <a:rPr lang="en-US" sz="3000" b="0" i="1" smtClean="0">
+                                <a:solidFill>
+                                  <a:srgbClr val="C00000"/>
+                                </a:solidFill>
+                                <a:latin typeface="Cambria Math" panose="02040503050406030204" pitchFamily="18" charset="0"/>
+                              </a:rPr>
+                            </m:ctrlPr>
+                          </m:dPr>
+                          <m:e>
+                            <m:r>
+                              <a:rPr lang="en-US" sz="3000" b="0" i="1" smtClean="0">
+                                <a:solidFill>
+                                  <a:srgbClr val="C00000"/>
+                                </a:solidFill>
+                                <a:latin typeface="Cambria Math" panose="02040503050406030204" pitchFamily="18" charset="0"/>
+                              </a:rPr>
+                              <m:t>𝑈𝑉</m:t>
+                            </m:r>
+                            <m:r>
+                              <a:rPr lang="en-US" sz="3000" b="0" i="1" smtClean="0">
+                                <a:solidFill>
+                                  <a:srgbClr val="C00000"/>
+                                </a:solidFill>
+                                <a:latin typeface="Cambria Math" panose="02040503050406030204" pitchFamily="18" charset="0"/>
+                              </a:rPr>
+                              <m:t>−</m:t>
+                            </m:r>
+                            <m:r>
+                              <a:rPr lang="en-US" sz="3000" b="0" i="1" smtClean="0">
+                                <a:solidFill>
+                                  <a:srgbClr val="C00000"/>
+                                </a:solidFill>
+                                <a:latin typeface="Cambria Math" panose="02040503050406030204" pitchFamily="18" charset="0"/>
+                              </a:rPr>
+                              <m:t>𝐴</m:t>
+                            </m:r>
+                          </m:e>
+                        </m:d>
+                      </m:e>
+                      <m:sub>
+                        <m:r>
+                          <a:rPr lang="en-US" sz="3000" b="0" i="1" smtClean="0">
+                            <a:solidFill>
+                              <a:srgbClr val="C00000"/>
+                            </a:solidFill>
+                            <a:latin typeface="Cambria Math" panose="02040503050406030204" pitchFamily="18" charset="0"/>
+                          </a:rPr>
+                          <m:t>𝐹</m:t>
+                        </m:r>
+                      </m:sub>
+                    </m:sSub>
+                  </m:oMath>
+                </a14:m>
+                <a:r>
+                  <a:rPr lang="en-US" sz="3000" dirty="0">
+                    <a:solidFill>
+                      <a:srgbClr val="C00000"/>
+                    </a:solidFill>
+                    <a:latin typeface="Calibri" panose="020F0502020204030204" pitchFamily="34" charset="0"/>
+                    <a:cs typeface="Calibri" panose="020F0502020204030204" pitchFamily="34" charset="0"/>
+                  </a:rPr>
+                  <a:t> </a:t>
+                </a:r>
+                <a:endParaRPr lang="en-US" sz="3000" dirty="0">
+                  <a:latin typeface="Calibri" panose="020F0502020204030204" pitchFamily="34" charset="0"/>
+                  <a:cs typeface="Calibri" panose="020F0502020204030204" pitchFamily="34" charset="0"/>
+                </a:endParaRPr>
+              </a:p>
+              <a:p>
+                <a:pPr marL="342900" indent="-342900">
+                  <a:buClr>
+                    <a:schemeClr val="tx1"/>
+                  </a:buClr>
+                  <a:buFont typeface="Arial" panose="020B0604020202020204" pitchFamily="34" charset="0"/>
+                  <a:buChar char="•"/>
+                </a:pPr>
+                <a14:m>
+                  <m:oMath xmlns:m="http://schemas.openxmlformats.org/officeDocument/2006/math">
+                    <m:r>
+                      <a:rPr lang="en-US" sz="3000" b="0" i="1" smtClean="0">
+                        <a:solidFill>
+                          <a:srgbClr val="C00000"/>
+                        </a:solidFill>
+                        <a:latin typeface="Cambria Math" panose="02040503050406030204" pitchFamily="18" charset="0"/>
+                      </a:rPr>
+                      <m:t>𝑉</m:t>
+                    </m:r>
+                  </m:oMath>
+                </a14:m>
+                <a:r>
+                  <a:rPr lang="en-US" sz="3000" dirty="0">
+                    <a:latin typeface="Calibri" panose="020F0502020204030204" pitchFamily="34" charset="0"/>
+                    <a:cs typeface="Calibri" panose="020F0502020204030204" pitchFamily="34" charset="0"/>
+                  </a:rPr>
+                  <a:t> is the top </a:t>
+                </a:r>
+                <a14:m>
+                  <m:oMath xmlns:m="http://schemas.openxmlformats.org/officeDocument/2006/math">
+                    <m:r>
+                      <a:rPr lang="en-US" sz="3000" i="1">
+                        <a:solidFill>
+                          <a:srgbClr val="C00000"/>
+                        </a:solidFill>
+                        <a:latin typeface="Cambria Math" panose="02040503050406030204" pitchFamily="18" charset="0"/>
+                      </a:rPr>
+                      <m:t>𝑘</m:t>
+                    </m:r>
+                  </m:oMath>
+                </a14:m>
+                <a:r>
+                  <a:rPr lang="en-US" sz="3000" dirty="0">
+                    <a:latin typeface="Calibri" panose="020F0502020204030204" pitchFamily="34" charset="0"/>
+                    <a:cs typeface="Calibri" panose="020F0502020204030204" pitchFamily="34" charset="0"/>
+                  </a:rPr>
+                  <a:t> right singular vectors of </a:t>
+                </a:r>
+                <a14:m>
+                  <m:oMath xmlns:m="http://schemas.openxmlformats.org/officeDocument/2006/math">
+                    <m:r>
+                      <a:rPr lang="en-US" sz="3000" b="0" i="1" smtClean="0">
+                        <a:solidFill>
+                          <a:srgbClr val="C00000"/>
+                        </a:solidFill>
+                        <a:latin typeface="Cambria Math" panose="02040503050406030204" pitchFamily="18" charset="0"/>
+                      </a:rPr>
+                      <m:t>𝐴</m:t>
+                    </m:r>
+                  </m:oMath>
+                </a14:m>
+                <a:endParaRPr lang="en-US" sz="3000" dirty="0">
+                  <a:latin typeface="Calibri" panose="020F0502020204030204" pitchFamily="34" charset="0"/>
+                  <a:cs typeface="Calibri" panose="020F0502020204030204" pitchFamily="34" charset="0"/>
+                </a:endParaRPr>
+              </a:p>
+              <a:p>
+                <a:pPr marL="342900" indent="-342900">
+                  <a:buClr>
+                    <a:schemeClr val="tx1"/>
+                  </a:buClr>
+                  <a:buFont typeface="Arial" panose="020B0604020202020204" pitchFamily="34" charset="0"/>
+                  <a:buChar char="•"/>
+                </a:pPr>
+                <a:r>
+                  <a:rPr lang="en-US" sz="3000" dirty="0">
+                    <a:latin typeface="Calibri" panose="020F0502020204030204" pitchFamily="34" charset="0"/>
+                    <a:cs typeface="Calibri" panose="020F0502020204030204" pitchFamily="34" charset="0"/>
+                  </a:rPr>
+                  <a:t>Can be computed in polynomial time using singular value decomposition (SVD)</a:t>
+                </a:r>
+              </a:p>
+            </p:txBody>
+          </p:sp>
+        </mc:Choice>
+        <mc:Fallback>
+          <p:sp>
+            <p:nvSpPr>
+              <p:cNvPr id="36" name="TextBox 42"/>
+              <p:cNvSpPr txBox="1">
+                <a:spLocks noRot="1" noChangeAspect="1" noMove="1" noResize="1" noEditPoints="1" noAdjustHandles="1" noChangeArrowheads="1" noChangeShapeType="1" noTextEdit="1"/>
+              </p:cNvSpPr>
+              <p:nvPr/>
+            </p:nvSpPr>
+            <p:spPr>
+              <a:xfrm>
+                <a:off x="982979" y="8205922"/>
+                <a:ext cx="7728262" cy="2408865"/>
+              </a:xfrm>
+              <a:prstGeom prst="rect">
+                <a:avLst/>
+              </a:prstGeom>
+              <a:blipFill>
+                <a:blip r:embed="rId5"/>
+                <a:stretch>
+                  <a:fillRect l="-2208" t="-3038" b="-7089"/>
+                </a:stretch>
+              </a:blipFill>
+              <a:ln w="12700">
+                <a:miter lim="400000"/>
+              </a:ln>
+              <a:extLst>
+                <a:ext uri="{C572A759-6A51-4108-AA02-DFA0A04FC94B}">
+                  <ma14:wrappingTextBoxFlag xmlns:ma14="http://schemas.microsoft.com/office/mac/drawingml/2011/main" xmlns:a14="http://schemas.microsoft.com/office/drawing/2010/main" xmlns:m="http://schemas.openxmlformats.org/officeDocument/2006/math" xmlns="" val="1"/>
+                </a:ext>
+              </a:extLst>
+            </p:spPr>
+            <p:txBody>
+              <a:bodyPr/>
+              <a:lstStyle/>
+              <a:p>
+                <a:r>
+                  <a:rPr lang="en-US">
+                    <a:noFill/>
+                  </a:rPr>
+                  <a:t> </a:t>
+                </a:r>
+              </a:p>
+            </p:txBody>
+          </p:sp>
+        </mc:Fallback>
+      </mc:AlternateContent>
       <p:sp>
         <p:nvSpPr>
-          <p:cNvPr id="34" name="TextBox 39"/>
+          <p:cNvPr id="37" name="TextBox 43"/>
           <p:cNvSpPr txBox="1"/>
           <p:nvPr/>
         </p:nvSpPr>
         <p:spPr>
           <a:xfrm>
-            <a:off x="986246" y="5018530"/>
-            <a:ext cx="9064534" cy="2571606"/>
+            <a:off x="11880670" y="3580560"/>
+            <a:ext cx="9064533" cy="646331"/>
           </a:xfrm>
           <a:prstGeom prst="rect">
             <a:avLst/>
@@ -1776,269 +2511,7 @@
           </a:ln>
           <a:extLst>
             <a:ext uri="{C572A759-6A51-4108-AA02-DFA0A04FC94B}">
-              <ma14:wrappingTextBoxFlag xmlns="" xmlns:m="http://schemas.openxmlformats.org/officeDocument/2006/math" xmlns:a14="http://schemas.microsoft.com/office/drawing/2010/main" xmlns:ma14="http://schemas.microsoft.com/office/mac/drawingml/2011/main" val="1"/>
-            </a:ext>
-          </a:extLst>
-        </p:spPr>
-        <p:txBody>
-          <a:bodyPr lIns="45719" rIns="45719">
-            <a:spAutoFit/>
-          </a:bodyPr>
-          <a:lstStyle>
-            <a:lvl1pPr>
-              <a:lnSpc>
-                <a:spcPct val="120000"/>
-              </a:lnSpc>
-              <a:defRPr sz="2100">
-                <a:solidFill>
-                  <a:srgbClr val="344854"/>
-                </a:solidFill>
-                <a:latin typeface="Arial"/>
-                <a:ea typeface="Arial"/>
-                <a:cs typeface="Arial"/>
-                <a:sym typeface="Arial"/>
-              </a:defRPr>
-            </a:lvl1pPr>
-          </a:lstStyle>
-          <a:p>
-            <a:r>
-              <a:t>This section is an example of a paragraph.  When creating sections, regardless of whether you're putting in text or images, always try to align to the edges of the yellow guidelines. This poster canvas is broken into 3 columns, and aligning to the edges will make it much easier for viewers to differentiate sections and read information. The same is true of horizontal spaces between sections, try to space them equally and with a good amount of breathing room in between each.</a:t>
-            </a:r>
-          </a:p>
-        </p:txBody>
-      </p:sp>
-      <p:sp>
-        <p:nvSpPr>
-          <p:cNvPr id="35" name="TextBox 41"/>
-          <p:cNvSpPr txBox="1"/>
-          <p:nvPr/>
-        </p:nvSpPr>
-        <p:spPr>
-          <a:xfrm>
-            <a:off x="11854541" y="9929327"/>
-            <a:ext cx="9130938" cy="1843576"/>
-          </a:xfrm>
-          <a:prstGeom prst="rect">
-            <a:avLst/>
-          </a:prstGeom>
-          <a:ln w="12700">
-            <a:miter lim="400000"/>
-          </a:ln>
-          <a:extLst>
-            <a:ext uri="{C572A759-6A51-4108-AA02-DFA0A04FC94B}">
-              <ma14:wrappingTextBoxFlag xmlns="" xmlns:m="http://schemas.openxmlformats.org/officeDocument/2006/math" xmlns:a14="http://schemas.microsoft.com/office/drawing/2010/main" xmlns:ma14="http://schemas.microsoft.com/office/mac/drawingml/2011/main" val="1"/>
-            </a:ext>
-          </a:extLst>
-        </p:spPr>
-        <p:txBody>
-          <a:bodyPr lIns="45719" rIns="45719">
-            <a:spAutoFit/>
-          </a:bodyPr>
-          <a:lstStyle>
-            <a:lvl1pPr>
-              <a:lnSpc>
-                <a:spcPct val="120000"/>
-              </a:lnSpc>
-              <a:defRPr sz="2100">
-                <a:solidFill>
-                  <a:srgbClr val="344854"/>
-                </a:solidFill>
-                <a:latin typeface="Arial"/>
-                <a:ea typeface="Arial"/>
-                <a:cs typeface="Arial"/>
-                <a:sym typeface="Arial"/>
-              </a:defRPr>
-            </a:lvl1pPr>
-          </a:lstStyle>
-          <a:p>
-            <a:r>
-              <a:t>This section is an example of a paragraph.  When creating sections, regardless of whether you're putting in text or images, always try to align to the edges of the yellow guidelines. This poster canvas is broken into 3 columns, and aligning to the edges will make it much easier for viewers to differentiate sections and read information.</a:t>
-            </a:r>
-          </a:p>
-        </p:txBody>
-      </p:sp>
-      <p:sp>
-        <p:nvSpPr>
-          <p:cNvPr id="36" name="TextBox 42"/>
-          <p:cNvSpPr txBox="1"/>
-          <p:nvPr/>
-        </p:nvSpPr>
-        <p:spPr>
-          <a:xfrm>
-            <a:off x="986246" y="8076110"/>
-            <a:ext cx="9064534" cy="2571606"/>
-          </a:xfrm>
-          <a:prstGeom prst="rect">
-            <a:avLst/>
-          </a:prstGeom>
-          <a:ln w="12700">
-            <a:miter lim="400000"/>
-          </a:ln>
-          <a:extLst>
-            <a:ext uri="{C572A759-6A51-4108-AA02-DFA0A04FC94B}">
-              <ma14:wrappingTextBoxFlag xmlns="" xmlns:m="http://schemas.openxmlformats.org/officeDocument/2006/math" xmlns:a14="http://schemas.microsoft.com/office/drawing/2010/main" xmlns:ma14="http://schemas.microsoft.com/office/mac/drawingml/2011/main" val="1"/>
-            </a:ext>
-          </a:extLst>
-        </p:spPr>
-        <p:txBody>
-          <a:bodyPr lIns="45719" rIns="45719">
-            <a:spAutoFit/>
-          </a:bodyPr>
-          <a:lstStyle/>
-          <a:p>
-            <a:pPr marL="342900" indent="-342900">
-              <a:lnSpc>
-                <a:spcPct val="120000"/>
-              </a:lnSpc>
-              <a:buSzPct val="100000"/>
-              <a:buFont typeface="Arial"/>
-              <a:buChar char="•"/>
-              <a:defRPr sz="2100">
-                <a:solidFill>
-                  <a:srgbClr val="344854"/>
-                </a:solidFill>
-                <a:latin typeface="Arial"/>
-                <a:ea typeface="Arial"/>
-                <a:cs typeface="Arial"/>
-                <a:sym typeface="Arial"/>
-              </a:defRPr>
-            </a:pPr>
-            <a:r>
-              <a:t>Bulleted list item</a:t>
-            </a:r>
-          </a:p>
-          <a:p>
-            <a:pPr marL="342900" indent="-342900">
-              <a:lnSpc>
-                <a:spcPct val="120000"/>
-              </a:lnSpc>
-              <a:buSzPct val="100000"/>
-              <a:buFont typeface="Arial"/>
-              <a:buChar char="•"/>
-              <a:defRPr sz="2100">
-                <a:solidFill>
-                  <a:srgbClr val="344854"/>
-                </a:solidFill>
-                <a:latin typeface="Arial"/>
-                <a:ea typeface="Arial"/>
-                <a:cs typeface="Arial"/>
-                <a:sym typeface="Arial"/>
-              </a:defRPr>
-            </a:pPr>
-            <a:r>
-              <a:t>Bulleted list item</a:t>
-            </a:r>
-          </a:p>
-          <a:p>
-            <a:pPr marL="342900" indent="-342900">
-              <a:lnSpc>
-                <a:spcPct val="120000"/>
-              </a:lnSpc>
-              <a:buSzPct val="100000"/>
-              <a:buFont typeface="Arial"/>
-              <a:buChar char="•"/>
-              <a:defRPr sz="2100">
-                <a:solidFill>
-                  <a:srgbClr val="344854"/>
-                </a:solidFill>
-                <a:latin typeface="Arial"/>
-                <a:ea typeface="Arial"/>
-                <a:cs typeface="Arial"/>
-                <a:sym typeface="Arial"/>
-              </a:defRPr>
-            </a:pPr>
-            <a:r>
-              <a:t>Bulleted list item</a:t>
-            </a:r>
-          </a:p>
-          <a:p>
-            <a:pPr marL="342900" indent="-342900">
-              <a:lnSpc>
-                <a:spcPct val="120000"/>
-              </a:lnSpc>
-              <a:buSzPct val="100000"/>
-              <a:buFont typeface="Arial"/>
-              <a:buChar char="•"/>
-              <a:defRPr sz="2100">
-                <a:solidFill>
-                  <a:srgbClr val="344854"/>
-                </a:solidFill>
-                <a:latin typeface="Arial"/>
-                <a:ea typeface="Arial"/>
-                <a:cs typeface="Arial"/>
-                <a:sym typeface="Arial"/>
-              </a:defRPr>
-            </a:pPr>
-            <a:r>
-              <a:t>Bulleted list item</a:t>
-            </a:r>
-          </a:p>
-          <a:p>
-            <a:pPr marL="342900" indent="-342900">
-              <a:lnSpc>
-                <a:spcPct val="120000"/>
-              </a:lnSpc>
-              <a:buSzPct val="100000"/>
-              <a:buFont typeface="Arial"/>
-              <a:buChar char="•"/>
-              <a:defRPr sz="2100">
-                <a:solidFill>
-                  <a:srgbClr val="344854"/>
-                </a:solidFill>
-                <a:latin typeface="Arial"/>
-                <a:ea typeface="Arial"/>
-                <a:cs typeface="Arial"/>
-                <a:sym typeface="Arial"/>
-              </a:defRPr>
-            </a:pPr>
-            <a:r>
-              <a:t>Bulleted list item</a:t>
-            </a:r>
-          </a:p>
-          <a:p>
-            <a:pPr marL="342900" indent="-342900">
-              <a:lnSpc>
-                <a:spcPct val="120000"/>
-              </a:lnSpc>
-              <a:buSzPct val="100000"/>
-              <a:buFont typeface="Arial"/>
-              <a:buChar char="•"/>
-              <a:defRPr sz="2100">
-                <a:solidFill>
-                  <a:srgbClr val="344854"/>
-                </a:solidFill>
-                <a:latin typeface="Arial"/>
-                <a:ea typeface="Arial"/>
-                <a:cs typeface="Arial"/>
-                <a:sym typeface="Arial"/>
-              </a:defRPr>
-            </a:pPr>
-            <a:r>
-              <a:t>Bulleted list item</a:t>
-            </a:r>
-          </a:p>
-        </p:txBody>
-      </p:sp>
-      <p:sp>
-        <p:nvSpPr>
-          <p:cNvPr id="37" name="TextBox 43"/>
-          <p:cNvSpPr txBox="1"/>
-          <p:nvPr/>
-        </p:nvSpPr>
-        <p:spPr>
-          <a:xfrm>
-            <a:off x="11880670" y="3580560"/>
-            <a:ext cx="9064533" cy="572615"/>
-          </a:xfrm>
-          <a:prstGeom prst="rect">
-            <a:avLst/>
-          </a:prstGeom>
-          <a:ln w="12700">
-            <a:miter lim="400000"/>
-          </a:ln>
-          <a:extLst>
-            <a:ext uri="{C572A759-6A51-4108-AA02-DFA0A04FC94B}">
-              <ma14:wrappingTextBoxFlag xmlns="" xmlns:m="http://schemas.openxmlformats.org/officeDocument/2006/math" xmlns:a14="http://schemas.microsoft.com/office/drawing/2010/main" xmlns:ma14="http://schemas.microsoft.com/office/mac/drawingml/2011/main" val="1"/>
+              <ma14:wrappingTextBoxFlag xmlns:ma14="http://schemas.microsoft.com/office/mac/drawingml/2011/main" xmlns:a14="http://schemas.microsoft.com/office/drawing/2010/main" xmlns:m="http://schemas.openxmlformats.org/officeDocument/2006/math" xmlns="" val="1"/>
             </a:ext>
           </a:extLst>
         </p:spPr>
@@ -2058,21 +2531,1553 @@
           </a:lstStyle>
           <a:p>
             <a:r>
-              <a:t>Section header in 34pt font</a:t>
+              <a:rPr lang="en-US" sz="3600" dirty="0">
+                <a:solidFill>
+                  <a:srgbClr val="C00000"/>
+                </a:solidFill>
+                <a:latin typeface="Calibri Light" panose="020F0302020204030204" pitchFamily="34" charset="0"/>
+                <a:cs typeface="Calibri Light" panose="020F0302020204030204" pitchFamily="34" charset="0"/>
+              </a:rPr>
+              <a:t>Our Results</a:t>
             </a:r>
+            <a:endParaRPr lang="en-US" sz="3600" dirty="0"/>
           </a:p>
         </p:txBody>
       </p:sp>
+      <mc:AlternateContent xmlns:mc="http://schemas.openxmlformats.org/markup-compatibility/2006">
+        <mc:Choice xmlns:a14="http://schemas.microsoft.com/office/drawing/2010/main" Requires="a14">
+          <p:sp>
+            <p:nvSpPr>
+              <p:cNvPr id="38" name="TextBox 44"/>
+              <p:cNvSpPr txBox="1"/>
+              <p:nvPr/>
+            </p:nvSpPr>
+            <p:spPr>
+              <a:xfrm>
+                <a:off x="11880670" y="4326744"/>
+                <a:ext cx="9064533" cy="11222303"/>
+              </a:xfrm>
+              <a:prstGeom prst="rect">
+                <a:avLst/>
+              </a:prstGeom>
+              <a:ln w="12700">
+                <a:miter lim="400000"/>
+              </a:ln>
+              <a:extLst>
+                <a:ext uri="{C572A759-6A51-4108-AA02-DFA0A04FC94B}">
+                  <ma14:wrappingTextBoxFlag xmlns:ma14="http://schemas.microsoft.com/office/mac/drawingml/2011/main" xmlns:m="http://schemas.openxmlformats.org/officeDocument/2006/math" xmlns="" val="1"/>
+                </a:ext>
+              </a:extLst>
+            </p:spPr>
+            <p:txBody>
+              <a:bodyPr lIns="45719" rIns="45719">
+                <a:spAutoFit/>
+              </a:bodyPr>
+              <a:lstStyle>
+                <a:lvl1pPr>
+                  <a:defRPr sz="2100">
+                    <a:latin typeface="Arial"/>
+                    <a:ea typeface="Arial"/>
+                    <a:cs typeface="Arial"/>
+                    <a:sym typeface="Arial"/>
+                  </a:defRPr>
+                </a:lvl1pPr>
+              </a:lstStyle>
+              <a:p>
+                <a:pPr>
+                  <a:buClr>
+                    <a:schemeClr val="tx1"/>
+                  </a:buClr>
+                </a:pPr>
+                <a:r>
+                  <a:rPr lang="en-US" sz="3000" dirty="0">
+                    <a:latin typeface="Calibri" panose="020F0502020204030204" pitchFamily="34" charset="0"/>
+                    <a:cs typeface="Calibri" panose="020F0502020204030204" pitchFamily="34" charset="0"/>
+                  </a:rPr>
+                  <a:t>Fair low-rank approximation is NP-hard to approximation within any constant factor</a:t>
+                </a:r>
+              </a:p>
+              <a:p>
+                <a:pPr>
+                  <a:buClr>
+                    <a:schemeClr val="tx1"/>
+                  </a:buClr>
+                </a:pPr>
+                <a:endParaRPr lang="en-US" sz="3000" dirty="0">
+                  <a:latin typeface="Calibri" panose="020F0502020204030204" pitchFamily="34" charset="0"/>
+                  <a:cs typeface="Calibri" panose="020F0502020204030204" pitchFamily="34" charset="0"/>
+                </a:endParaRPr>
+              </a:p>
+              <a:p>
+                <a:pPr>
+                  <a:buClr>
+                    <a:schemeClr val="tx1"/>
+                  </a:buClr>
+                </a:pPr>
+                <a:r>
+                  <a:rPr lang="en-US" sz="3000" dirty="0">
+                    <a:latin typeface="Calibri" panose="020F0502020204030204" pitchFamily="34" charset="0"/>
+                    <a:cs typeface="Calibri" panose="020F0502020204030204" pitchFamily="34" charset="0"/>
+                  </a:rPr>
+                  <a:t>Under the exponential time hypothesis (ETH), fair low-rank approximation requires </a:t>
+                </a:r>
+                <a14:m>
+                  <m:oMath xmlns:m="http://schemas.openxmlformats.org/officeDocument/2006/math">
+                    <m:sSup>
+                      <m:sSupPr>
+                        <m:ctrlPr>
+                          <a:rPr lang="en-US" sz="3000" b="0" i="1" smtClean="0">
+                            <a:solidFill>
+                              <a:srgbClr val="C00000"/>
+                            </a:solidFill>
+                            <a:latin typeface="Cambria Math" panose="02040503050406030204" pitchFamily="18" charset="0"/>
+                            <a:cs typeface="Calibri" panose="020F0502020204030204" pitchFamily="34" charset="0"/>
+                          </a:rPr>
+                        </m:ctrlPr>
+                      </m:sSupPr>
+                      <m:e>
+                        <m:r>
+                          <a:rPr lang="en-US" sz="3000" b="0" i="1" smtClean="0">
+                            <a:solidFill>
+                              <a:srgbClr val="C00000"/>
+                            </a:solidFill>
+                            <a:latin typeface="Cambria Math" panose="02040503050406030204" pitchFamily="18" charset="0"/>
+                            <a:cs typeface="Calibri" panose="020F0502020204030204" pitchFamily="34" charset="0"/>
+                          </a:rPr>
+                          <m:t>2</m:t>
+                        </m:r>
+                      </m:e>
+                      <m:sup>
+                        <m:sSup>
+                          <m:sSupPr>
+                            <m:ctrlPr>
+                              <a:rPr lang="en-US" sz="3000" b="0" i="1" smtClean="0">
+                                <a:solidFill>
+                                  <a:srgbClr val="C00000"/>
+                                </a:solidFill>
+                                <a:latin typeface="Cambria Math" panose="02040503050406030204" pitchFamily="18" charset="0"/>
+                                <a:cs typeface="Calibri" panose="020F0502020204030204" pitchFamily="34" charset="0"/>
+                              </a:rPr>
+                            </m:ctrlPr>
+                          </m:sSupPr>
+                          <m:e>
+                            <m:r>
+                              <a:rPr lang="en-US" sz="3000" b="0" i="1" smtClean="0">
+                                <a:solidFill>
+                                  <a:srgbClr val="C00000"/>
+                                </a:solidFill>
+                                <a:latin typeface="Cambria Math" panose="02040503050406030204" pitchFamily="18" charset="0"/>
+                                <a:cs typeface="Calibri" panose="020F0502020204030204" pitchFamily="34" charset="0"/>
+                              </a:rPr>
+                              <m:t>𝑘</m:t>
+                            </m:r>
+                          </m:e>
+                          <m:sup>
+                            <m:r>
+                              <m:rPr>
+                                <m:sty m:val="p"/>
+                              </m:rPr>
+                              <a:rPr lang="en-US" sz="3000" b="0" i="0" smtClean="0">
+                                <a:solidFill>
+                                  <a:srgbClr val="C00000"/>
+                                </a:solidFill>
+                                <a:latin typeface="Cambria Math" panose="02040503050406030204" pitchFamily="18" charset="0"/>
+                                <a:cs typeface="Calibri" panose="020F0502020204030204" pitchFamily="34" charset="0"/>
+                              </a:rPr>
+                              <m:t>Ω</m:t>
+                            </m:r>
+                            <m:r>
+                              <a:rPr lang="en-US" sz="3000" b="0" i="1" smtClean="0">
+                                <a:solidFill>
+                                  <a:srgbClr val="C00000"/>
+                                </a:solidFill>
+                                <a:latin typeface="Cambria Math" panose="02040503050406030204" pitchFamily="18" charset="0"/>
+                                <a:cs typeface="Calibri" panose="020F0502020204030204" pitchFamily="34" charset="0"/>
+                              </a:rPr>
+                              <m:t>(1)</m:t>
+                            </m:r>
+                          </m:sup>
+                        </m:sSup>
+                      </m:sup>
+                    </m:sSup>
+                  </m:oMath>
+                </a14:m>
+                <a:r>
+                  <a:rPr lang="en-US" sz="3000" dirty="0">
+                    <a:latin typeface="Calibri" panose="020F0502020204030204" pitchFamily="34" charset="0"/>
+                    <a:cs typeface="Calibri" panose="020F0502020204030204" pitchFamily="34" charset="0"/>
+                  </a:rPr>
+                  <a:t> time to approximate within any constant factor</a:t>
+                </a:r>
+              </a:p>
+              <a:p>
+                <a:pPr>
+                  <a:buClr>
+                    <a:schemeClr val="tx1"/>
+                  </a:buClr>
+                </a:pPr>
+                <a:endParaRPr lang="en-US" sz="3000" dirty="0">
+                  <a:latin typeface="Calibri" panose="020F0502020204030204" pitchFamily="34" charset="0"/>
+                  <a:cs typeface="Calibri" panose="020F0502020204030204" pitchFamily="34" charset="0"/>
+                </a:endParaRPr>
+              </a:p>
+              <a:p>
+                <a:pPr>
+                  <a:buClr>
+                    <a:schemeClr val="tx1"/>
+                  </a:buClr>
+                </a:pPr>
+                <a:r>
+                  <a:rPr lang="en-US" sz="3000" dirty="0">
+                    <a:solidFill>
+                      <a:srgbClr val="C00000"/>
+                    </a:solidFill>
+                    <a:latin typeface="Calibri" panose="020F0502020204030204" pitchFamily="34" charset="0"/>
+                    <a:cs typeface="Calibri" panose="020F0502020204030204" pitchFamily="34" charset="0"/>
+                  </a:rPr>
+                  <a:t>Recall</a:t>
+                </a:r>
+                <a:r>
+                  <a:rPr lang="en-US" sz="3000" dirty="0">
+                    <a:latin typeface="Calibri" panose="020F0502020204030204" pitchFamily="34" charset="0"/>
+                    <a:cs typeface="Calibri" panose="020F0502020204030204" pitchFamily="34" charset="0"/>
+                  </a:rPr>
+                  <a:t>: Low-rank approximation is exactly solvable in polynomial time</a:t>
+                </a:r>
+              </a:p>
+              <a:p>
+                <a:pPr>
+                  <a:buClr>
+                    <a:schemeClr val="tx1"/>
+                  </a:buClr>
+                </a:pPr>
+                <a:endParaRPr lang="en-US" sz="3000" dirty="0">
+                  <a:latin typeface="Calibri" panose="020F0502020204030204" pitchFamily="34" charset="0"/>
+                  <a:cs typeface="Calibri" panose="020F0502020204030204" pitchFamily="34" charset="0"/>
+                </a:endParaRPr>
+              </a:p>
+              <a:p>
+                <a:pPr>
+                  <a:buClr>
+                    <a:schemeClr val="tx1"/>
+                  </a:buClr>
+                </a:pPr>
+                <a:r>
+                  <a:rPr lang="en-US" sz="2800" dirty="0">
+                    <a:latin typeface="Calibri" panose="020F0502020204030204" pitchFamily="34" charset="0"/>
+                    <a:cs typeface="Calibri" panose="020F0502020204030204" pitchFamily="34" charset="0"/>
+                  </a:rPr>
+                  <a:t>Given accuracy parameter </a:t>
+                </a:r>
+                <a14:m>
+                  <m:oMath xmlns:m="http://schemas.openxmlformats.org/officeDocument/2006/math">
+                    <m:r>
+                      <a:rPr lang="en-US" sz="2800" b="0" i="1" smtClean="0">
+                        <a:solidFill>
+                          <a:srgbClr val="C00000"/>
+                        </a:solidFill>
+                        <a:latin typeface="Cambria Math" panose="02040503050406030204" pitchFamily="18" charset="0"/>
+                        <a:cs typeface="Calibri" panose="020F0502020204030204" pitchFamily="34" charset="0"/>
+                      </a:rPr>
+                      <m:t>𝜀</m:t>
+                    </m:r>
+                    <m:r>
+                      <a:rPr lang="en-US" sz="2800" b="0" i="1" smtClean="0">
+                        <a:solidFill>
+                          <a:srgbClr val="C00000"/>
+                        </a:solidFill>
+                        <a:latin typeface="Cambria Math" panose="02040503050406030204" pitchFamily="18" charset="0"/>
+                        <a:cs typeface="Calibri" panose="020F0502020204030204" pitchFamily="34" charset="0"/>
+                      </a:rPr>
+                      <m:t>∈</m:t>
+                    </m:r>
+                    <m:d>
+                      <m:dPr>
+                        <m:ctrlPr>
+                          <a:rPr lang="en-US" sz="2800" b="0" i="1" smtClean="0">
+                            <a:solidFill>
+                              <a:srgbClr val="C00000"/>
+                            </a:solidFill>
+                            <a:latin typeface="Cambria Math" panose="02040503050406030204" pitchFamily="18" charset="0"/>
+                            <a:cs typeface="Calibri" panose="020F0502020204030204" pitchFamily="34" charset="0"/>
+                          </a:rPr>
+                        </m:ctrlPr>
+                      </m:dPr>
+                      <m:e>
+                        <m:r>
+                          <a:rPr lang="en-US" sz="2800" b="0" i="1" smtClean="0">
+                            <a:solidFill>
+                              <a:srgbClr val="C00000"/>
+                            </a:solidFill>
+                            <a:latin typeface="Cambria Math" panose="02040503050406030204" pitchFamily="18" charset="0"/>
+                            <a:cs typeface="Calibri" panose="020F0502020204030204" pitchFamily="34" charset="0"/>
+                          </a:rPr>
+                          <m:t>0,1</m:t>
+                        </m:r>
+                      </m:e>
+                    </m:d>
+                  </m:oMath>
+                </a14:m>
+                <a:r>
+                  <a:rPr lang="en-US" sz="2800" dirty="0">
+                    <a:latin typeface="Calibri" panose="020F0502020204030204" pitchFamily="34" charset="0"/>
+                    <a:cs typeface="Calibri" panose="020F0502020204030204" pitchFamily="34" charset="0"/>
+                  </a:rPr>
+                  <a:t>, there exists </a:t>
+                </a:r>
+                <a14:m>
+                  <m:oMath xmlns:m="http://schemas.openxmlformats.org/officeDocument/2006/math">
+                    <m:d>
+                      <m:dPr>
+                        <m:ctrlPr>
+                          <a:rPr lang="en-US" sz="2800" b="0" i="1" smtClean="0">
+                            <a:solidFill>
+                              <a:srgbClr val="C00000"/>
+                            </a:solidFill>
+                            <a:latin typeface="Cambria Math" panose="02040503050406030204" pitchFamily="18" charset="0"/>
+                            <a:cs typeface="Calibri" panose="020F0502020204030204" pitchFamily="34" charset="0"/>
+                          </a:rPr>
+                        </m:ctrlPr>
+                      </m:dPr>
+                      <m:e>
+                        <m:r>
+                          <a:rPr lang="en-US" sz="2800" b="0" i="1" smtClean="0">
+                            <a:solidFill>
+                              <a:srgbClr val="C00000"/>
+                            </a:solidFill>
+                            <a:latin typeface="Cambria Math" panose="02040503050406030204" pitchFamily="18" charset="0"/>
+                            <a:cs typeface="Calibri" panose="020F0502020204030204" pitchFamily="34" charset="0"/>
+                          </a:rPr>
+                          <m:t>1+</m:t>
+                        </m:r>
+                        <m:r>
+                          <a:rPr lang="en-US" sz="2800" b="0" i="1" smtClean="0">
+                            <a:solidFill>
+                              <a:srgbClr val="C00000"/>
+                            </a:solidFill>
+                            <a:latin typeface="Cambria Math" panose="02040503050406030204" pitchFamily="18" charset="0"/>
+                            <a:cs typeface="Calibri" panose="020F0502020204030204" pitchFamily="34" charset="0"/>
+                          </a:rPr>
+                          <m:t>𝜀</m:t>
+                        </m:r>
+                      </m:e>
+                    </m:d>
+                  </m:oMath>
+                </a14:m>
+                <a:r>
+                  <a:rPr lang="en-US" sz="2800" dirty="0">
+                    <a:latin typeface="Calibri" panose="020F0502020204030204" pitchFamily="34" charset="0"/>
+                    <a:cs typeface="Calibri" panose="020F0502020204030204" pitchFamily="34" charset="0"/>
+                  </a:rPr>
+                  <a:t>-approximation algorithm for fair low-rank approximation that uses time </a:t>
+                </a:r>
+                <a14:m>
+                  <m:oMath xmlns:m="http://schemas.openxmlformats.org/officeDocument/2006/math">
+                    <m:f>
+                      <m:fPr>
+                        <m:ctrlPr>
+                          <a:rPr lang="en-US" sz="2800" b="0" i="1" smtClean="0">
+                            <a:solidFill>
+                              <a:srgbClr val="C00000"/>
+                            </a:solidFill>
+                            <a:latin typeface="Cambria Math" panose="02040503050406030204" pitchFamily="18" charset="0"/>
+                            <a:cs typeface="Calibri" panose="020F0502020204030204" pitchFamily="34" charset="0"/>
+                          </a:rPr>
+                        </m:ctrlPr>
+                      </m:fPr>
+                      <m:num>
+                        <m:r>
+                          <a:rPr lang="en-US" sz="2800" b="0" i="1" smtClean="0">
+                            <a:solidFill>
+                              <a:srgbClr val="C00000"/>
+                            </a:solidFill>
+                            <a:latin typeface="Cambria Math" panose="02040503050406030204" pitchFamily="18" charset="0"/>
+                            <a:cs typeface="Calibri" panose="020F0502020204030204" pitchFamily="34" charset="0"/>
+                          </a:rPr>
+                          <m:t>1</m:t>
+                        </m:r>
+                      </m:num>
+                      <m:den>
+                        <m:r>
+                          <a:rPr lang="en-US" sz="2800" b="0" i="1" smtClean="0">
+                            <a:solidFill>
+                              <a:srgbClr val="C00000"/>
+                            </a:solidFill>
+                            <a:latin typeface="Cambria Math" panose="02040503050406030204" pitchFamily="18" charset="0"/>
+                            <a:cs typeface="Calibri" panose="020F0502020204030204" pitchFamily="34" charset="0"/>
+                          </a:rPr>
+                          <m:t>𝜀</m:t>
+                        </m:r>
+                      </m:den>
+                    </m:f>
+                    <m:r>
+                      <a:rPr lang="en-US" sz="2800" b="0" i="0" smtClean="0">
+                        <a:solidFill>
+                          <a:srgbClr val="C00000"/>
+                        </a:solidFill>
+                        <a:latin typeface="Cambria Math" panose="02040503050406030204" pitchFamily="18" charset="0"/>
+                        <a:cs typeface="Calibri" panose="020F0502020204030204" pitchFamily="34" charset="0"/>
+                      </a:rPr>
+                      <m:t> </m:t>
+                    </m:r>
+                    <m:r>
+                      <m:rPr>
+                        <m:sty m:val="p"/>
+                      </m:rPr>
+                      <a:rPr lang="en-US" sz="2800" b="0" i="0" smtClean="0">
+                        <a:solidFill>
+                          <a:srgbClr val="C00000"/>
+                        </a:solidFill>
+                        <a:latin typeface="Cambria Math" panose="02040503050406030204" pitchFamily="18" charset="0"/>
+                        <a:cs typeface="Calibri" panose="020F0502020204030204" pitchFamily="34" charset="0"/>
+                      </a:rPr>
+                      <m:t>poly</m:t>
+                    </m:r>
+                    <m:d>
+                      <m:dPr>
+                        <m:ctrlPr>
+                          <a:rPr lang="en-US" sz="2800" b="0" i="1" smtClean="0">
+                            <a:solidFill>
+                              <a:srgbClr val="C00000"/>
+                            </a:solidFill>
+                            <a:latin typeface="Cambria Math" panose="02040503050406030204" pitchFamily="18" charset="0"/>
+                            <a:cs typeface="Calibri" panose="020F0502020204030204" pitchFamily="34" charset="0"/>
+                          </a:rPr>
+                        </m:ctrlPr>
+                      </m:dPr>
+                      <m:e>
+                        <m:r>
+                          <a:rPr lang="en-US" sz="2800" b="0" i="1" smtClean="0">
+                            <a:solidFill>
+                              <a:srgbClr val="C00000"/>
+                            </a:solidFill>
+                            <a:latin typeface="Cambria Math" panose="02040503050406030204" pitchFamily="18" charset="0"/>
+                            <a:cs typeface="Calibri" panose="020F0502020204030204" pitchFamily="34" charset="0"/>
+                          </a:rPr>
+                          <m:t>𝑛</m:t>
+                        </m:r>
+                      </m:e>
+                    </m:d>
+                    <m:r>
+                      <a:rPr lang="en-US" sz="2800" b="0" i="1" smtClean="0">
+                        <a:solidFill>
+                          <a:srgbClr val="C00000"/>
+                        </a:solidFill>
+                        <a:latin typeface="Cambria Math" panose="02040503050406030204" pitchFamily="18" charset="0"/>
+                        <a:cs typeface="Calibri" panose="020F0502020204030204" pitchFamily="34" charset="0"/>
+                      </a:rPr>
+                      <m:t>⋅</m:t>
+                    </m:r>
+                    <m:sSup>
+                      <m:sSupPr>
+                        <m:ctrlPr>
+                          <a:rPr lang="en-US" sz="2800" b="0" i="1" smtClean="0">
+                            <a:solidFill>
+                              <a:srgbClr val="C00000"/>
+                            </a:solidFill>
+                            <a:latin typeface="Cambria Math" panose="02040503050406030204" pitchFamily="18" charset="0"/>
+                            <a:cs typeface="Calibri" panose="020F0502020204030204" pitchFamily="34" charset="0"/>
+                          </a:rPr>
+                        </m:ctrlPr>
+                      </m:sSupPr>
+                      <m:e>
+                        <m:d>
+                          <m:dPr>
+                            <m:ctrlPr>
+                              <a:rPr lang="en-US" sz="2800" b="0" i="1" smtClean="0">
+                                <a:solidFill>
+                                  <a:srgbClr val="C00000"/>
+                                </a:solidFill>
+                                <a:latin typeface="Cambria Math" panose="02040503050406030204" pitchFamily="18" charset="0"/>
+                                <a:cs typeface="Calibri" panose="020F0502020204030204" pitchFamily="34" charset="0"/>
+                              </a:rPr>
+                            </m:ctrlPr>
+                          </m:dPr>
+                          <m:e>
+                            <m:r>
+                              <a:rPr lang="en-US" sz="2800" b="0" i="1" smtClean="0">
+                                <a:solidFill>
+                                  <a:srgbClr val="C00000"/>
+                                </a:solidFill>
+                                <a:latin typeface="Cambria Math" panose="02040503050406030204" pitchFamily="18" charset="0"/>
+                                <a:cs typeface="Calibri" panose="020F0502020204030204" pitchFamily="34" charset="0"/>
+                              </a:rPr>
+                              <m:t>2ℓ</m:t>
+                            </m:r>
+                          </m:e>
+                        </m:d>
+                      </m:e>
+                      <m:sup>
+                        <m:r>
+                          <m:rPr>
+                            <m:sty m:val="p"/>
+                          </m:rPr>
+                          <a:rPr lang="en-US" sz="2800" b="0" i="0" smtClean="0">
+                            <a:solidFill>
+                              <a:srgbClr val="C00000"/>
+                            </a:solidFill>
+                            <a:latin typeface="Cambria Math" panose="02040503050406030204" pitchFamily="18" charset="0"/>
+                            <a:cs typeface="Calibri" panose="020F0502020204030204" pitchFamily="34" charset="0"/>
+                          </a:rPr>
+                          <m:t>poly</m:t>
+                        </m:r>
+                        <m:d>
+                          <m:dPr>
+                            <m:ctrlPr>
+                              <a:rPr lang="en-US" sz="2800" b="0" i="1" smtClean="0">
+                                <a:solidFill>
+                                  <a:srgbClr val="C00000"/>
+                                </a:solidFill>
+                                <a:latin typeface="Cambria Math" panose="02040503050406030204" pitchFamily="18" charset="0"/>
+                                <a:cs typeface="Calibri" panose="020F0502020204030204" pitchFamily="34" charset="0"/>
+                              </a:rPr>
+                            </m:ctrlPr>
+                          </m:dPr>
+                          <m:e>
+                            <m:r>
+                              <a:rPr lang="en-US" sz="2800" b="0" i="1" smtClean="0">
+                                <a:solidFill>
+                                  <a:srgbClr val="C00000"/>
+                                </a:solidFill>
+                                <a:latin typeface="Cambria Math" panose="02040503050406030204" pitchFamily="18" charset="0"/>
+                                <a:cs typeface="Calibri" panose="020F0502020204030204" pitchFamily="34" charset="0"/>
+                              </a:rPr>
+                              <m:t>ℓ,</m:t>
+                            </m:r>
+                            <m:r>
+                              <a:rPr lang="en-US" sz="2800" b="0" i="1" smtClean="0">
+                                <a:solidFill>
+                                  <a:srgbClr val="C00000"/>
+                                </a:solidFill>
+                                <a:latin typeface="Cambria Math" panose="02040503050406030204" pitchFamily="18" charset="0"/>
+                                <a:cs typeface="Calibri" panose="020F0502020204030204" pitchFamily="34" charset="0"/>
+                              </a:rPr>
+                              <m:t>𝑘</m:t>
+                            </m:r>
+                            <m:r>
+                              <a:rPr lang="en-US" sz="2800" b="0" i="1" smtClean="0">
+                                <a:solidFill>
+                                  <a:srgbClr val="C00000"/>
+                                </a:solidFill>
+                                <a:latin typeface="Cambria Math" panose="02040503050406030204" pitchFamily="18" charset="0"/>
+                                <a:cs typeface="Calibri" panose="020F0502020204030204" pitchFamily="34" charset="0"/>
+                              </a:rPr>
+                              <m:t>,</m:t>
+                            </m:r>
+                            <m:f>
+                              <m:fPr>
+                                <m:ctrlPr>
+                                  <a:rPr lang="en-US" sz="2800" b="0" i="1" smtClean="0">
+                                    <a:solidFill>
+                                      <a:srgbClr val="C00000"/>
+                                    </a:solidFill>
+                                    <a:latin typeface="Cambria Math" panose="02040503050406030204" pitchFamily="18" charset="0"/>
+                                    <a:cs typeface="Calibri" panose="020F0502020204030204" pitchFamily="34" charset="0"/>
+                                  </a:rPr>
+                                </m:ctrlPr>
+                              </m:fPr>
+                              <m:num>
+                                <m:r>
+                                  <a:rPr lang="en-US" sz="2800" b="0" i="1" smtClean="0">
+                                    <a:solidFill>
+                                      <a:srgbClr val="C00000"/>
+                                    </a:solidFill>
+                                    <a:latin typeface="Cambria Math" panose="02040503050406030204" pitchFamily="18" charset="0"/>
+                                    <a:cs typeface="Calibri" panose="020F0502020204030204" pitchFamily="34" charset="0"/>
+                                  </a:rPr>
+                                  <m:t>1</m:t>
+                                </m:r>
+                              </m:num>
+                              <m:den>
+                                <m:r>
+                                  <a:rPr lang="en-US" sz="2800" b="0" i="1" smtClean="0">
+                                    <a:solidFill>
+                                      <a:srgbClr val="C00000"/>
+                                    </a:solidFill>
+                                    <a:latin typeface="Cambria Math" panose="02040503050406030204" pitchFamily="18" charset="0"/>
+                                    <a:cs typeface="Calibri" panose="020F0502020204030204" pitchFamily="34" charset="0"/>
+                                  </a:rPr>
+                                  <m:t>𝜀</m:t>
+                                </m:r>
+                              </m:den>
+                            </m:f>
+                          </m:e>
+                        </m:d>
+                      </m:sup>
+                    </m:sSup>
+                  </m:oMath>
+                </a14:m>
+                <a:endParaRPr lang="en-US" sz="2800" b="0" dirty="0">
+                  <a:solidFill>
+                    <a:srgbClr val="C00000"/>
+                  </a:solidFill>
+                  <a:latin typeface="Calibri" panose="020F0502020204030204" pitchFamily="34" charset="0"/>
+                  <a:cs typeface="Calibri" panose="020F0502020204030204" pitchFamily="34" charset="0"/>
+                </a:endParaRPr>
+              </a:p>
+              <a:p>
+                <a:pPr>
+                  <a:buClr>
+                    <a:schemeClr val="tx1"/>
+                  </a:buClr>
+                </a:pPr>
+                <a:endParaRPr lang="en-US" sz="2800" dirty="0">
+                  <a:latin typeface="Calibri" panose="020F0502020204030204" pitchFamily="34" charset="0"/>
+                  <a:cs typeface="Calibri" panose="020F0502020204030204" pitchFamily="34" charset="0"/>
+                </a:endParaRPr>
+              </a:p>
+              <a:p>
+                <a:pPr>
+                  <a:buClr>
+                    <a:schemeClr val="tx1"/>
+                  </a:buClr>
+                </a:pPr>
+                <a:r>
+                  <a:rPr lang="en-US" sz="2800" dirty="0">
+                    <a:latin typeface="Calibri" panose="020F0502020204030204" pitchFamily="34" charset="0"/>
+                    <a:cs typeface="Calibri" panose="020F0502020204030204" pitchFamily="34" charset="0"/>
+                  </a:rPr>
+                  <a:t>Given trade-off parameter </a:t>
+                </a:r>
+                <a14:m>
+                  <m:oMath xmlns:m="http://schemas.openxmlformats.org/officeDocument/2006/math">
+                    <m:r>
+                      <a:rPr lang="en-US" sz="2800" b="0" i="1" smtClean="0">
+                        <a:solidFill>
+                          <a:srgbClr val="C00000"/>
+                        </a:solidFill>
+                        <a:latin typeface="Cambria Math" panose="02040503050406030204" pitchFamily="18" charset="0"/>
+                        <a:cs typeface="Calibri" panose="020F0502020204030204" pitchFamily="34" charset="0"/>
+                      </a:rPr>
+                      <m:t>𝑐</m:t>
+                    </m:r>
+                    <m:r>
+                      <a:rPr lang="en-US" sz="2800" b="0" i="1" smtClean="0">
+                        <a:solidFill>
+                          <a:srgbClr val="C00000"/>
+                        </a:solidFill>
+                        <a:latin typeface="Cambria Math" panose="02040503050406030204" pitchFamily="18" charset="0"/>
+                        <a:cs typeface="Calibri" panose="020F0502020204030204" pitchFamily="34" charset="0"/>
+                      </a:rPr>
+                      <m:t>∈</m:t>
+                    </m:r>
+                    <m:d>
+                      <m:dPr>
+                        <m:ctrlPr>
+                          <a:rPr lang="en-US" sz="2800" b="0" i="1" smtClean="0">
+                            <a:solidFill>
+                              <a:srgbClr val="C00000"/>
+                            </a:solidFill>
+                            <a:latin typeface="Cambria Math" panose="02040503050406030204" pitchFamily="18" charset="0"/>
+                            <a:cs typeface="Calibri" panose="020F0502020204030204" pitchFamily="34" charset="0"/>
+                          </a:rPr>
+                        </m:ctrlPr>
+                      </m:dPr>
+                      <m:e>
+                        <m:r>
+                          <a:rPr lang="en-US" sz="2800" b="0" i="1" smtClean="0">
+                            <a:solidFill>
+                              <a:srgbClr val="C00000"/>
+                            </a:solidFill>
+                            <a:latin typeface="Cambria Math" panose="02040503050406030204" pitchFamily="18" charset="0"/>
+                            <a:cs typeface="Calibri" panose="020F0502020204030204" pitchFamily="34" charset="0"/>
+                          </a:rPr>
+                          <m:t>0,1</m:t>
+                        </m:r>
+                      </m:e>
+                    </m:d>
+                  </m:oMath>
+                </a14:m>
+                <a:r>
+                  <a:rPr lang="en-US" sz="2800" dirty="0">
+                    <a:latin typeface="Calibri" panose="020F0502020204030204" pitchFamily="34" charset="0"/>
+                    <a:cs typeface="Calibri" panose="020F0502020204030204" pitchFamily="34" charset="0"/>
+                  </a:rPr>
+                  <a:t>, there exists </a:t>
+                </a:r>
+                <a14:m>
+                  <m:oMath xmlns:m="http://schemas.openxmlformats.org/officeDocument/2006/math">
+                    <m:sSup>
+                      <m:sSupPr>
+                        <m:ctrlPr>
+                          <a:rPr lang="en-US" sz="2800" b="0" i="1" smtClean="0">
+                            <a:solidFill>
+                              <a:srgbClr val="C00000"/>
+                            </a:solidFill>
+                            <a:latin typeface="Cambria Math" panose="02040503050406030204" pitchFamily="18" charset="0"/>
+                            <a:cs typeface="Calibri" panose="020F0502020204030204" pitchFamily="34" charset="0"/>
+                          </a:rPr>
+                        </m:ctrlPr>
+                      </m:sSupPr>
+                      <m:e>
+                        <m:r>
+                          <a:rPr lang="en-US" sz="2800" b="0" i="1" smtClean="0">
+                            <a:solidFill>
+                              <a:srgbClr val="C00000"/>
+                            </a:solidFill>
+                            <a:latin typeface="Cambria Math" panose="02040503050406030204" pitchFamily="18" charset="0"/>
+                            <a:cs typeface="Calibri" panose="020F0502020204030204" pitchFamily="34" charset="0"/>
+                          </a:rPr>
+                          <m:t>ℓ</m:t>
+                        </m:r>
+                      </m:e>
+                      <m:sup>
+                        <m:r>
+                          <a:rPr lang="en-US" sz="2800" b="0" i="1" smtClean="0">
+                            <a:solidFill>
+                              <a:srgbClr val="C00000"/>
+                            </a:solidFill>
+                            <a:latin typeface="Cambria Math" panose="02040503050406030204" pitchFamily="18" charset="0"/>
+                            <a:cs typeface="Calibri" panose="020F0502020204030204" pitchFamily="34" charset="0"/>
+                          </a:rPr>
+                          <m:t>𝑐</m:t>
+                        </m:r>
+                      </m:sup>
+                    </m:sSup>
+                    <m:r>
+                      <a:rPr lang="en-US" sz="2800" b="0" i="1" smtClean="0">
+                        <a:solidFill>
+                          <a:srgbClr val="C00000"/>
+                        </a:solidFill>
+                        <a:latin typeface="Cambria Math" panose="02040503050406030204" pitchFamily="18" charset="0"/>
+                        <a:cs typeface="Calibri" panose="020F0502020204030204" pitchFamily="34" charset="0"/>
+                      </a:rPr>
+                      <m:t>⋅</m:t>
+                    </m:r>
+                    <m:sSup>
+                      <m:sSupPr>
+                        <m:ctrlPr>
+                          <a:rPr lang="en-US" sz="2800" b="0" i="1" smtClean="0">
+                            <a:solidFill>
+                              <a:srgbClr val="C00000"/>
+                            </a:solidFill>
+                            <a:latin typeface="Cambria Math" panose="02040503050406030204" pitchFamily="18" charset="0"/>
+                            <a:cs typeface="Calibri" panose="020F0502020204030204" pitchFamily="34" charset="0"/>
+                          </a:rPr>
+                        </m:ctrlPr>
+                      </m:sSupPr>
+                      <m:e>
+                        <m:r>
+                          <a:rPr lang="en-US" sz="2800" b="0" i="1" smtClean="0">
+                            <a:solidFill>
+                              <a:srgbClr val="C00000"/>
+                            </a:solidFill>
+                            <a:latin typeface="Cambria Math" panose="02040503050406030204" pitchFamily="18" charset="0"/>
+                            <a:cs typeface="Calibri" panose="020F0502020204030204" pitchFamily="34" charset="0"/>
+                          </a:rPr>
+                          <m:t>2</m:t>
+                        </m:r>
+                      </m:e>
+                      <m:sup>
+                        <m:f>
+                          <m:fPr>
+                            <m:ctrlPr>
+                              <a:rPr lang="en-US" sz="2800" b="0" i="1" smtClean="0">
+                                <a:solidFill>
+                                  <a:srgbClr val="C00000"/>
+                                </a:solidFill>
+                                <a:latin typeface="Cambria Math" panose="02040503050406030204" pitchFamily="18" charset="0"/>
+                                <a:cs typeface="Calibri" panose="020F0502020204030204" pitchFamily="34" charset="0"/>
+                              </a:rPr>
+                            </m:ctrlPr>
+                          </m:fPr>
+                          <m:num>
+                            <m:r>
+                              <a:rPr lang="en-US" sz="2800" b="0" i="1" smtClean="0">
+                                <a:solidFill>
+                                  <a:srgbClr val="C00000"/>
+                                </a:solidFill>
+                                <a:latin typeface="Cambria Math" panose="02040503050406030204" pitchFamily="18" charset="0"/>
+                                <a:cs typeface="Calibri" panose="020F0502020204030204" pitchFamily="34" charset="0"/>
+                              </a:rPr>
+                              <m:t>1</m:t>
+                            </m:r>
+                          </m:num>
+                          <m:den>
+                            <m:r>
+                              <a:rPr lang="en-US" sz="2800" b="0" i="1" smtClean="0">
+                                <a:solidFill>
+                                  <a:srgbClr val="C00000"/>
+                                </a:solidFill>
+                                <a:latin typeface="Cambria Math" panose="02040503050406030204" pitchFamily="18" charset="0"/>
+                                <a:cs typeface="Calibri" panose="020F0502020204030204" pitchFamily="34" charset="0"/>
+                              </a:rPr>
+                              <m:t>𝑐</m:t>
+                            </m:r>
+                          </m:den>
+                        </m:f>
+                      </m:sup>
+                    </m:sSup>
+                    <m:r>
+                      <a:rPr lang="en-US" sz="2800" b="0" i="1" smtClean="0">
+                        <a:solidFill>
+                          <a:srgbClr val="C00000"/>
+                        </a:solidFill>
+                        <a:latin typeface="Cambria Math" panose="02040503050406030204" pitchFamily="18" charset="0"/>
+                        <a:cs typeface="Calibri" panose="020F0502020204030204" pitchFamily="34" charset="0"/>
+                      </a:rPr>
+                      <m:t>⋅</m:t>
+                    </m:r>
+                    <m:r>
+                      <a:rPr lang="en-US" sz="2800" b="0" i="1" smtClean="0">
+                        <a:solidFill>
+                          <a:srgbClr val="C00000"/>
+                        </a:solidFill>
+                        <a:latin typeface="Cambria Math" panose="02040503050406030204" pitchFamily="18" charset="0"/>
+                        <a:cs typeface="Calibri" panose="020F0502020204030204" pitchFamily="34" charset="0"/>
+                      </a:rPr>
+                      <m:t>𝑂</m:t>
+                    </m:r>
+                    <m:d>
+                      <m:dPr>
+                        <m:ctrlPr>
+                          <a:rPr lang="en-US" sz="2800" b="0" i="1" smtClean="0">
+                            <a:solidFill>
+                              <a:srgbClr val="C00000"/>
+                            </a:solidFill>
+                            <a:latin typeface="Cambria Math" panose="02040503050406030204" pitchFamily="18" charset="0"/>
+                            <a:cs typeface="Calibri" panose="020F0502020204030204" pitchFamily="34" charset="0"/>
+                          </a:rPr>
+                        </m:ctrlPr>
+                      </m:dPr>
+                      <m:e>
+                        <m:r>
+                          <a:rPr lang="en-US" sz="2800" b="0" i="1" smtClean="0">
+                            <a:solidFill>
+                              <a:srgbClr val="C00000"/>
+                            </a:solidFill>
+                            <a:latin typeface="Cambria Math" panose="02040503050406030204" pitchFamily="18" charset="0"/>
+                            <a:cs typeface="Calibri" panose="020F0502020204030204" pitchFamily="34" charset="0"/>
+                          </a:rPr>
+                          <m:t>𝑘</m:t>
+                        </m:r>
+                        <m:d>
+                          <m:dPr>
+                            <m:ctrlPr>
+                              <a:rPr lang="en-US" sz="2800" b="0" i="1" smtClean="0">
+                                <a:solidFill>
+                                  <a:srgbClr val="C00000"/>
+                                </a:solidFill>
+                                <a:latin typeface="Cambria Math" panose="02040503050406030204" pitchFamily="18" charset="0"/>
+                                <a:cs typeface="Calibri" panose="020F0502020204030204" pitchFamily="34" charset="0"/>
+                              </a:rPr>
+                            </m:ctrlPr>
+                          </m:dPr>
+                          <m:e>
+                            <m:func>
+                              <m:funcPr>
+                                <m:ctrlPr>
+                                  <a:rPr lang="en-US" sz="2800" b="0" i="1" smtClean="0">
+                                    <a:solidFill>
+                                      <a:srgbClr val="C00000"/>
+                                    </a:solidFill>
+                                    <a:latin typeface="Cambria Math" panose="02040503050406030204" pitchFamily="18" charset="0"/>
+                                    <a:cs typeface="Calibri" panose="020F0502020204030204" pitchFamily="34" charset="0"/>
+                                  </a:rPr>
+                                </m:ctrlPr>
+                              </m:funcPr>
+                              <m:fName>
+                                <m:r>
+                                  <m:rPr>
+                                    <m:sty m:val="p"/>
+                                  </m:rPr>
+                                  <a:rPr lang="en-US" sz="2800" b="0" i="0" smtClean="0">
+                                    <a:solidFill>
+                                      <a:srgbClr val="C00000"/>
+                                    </a:solidFill>
+                                    <a:latin typeface="Cambria Math" panose="02040503050406030204" pitchFamily="18" charset="0"/>
+                                    <a:cs typeface="Calibri" panose="020F0502020204030204" pitchFamily="34" charset="0"/>
+                                  </a:rPr>
+                                  <m:t>log</m:t>
+                                </m:r>
+                              </m:fName>
+                              <m:e>
+                                <m:func>
+                                  <m:funcPr>
+                                    <m:ctrlPr>
+                                      <a:rPr lang="en-US" sz="2800" b="0" i="1" smtClean="0">
+                                        <a:solidFill>
+                                          <a:srgbClr val="C00000"/>
+                                        </a:solidFill>
+                                        <a:latin typeface="Cambria Math" panose="02040503050406030204" pitchFamily="18" charset="0"/>
+                                        <a:cs typeface="Calibri" panose="020F0502020204030204" pitchFamily="34" charset="0"/>
+                                      </a:rPr>
+                                    </m:ctrlPr>
+                                  </m:funcPr>
+                                  <m:fName>
+                                    <m:r>
+                                      <m:rPr>
+                                        <m:sty m:val="p"/>
+                                      </m:rPr>
+                                      <a:rPr lang="en-US" sz="2800" b="0" i="0" smtClean="0">
+                                        <a:solidFill>
+                                          <a:srgbClr val="C00000"/>
+                                        </a:solidFill>
+                                        <a:latin typeface="Cambria Math" panose="02040503050406030204" pitchFamily="18" charset="0"/>
+                                        <a:cs typeface="Calibri" panose="020F0502020204030204" pitchFamily="34" charset="0"/>
+                                      </a:rPr>
+                                      <m:t>log</m:t>
+                                    </m:r>
+                                  </m:fName>
+                                  <m:e>
+                                    <m:r>
+                                      <a:rPr lang="en-US" sz="2800" b="0" i="1" smtClean="0">
+                                        <a:solidFill>
+                                          <a:srgbClr val="C00000"/>
+                                        </a:solidFill>
+                                        <a:latin typeface="Cambria Math" panose="02040503050406030204" pitchFamily="18" charset="0"/>
+                                        <a:cs typeface="Calibri" panose="020F0502020204030204" pitchFamily="34" charset="0"/>
+                                      </a:rPr>
+                                      <m:t>𝑘</m:t>
+                                    </m:r>
+                                  </m:e>
+                                </m:func>
+                              </m:e>
+                            </m:func>
+                          </m:e>
+                        </m:d>
+                        <m:d>
+                          <m:dPr>
+                            <m:ctrlPr>
+                              <a:rPr lang="en-US" sz="2800" b="0" i="1" smtClean="0">
+                                <a:solidFill>
+                                  <a:srgbClr val="C00000"/>
+                                </a:solidFill>
+                                <a:latin typeface="Cambria Math" panose="02040503050406030204" pitchFamily="18" charset="0"/>
+                                <a:cs typeface="Calibri" panose="020F0502020204030204" pitchFamily="34" charset="0"/>
+                              </a:rPr>
+                            </m:ctrlPr>
+                          </m:dPr>
+                          <m:e>
+                            <m:func>
+                              <m:funcPr>
+                                <m:ctrlPr>
+                                  <a:rPr lang="en-US" sz="2800" b="0" i="1" smtClean="0">
+                                    <a:solidFill>
+                                      <a:srgbClr val="C00000"/>
+                                    </a:solidFill>
+                                    <a:latin typeface="Cambria Math" panose="02040503050406030204" pitchFamily="18" charset="0"/>
+                                    <a:cs typeface="Calibri" panose="020F0502020204030204" pitchFamily="34" charset="0"/>
+                                  </a:rPr>
+                                </m:ctrlPr>
+                              </m:funcPr>
+                              <m:fName>
+                                <m:r>
+                                  <m:rPr>
+                                    <m:sty m:val="p"/>
+                                  </m:rPr>
+                                  <a:rPr lang="en-US" sz="2800" b="0" i="0" smtClean="0">
+                                    <a:solidFill>
+                                      <a:srgbClr val="C00000"/>
+                                    </a:solidFill>
+                                    <a:latin typeface="Cambria Math" panose="02040503050406030204" pitchFamily="18" charset="0"/>
+                                    <a:cs typeface="Calibri" panose="020F0502020204030204" pitchFamily="34" charset="0"/>
+                                  </a:rPr>
+                                  <m:t>log</m:t>
+                                </m:r>
+                              </m:fName>
+                              <m:e>
+                                <m:r>
+                                  <a:rPr lang="en-US" sz="2800" b="0" i="1" smtClean="0">
+                                    <a:solidFill>
+                                      <a:srgbClr val="C00000"/>
+                                    </a:solidFill>
+                                    <a:latin typeface="Cambria Math" panose="02040503050406030204" pitchFamily="18" charset="0"/>
+                                    <a:cs typeface="Calibri" panose="020F0502020204030204" pitchFamily="34" charset="0"/>
+                                  </a:rPr>
+                                  <m:t>𝑑</m:t>
+                                </m:r>
+                              </m:e>
+                            </m:func>
+                          </m:e>
+                        </m:d>
+                      </m:e>
+                    </m:d>
+                  </m:oMath>
+                </a14:m>
+                <a:r>
+                  <a:rPr lang="en-US" sz="2800" dirty="0">
+                    <a:latin typeface="Calibri" panose="020F0502020204030204" pitchFamily="34" charset="0"/>
+                    <a:cs typeface="Calibri" panose="020F0502020204030204" pitchFamily="34" charset="0"/>
+                  </a:rPr>
+                  <a:t>-approximation algorithm for fair low-rank approximation that uses polynomial time, but with bicriteria rank </a:t>
+                </a:r>
+                <a14:m>
+                  <m:oMath xmlns:m="http://schemas.openxmlformats.org/officeDocument/2006/math">
+                    <m:r>
+                      <a:rPr lang="en-US" sz="2800" i="1">
+                        <a:solidFill>
+                          <a:srgbClr val="C00000"/>
+                        </a:solidFill>
+                        <a:latin typeface="Cambria Math" panose="02040503050406030204" pitchFamily="18" charset="0"/>
+                        <a:cs typeface="Calibri" panose="020F0502020204030204" pitchFamily="34" charset="0"/>
+                      </a:rPr>
+                      <m:t>𝑂</m:t>
+                    </m:r>
+                    <m:d>
+                      <m:dPr>
+                        <m:ctrlPr>
+                          <a:rPr lang="en-US" sz="2800" i="1">
+                            <a:solidFill>
+                              <a:srgbClr val="C00000"/>
+                            </a:solidFill>
+                            <a:latin typeface="Cambria Math" panose="02040503050406030204" pitchFamily="18" charset="0"/>
+                            <a:cs typeface="Calibri" panose="020F0502020204030204" pitchFamily="34" charset="0"/>
+                          </a:rPr>
+                        </m:ctrlPr>
+                      </m:dPr>
+                      <m:e>
+                        <m:r>
+                          <a:rPr lang="en-US" sz="2800" i="1">
+                            <a:solidFill>
+                              <a:srgbClr val="C00000"/>
+                            </a:solidFill>
+                            <a:latin typeface="Cambria Math" panose="02040503050406030204" pitchFamily="18" charset="0"/>
+                            <a:cs typeface="Calibri" panose="020F0502020204030204" pitchFamily="34" charset="0"/>
+                          </a:rPr>
+                          <m:t>𝑘</m:t>
+                        </m:r>
+                        <m:d>
+                          <m:dPr>
+                            <m:ctrlPr>
+                              <a:rPr lang="en-US" sz="2800" i="1">
+                                <a:solidFill>
+                                  <a:srgbClr val="C00000"/>
+                                </a:solidFill>
+                                <a:latin typeface="Cambria Math" panose="02040503050406030204" pitchFamily="18" charset="0"/>
+                                <a:cs typeface="Calibri" panose="020F0502020204030204" pitchFamily="34" charset="0"/>
+                              </a:rPr>
+                            </m:ctrlPr>
+                          </m:dPr>
+                          <m:e>
+                            <m:func>
+                              <m:funcPr>
+                                <m:ctrlPr>
+                                  <a:rPr lang="en-US" sz="2800" i="1">
+                                    <a:solidFill>
+                                      <a:srgbClr val="C00000"/>
+                                    </a:solidFill>
+                                    <a:latin typeface="Cambria Math" panose="02040503050406030204" pitchFamily="18" charset="0"/>
+                                    <a:cs typeface="Calibri" panose="020F0502020204030204" pitchFamily="34" charset="0"/>
+                                  </a:rPr>
+                                </m:ctrlPr>
+                              </m:funcPr>
+                              <m:fName>
+                                <m:r>
+                                  <m:rPr>
+                                    <m:sty m:val="p"/>
+                                  </m:rPr>
+                                  <a:rPr lang="en-US" sz="2800">
+                                    <a:solidFill>
+                                      <a:srgbClr val="C00000"/>
+                                    </a:solidFill>
+                                    <a:latin typeface="Cambria Math" panose="02040503050406030204" pitchFamily="18" charset="0"/>
+                                    <a:cs typeface="Calibri" panose="020F0502020204030204" pitchFamily="34" charset="0"/>
+                                  </a:rPr>
+                                  <m:t>log</m:t>
+                                </m:r>
+                              </m:fName>
+                              <m:e>
+                                <m:func>
+                                  <m:funcPr>
+                                    <m:ctrlPr>
+                                      <a:rPr lang="en-US" sz="2800" i="1">
+                                        <a:solidFill>
+                                          <a:srgbClr val="C00000"/>
+                                        </a:solidFill>
+                                        <a:latin typeface="Cambria Math" panose="02040503050406030204" pitchFamily="18" charset="0"/>
+                                        <a:cs typeface="Calibri" panose="020F0502020204030204" pitchFamily="34" charset="0"/>
+                                      </a:rPr>
+                                    </m:ctrlPr>
+                                  </m:funcPr>
+                                  <m:fName>
+                                    <m:r>
+                                      <m:rPr>
+                                        <m:sty m:val="p"/>
+                                      </m:rPr>
+                                      <a:rPr lang="en-US" sz="2800">
+                                        <a:solidFill>
+                                          <a:srgbClr val="C00000"/>
+                                        </a:solidFill>
+                                        <a:latin typeface="Cambria Math" panose="02040503050406030204" pitchFamily="18" charset="0"/>
+                                        <a:cs typeface="Calibri" panose="020F0502020204030204" pitchFamily="34" charset="0"/>
+                                      </a:rPr>
+                                      <m:t>log</m:t>
+                                    </m:r>
+                                  </m:fName>
+                                  <m:e>
+                                    <m:r>
+                                      <a:rPr lang="en-US" sz="2800" i="1">
+                                        <a:solidFill>
+                                          <a:srgbClr val="C00000"/>
+                                        </a:solidFill>
+                                        <a:latin typeface="Cambria Math" panose="02040503050406030204" pitchFamily="18" charset="0"/>
+                                        <a:cs typeface="Calibri" panose="020F0502020204030204" pitchFamily="34" charset="0"/>
+                                      </a:rPr>
+                                      <m:t>𝑘</m:t>
+                                    </m:r>
+                                  </m:e>
+                                </m:func>
+                              </m:e>
+                            </m:func>
+                          </m:e>
+                        </m:d>
+                        <m:d>
+                          <m:dPr>
+                            <m:ctrlPr>
+                              <a:rPr lang="en-US" sz="2800" i="1">
+                                <a:solidFill>
+                                  <a:srgbClr val="C00000"/>
+                                </a:solidFill>
+                                <a:latin typeface="Cambria Math" panose="02040503050406030204" pitchFamily="18" charset="0"/>
+                                <a:cs typeface="Calibri" panose="020F0502020204030204" pitchFamily="34" charset="0"/>
+                              </a:rPr>
+                            </m:ctrlPr>
+                          </m:dPr>
+                          <m:e>
+                            <m:func>
+                              <m:funcPr>
+                                <m:ctrlPr>
+                                  <a:rPr lang="en-US" sz="2800" i="1">
+                                    <a:solidFill>
+                                      <a:srgbClr val="C00000"/>
+                                    </a:solidFill>
+                                    <a:latin typeface="Cambria Math" panose="02040503050406030204" pitchFamily="18" charset="0"/>
+                                    <a:cs typeface="Calibri" panose="020F0502020204030204" pitchFamily="34" charset="0"/>
+                                  </a:rPr>
+                                </m:ctrlPr>
+                              </m:funcPr>
+                              <m:fName>
+                                <m:sSup>
+                                  <m:sSupPr>
+                                    <m:ctrlPr>
+                                      <a:rPr lang="en-US" sz="2800" b="0" i="1" smtClean="0">
+                                        <a:solidFill>
+                                          <a:srgbClr val="C00000"/>
+                                        </a:solidFill>
+                                        <a:latin typeface="Cambria Math" panose="02040503050406030204" pitchFamily="18" charset="0"/>
+                                        <a:cs typeface="Calibri" panose="020F0502020204030204" pitchFamily="34" charset="0"/>
+                                      </a:rPr>
+                                    </m:ctrlPr>
+                                  </m:sSupPr>
+                                  <m:e>
+                                    <m:r>
+                                      <m:rPr>
+                                        <m:sty m:val="p"/>
+                                      </m:rPr>
+                                      <a:rPr lang="en-US" sz="2800">
+                                        <a:solidFill>
+                                          <a:srgbClr val="C00000"/>
+                                        </a:solidFill>
+                                        <a:latin typeface="Cambria Math" panose="02040503050406030204" pitchFamily="18" charset="0"/>
+                                        <a:cs typeface="Calibri" panose="020F0502020204030204" pitchFamily="34" charset="0"/>
+                                      </a:rPr>
+                                      <m:t>log</m:t>
+                                    </m:r>
+                                  </m:e>
+                                  <m:sup>
+                                    <m:r>
+                                      <a:rPr lang="en-US" sz="2800" b="0" i="1" smtClean="0">
+                                        <a:solidFill>
+                                          <a:srgbClr val="C00000"/>
+                                        </a:solidFill>
+                                        <a:latin typeface="Cambria Math" panose="02040503050406030204" pitchFamily="18" charset="0"/>
+                                        <a:cs typeface="Calibri" panose="020F0502020204030204" pitchFamily="34" charset="0"/>
+                                      </a:rPr>
+                                      <m:t>2</m:t>
+                                    </m:r>
+                                  </m:sup>
+                                </m:sSup>
+                              </m:fName>
+                              <m:e>
+                                <m:r>
+                                  <a:rPr lang="en-US" sz="2800" i="1">
+                                    <a:solidFill>
+                                      <a:srgbClr val="C00000"/>
+                                    </a:solidFill>
+                                    <a:latin typeface="Cambria Math" panose="02040503050406030204" pitchFamily="18" charset="0"/>
+                                    <a:cs typeface="Calibri" panose="020F0502020204030204" pitchFamily="34" charset="0"/>
+                                  </a:rPr>
+                                  <m:t>𝑑</m:t>
+                                </m:r>
+                              </m:e>
+                            </m:func>
+                          </m:e>
+                        </m:d>
+                      </m:e>
+                    </m:d>
+                  </m:oMath>
+                </a14:m>
+                <a:endParaRPr lang="en-US" sz="2800" dirty="0">
+                  <a:latin typeface="Calibri" panose="020F0502020204030204" pitchFamily="34" charset="0"/>
+                  <a:cs typeface="Calibri" panose="020F0502020204030204" pitchFamily="34" charset="0"/>
+                </a:endParaRPr>
+              </a:p>
+              <a:p>
+                <a:pPr>
+                  <a:buClr>
+                    <a:schemeClr val="tx1"/>
+                  </a:buClr>
+                </a:pPr>
+                <a:endParaRPr lang="en-US" sz="3000" dirty="0">
+                  <a:latin typeface="Calibri" panose="020F0502020204030204" pitchFamily="34" charset="0"/>
+                  <a:cs typeface="Calibri" panose="020F0502020204030204" pitchFamily="34" charset="0"/>
+                </a:endParaRPr>
+              </a:p>
+              <a:p>
+                <a:pPr>
+                  <a:buClr>
+                    <a:schemeClr val="tx1"/>
+                  </a:buClr>
+                </a:pPr>
+                <a:r>
+                  <a:rPr lang="en-US" sz="2800" dirty="0">
+                    <a:latin typeface="Calibri" panose="020F0502020204030204" pitchFamily="34" charset="0"/>
+                    <a:cs typeface="Calibri" panose="020F0502020204030204" pitchFamily="34" charset="0"/>
+                  </a:rPr>
+                  <a:t>There exists </a:t>
+                </a:r>
+                <a14:m>
+                  <m:oMath xmlns:m="http://schemas.openxmlformats.org/officeDocument/2006/math">
+                    <m:r>
+                      <a:rPr lang="en-US" sz="2800" b="0" i="1" smtClean="0">
+                        <a:solidFill>
+                          <a:srgbClr val="C00000"/>
+                        </a:solidFill>
+                        <a:latin typeface="Cambria Math" panose="02040503050406030204" pitchFamily="18" charset="0"/>
+                        <a:cs typeface="Calibri" panose="020F0502020204030204" pitchFamily="34" charset="0"/>
+                      </a:rPr>
+                      <m:t>𝑂</m:t>
+                    </m:r>
+                    <m:d>
+                      <m:dPr>
+                        <m:ctrlPr>
+                          <a:rPr lang="en-US" sz="2800" b="0" i="1" smtClean="0">
+                            <a:solidFill>
+                              <a:srgbClr val="C00000"/>
+                            </a:solidFill>
+                            <a:latin typeface="Cambria Math" panose="02040503050406030204" pitchFamily="18" charset="0"/>
+                            <a:cs typeface="Calibri" panose="020F0502020204030204" pitchFamily="34" charset="0"/>
+                          </a:rPr>
+                        </m:ctrlPr>
+                      </m:dPr>
+                      <m:e>
+                        <m:r>
+                          <a:rPr lang="en-US" sz="2800" b="0" i="1" smtClean="0">
+                            <a:solidFill>
+                              <a:srgbClr val="C00000"/>
+                            </a:solidFill>
+                            <a:latin typeface="Cambria Math" panose="02040503050406030204" pitchFamily="18" charset="0"/>
+                            <a:cs typeface="Calibri" panose="020F0502020204030204" pitchFamily="34" charset="0"/>
+                          </a:rPr>
+                          <m:t>𝑘</m:t>
+                        </m:r>
+                        <m:d>
+                          <m:dPr>
+                            <m:ctrlPr>
+                              <a:rPr lang="en-US" sz="2800" b="0" i="1" smtClean="0">
+                                <a:solidFill>
+                                  <a:srgbClr val="C00000"/>
+                                </a:solidFill>
+                                <a:latin typeface="Cambria Math" panose="02040503050406030204" pitchFamily="18" charset="0"/>
+                                <a:cs typeface="Calibri" panose="020F0502020204030204" pitchFamily="34" charset="0"/>
+                              </a:rPr>
+                            </m:ctrlPr>
+                          </m:dPr>
+                          <m:e>
+                            <m:func>
+                              <m:funcPr>
+                                <m:ctrlPr>
+                                  <a:rPr lang="en-US" sz="2800" b="0" i="1" smtClean="0">
+                                    <a:solidFill>
+                                      <a:srgbClr val="C00000"/>
+                                    </a:solidFill>
+                                    <a:latin typeface="Cambria Math" panose="02040503050406030204" pitchFamily="18" charset="0"/>
+                                    <a:cs typeface="Calibri" panose="020F0502020204030204" pitchFamily="34" charset="0"/>
+                                  </a:rPr>
+                                </m:ctrlPr>
+                              </m:funcPr>
+                              <m:fName>
+                                <m:r>
+                                  <m:rPr>
+                                    <m:sty m:val="p"/>
+                                  </m:rPr>
+                                  <a:rPr lang="en-US" sz="2800" b="0" i="0" smtClean="0">
+                                    <a:solidFill>
+                                      <a:srgbClr val="C00000"/>
+                                    </a:solidFill>
+                                    <a:latin typeface="Cambria Math" panose="02040503050406030204" pitchFamily="18" charset="0"/>
+                                    <a:cs typeface="Calibri" panose="020F0502020204030204" pitchFamily="34" charset="0"/>
+                                  </a:rPr>
+                                  <m:t>log</m:t>
+                                </m:r>
+                              </m:fName>
+                              <m:e>
+                                <m:func>
+                                  <m:funcPr>
+                                    <m:ctrlPr>
+                                      <a:rPr lang="en-US" sz="2800" b="0" i="1" smtClean="0">
+                                        <a:solidFill>
+                                          <a:srgbClr val="C00000"/>
+                                        </a:solidFill>
+                                        <a:latin typeface="Cambria Math" panose="02040503050406030204" pitchFamily="18" charset="0"/>
+                                        <a:cs typeface="Calibri" panose="020F0502020204030204" pitchFamily="34" charset="0"/>
+                                      </a:rPr>
+                                    </m:ctrlPr>
+                                  </m:funcPr>
+                                  <m:fName>
+                                    <m:r>
+                                      <m:rPr>
+                                        <m:sty m:val="p"/>
+                                      </m:rPr>
+                                      <a:rPr lang="en-US" sz="2800" b="0" i="0" smtClean="0">
+                                        <a:solidFill>
+                                          <a:srgbClr val="C00000"/>
+                                        </a:solidFill>
+                                        <a:latin typeface="Cambria Math" panose="02040503050406030204" pitchFamily="18" charset="0"/>
+                                        <a:cs typeface="Calibri" panose="020F0502020204030204" pitchFamily="34" charset="0"/>
+                                      </a:rPr>
+                                      <m:t>log</m:t>
+                                    </m:r>
+                                  </m:fName>
+                                  <m:e>
+                                    <m:r>
+                                      <a:rPr lang="en-US" sz="2800" b="0" i="1" smtClean="0">
+                                        <a:solidFill>
+                                          <a:srgbClr val="C00000"/>
+                                        </a:solidFill>
+                                        <a:latin typeface="Cambria Math" panose="02040503050406030204" pitchFamily="18" charset="0"/>
+                                        <a:cs typeface="Calibri" panose="020F0502020204030204" pitchFamily="34" charset="0"/>
+                                      </a:rPr>
+                                      <m:t>𝑘</m:t>
+                                    </m:r>
+                                  </m:e>
+                                </m:func>
+                              </m:e>
+                            </m:func>
+                          </m:e>
+                        </m:d>
+                        <m:d>
+                          <m:dPr>
+                            <m:ctrlPr>
+                              <a:rPr lang="en-US" sz="2800" b="0" i="1" smtClean="0">
+                                <a:solidFill>
+                                  <a:srgbClr val="C00000"/>
+                                </a:solidFill>
+                                <a:latin typeface="Cambria Math" panose="02040503050406030204" pitchFamily="18" charset="0"/>
+                                <a:cs typeface="Calibri" panose="020F0502020204030204" pitchFamily="34" charset="0"/>
+                              </a:rPr>
+                            </m:ctrlPr>
+                          </m:dPr>
+                          <m:e>
+                            <m:func>
+                              <m:funcPr>
+                                <m:ctrlPr>
+                                  <a:rPr lang="en-US" sz="2800" b="0" i="1" smtClean="0">
+                                    <a:solidFill>
+                                      <a:srgbClr val="C00000"/>
+                                    </a:solidFill>
+                                    <a:latin typeface="Cambria Math" panose="02040503050406030204" pitchFamily="18" charset="0"/>
+                                    <a:cs typeface="Calibri" panose="020F0502020204030204" pitchFamily="34" charset="0"/>
+                                  </a:rPr>
+                                </m:ctrlPr>
+                              </m:funcPr>
+                              <m:fName>
+                                <m:r>
+                                  <m:rPr>
+                                    <m:sty m:val="p"/>
+                                  </m:rPr>
+                                  <a:rPr lang="en-US" sz="2800" b="0" i="0" smtClean="0">
+                                    <a:solidFill>
+                                      <a:srgbClr val="C00000"/>
+                                    </a:solidFill>
+                                    <a:latin typeface="Cambria Math" panose="02040503050406030204" pitchFamily="18" charset="0"/>
+                                    <a:cs typeface="Calibri" panose="020F0502020204030204" pitchFamily="34" charset="0"/>
+                                  </a:rPr>
+                                  <m:t>log</m:t>
+                                </m:r>
+                              </m:fName>
+                              <m:e>
+                                <m:r>
+                                  <a:rPr lang="en-US" sz="2800" b="0" i="1" smtClean="0">
+                                    <a:solidFill>
+                                      <a:srgbClr val="C00000"/>
+                                    </a:solidFill>
+                                    <a:latin typeface="Cambria Math" panose="02040503050406030204" pitchFamily="18" charset="0"/>
+                                    <a:cs typeface="Calibri" panose="020F0502020204030204" pitchFamily="34" charset="0"/>
+                                  </a:rPr>
+                                  <m:t>𝑑</m:t>
+                                </m:r>
+                              </m:e>
+                            </m:func>
+                          </m:e>
+                        </m:d>
+                      </m:e>
+                    </m:d>
+                  </m:oMath>
+                </a14:m>
+                <a:r>
+                  <a:rPr lang="en-US" sz="2800" dirty="0">
+                    <a:latin typeface="Calibri" panose="020F0502020204030204" pitchFamily="34" charset="0"/>
+                    <a:cs typeface="Calibri" panose="020F0502020204030204" pitchFamily="34" charset="0"/>
+                  </a:rPr>
+                  <a:t>-approximation algorithm for fair column subset selection that uses polynomial time, but with bicriteria rank </a:t>
+                </a:r>
+                <a14:m>
+                  <m:oMath xmlns:m="http://schemas.openxmlformats.org/officeDocument/2006/math">
+                    <m:r>
+                      <a:rPr lang="en-US" sz="2800" i="1">
+                        <a:solidFill>
+                          <a:srgbClr val="C00000"/>
+                        </a:solidFill>
+                        <a:latin typeface="Cambria Math" panose="02040503050406030204" pitchFamily="18" charset="0"/>
+                        <a:cs typeface="Calibri" panose="020F0502020204030204" pitchFamily="34" charset="0"/>
+                      </a:rPr>
+                      <m:t>𝑂</m:t>
+                    </m:r>
+                    <m:d>
+                      <m:dPr>
+                        <m:ctrlPr>
+                          <a:rPr lang="en-US" sz="2800" i="1">
+                            <a:solidFill>
+                              <a:srgbClr val="C00000"/>
+                            </a:solidFill>
+                            <a:latin typeface="Cambria Math" panose="02040503050406030204" pitchFamily="18" charset="0"/>
+                            <a:cs typeface="Calibri" panose="020F0502020204030204" pitchFamily="34" charset="0"/>
+                          </a:rPr>
+                        </m:ctrlPr>
+                      </m:dPr>
+                      <m:e>
+                        <m:r>
+                          <a:rPr lang="en-US" sz="2800" i="1">
+                            <a:solidFill>
+                              <a:srgbClr val="C00000"/>
+                            </a:solidFill>
+                            <a:latin typeface="Cambria Math" panose="02040503050406030204" pitchFamily="18" charset="0"/>
+                            <a:cs typeface="Calibri" panose="020F0502020204030204" pitchFamily="34" charset="0"/>
+                          </a:rPr>
+                          <m:t>𝑘</m:t>
+                        </m:r>
+                        <m:func>
+                          <m:funcPr>
+                            <m:ctrlPr>
+                              <a:rPr lang="en-US" sz="2800" b="0" i="1" smtClean="0">
+                                <a:solidFill>
+                                  <a:srgbClr val="C00000"/>
+                                </a:solidFill>
+                                <a:latin typeface="Cambria Math" panose="02040503050406030204" pitchFamily="18" charset="0"/>
+                                <a:cs typeface="Calibri" panose="020F0502020204030204" pitchFamily="34" charset="0"/>
+                              </a:rPr>
+                            </m:ctrlPr>
+                          </m:funcPr>
+                          <m:fName>
+                            <m:r>
+                              <m:rPr>
+                                <m:sty m:val="p"/>
+                              </m:rPr>
+                              <a:rPr lang="en-US" sz="2800" b="0" i="0" smtClean="0">
+                                <a:solidFill>
+                                  <a:srgbClr val="C00000"/>
+                                </a:solidFill>
+                                <a:latin typeface="Cambria Math" panose="02040503050406030204" pitchFamily="18" charset="0"/>
+                                <a:cs typeface="Calibri" panose="020F0502020204030204" pitchFamily="34" charset="0"/>
+                              </a:rPr>
+                              <m:t>log</m:t>
+                            </m:r>
+                          </m:fName>
+                          <m:e>
+                            <m:r>
+                              <a:rPr lang="en-US" sz="2800" b="0" i="1" smtClean="0">
+                                <a:solidFill>
+                                  <a:srgbClr val="C00000"/>
+                                </a:solidFill>
+                                <a:latin typeface="Cambria Math" panose="02040503050406030204" pitchFamily="18" charset="0"/>
+                                <a:cs typeface="Calibri" panose="020F0502020204030204" pitchFamily="34" charset="0"/>
+                              </a:rPr>
+                              <m:t>𝑘</m:t>
+                            </m:r>
+                          </m:e>
+                        </m:func>
+                      </m:e>
+                    </m:d>
+                  </m:oMath>
+                </a14:m>
+                <a:endParaRPr lang="en-US" sz="2800" dirty="0">
+                  <a:latin typeface="Calibri" panose="020F0502020204030204" pitchFamily="34" charset="0"/>
+                  <a:cs typeface="Calibri" panose="020F0502020204030204" pitchFamily="34" charset="0"/>
+                </a:endParaRPr>
+              </a:p>
+              <a:p>
+                <a:pPr>
+                  <a:buClr>
+                    <a:schemeClr val="tx1"/>
+                  </a:buClr>
+                </a:pPr>
+                <a:endParaRPr lang="en-US" sz="3000" dirty="0">
+                  <a:latin typeface="Calibri" panose="020F0502020204030204" pitchFamily="34" charset="0"/>
+                  <a:cs typeface="Calibri" panose="020F0502020204030204" pitchFamily="34" charset="0"/>
+                </a:endParaRPr>
+              </a:p>
+            </p:txBody>
+          </p:sp>
+        </mc:Choice>
+        <mc:Fallback>
+          <p:sp>
+            <p:nvSpPr>
+              <p:cNvPr id="38" name="TextBox 44"/>
+              <p:cNvSpPr txBox="1">
+                <a:spLocks noRot="1" noChangeAspect="1" noMove="1" noResize="1" noEditPoints="1" noAdjustHandles="1" noChangeArrowheads="1" noChangeShapeType="1" noTextEdit="1"/>
+              </p:cNvSpPr>
+              <p:nvPr/>
+            </p:nvSpPr>
+            <p:spPr>
+              <a:xfrm>
+                <a:off x="11880670" y="4326744"/>
+                <a:ext cx="9064533" cy="11222303"/>
+              </a:xfrm>
+              <a:prstGeom prst="rect">
+                <a:avLst/>
+              </a:prstGeom>
+              <a:blipFill>
+                <a:blip r:embed="rId6"/>
+                <a:stretch>
+                  <a:fillRect l="-2085" t="-652" r="-1950"/>
+                </a:stretch>
+              </a:blipFill>
+              <a:ln w="12700">
+                <a:miter lim="400000"/>
+              </a:ln>
+              <a:extLst>
+                <a:ext uri="{C572A759-6A51-4108-AA02-DFA0A04FC94B}">
+                  <ma14:wrappingTextBoxFlag xmlns:ma14="http://schemas.microsoft.com/office/mac/drawingml/2011/main" xmlns:a14="http://schemas.microsoft.com/office/drawing/2010/main" xmlns:m="http://schemas.openxmlformats.org/officeDocument/2006/math" xmlns="" val="1"/>
+                </a:ext>
+              </a:extLst>
+            </p:spPr>
+            <p:txBody>
+              <a:bodyPr/>
+              <a:lstStyle/>
+              <a:p>
+                <a:r>
+                  <a:rPr lang="en-US">
+                    <a:noFill/>
+                  </a:rPr>
+                  <a:t> </a:t>
+                </a:r>
+              </a:p>
+            </p:txBody>
+          </p:sp>
+        </mc:Fallback>
+      </mc:AlternateContent>
       <p:sp>
         <p:nvSpPr>
-          <p:cNvPr id="38" name="TextBox 44"/>
+          <p:cNvPr id="39" name="TextBox 45"/>
           <p:cNvSpPr txBox="1"/>
           <p:nvPr/>
         </p:nvSpPr>
         <p:spPr>
           <a:xfrm>
-            <a:off x="11880670" y="4326744"/>
-            <a:ext cx="9064533" cy="387515"/>
+            <a:off x="1003940" y="10879737"/>
+            <a:ext cx="9064534" cy="646331"/>
           </a:xfrm>
           <a:prstGeom prst="rect">
             <a:avLst/>
@@ -2082,51 +4087,7 @@
           </a:ln>
           <a:extLst>
             <a:ext uri="{C572A759-6A51-4108-AA02-DFA0A04FC94B}">
-              <ma14:wrappingTextBoxFlag xmlns="" xmlns:m="http://schemas.openxmlformats.org/officeDocument/2006/math" xmlns:a14="http://schemas.microsoft.com/office/drawing/2010/main" xmlns:ma14="http://schemas.microsoft.com/office/mac/drawingml/2011/main" val="1"/>
-            </a:ext>
-          </a:extLst>
-        </p:spPr>
-        <p:txBody>
-          <a:bodyPr lIns="45719" rIns="45719">
-            <a:spAutoFit/>
-          </a:bodyPr>
-          <a:lstStyle>
-            <a:lvl1pPr>
-              <a:defRPr sz="2100">
-                <a:latin typeface="Arial"/>
-                <a:ea typeface="Arial"/>
-                <a:cs typeface="Arial"/>
-                <a:sym typeface="Arial"/>
-              </a:defRPr>
-            </a:lvl1pPr>
-          </a:lstStyle>
-          <a:p>
-            <a:r>
-              <a:t>Optional section descriptor in 21pt font</a:t>
-            </a:r>
-          </a:p>
-        </p:txBody>
-      </p:sp>
-      <p:sp>
-        <p:nvSpPr>
-          <p:cNvPr id="39" name="TextBox 45"/>
-          <p:cNvSpPr txBox="1"/>
-          <p:nvPr/>
-        </p:nvSpPr>
-        <p:spPr>
-          <a:xfrm>
-            <a:off x="986246" y="11202393"/>
-            <a:ext cx="9064534" cy="572615"/>
-          </a:xfrm>
-          <a:prstGeom prst="rect">
-            <a:avLst/>
-          </a:prstGeom>
-          <a:ln w="12700">
-            <a:miter lim="400000"/>
-          </a:ln>
-          <a:extLst>
-            <a:ext uri="{C572A759-6A51-4108-AA02-DFA0A04FC94B}">
-              <ma14:wrappingTextBoxFlag xmlns="" xmlns:m="http://schemas.openxmlformats.org/officeDocument/2006/math" xmlns:a14="http://schemas.microsoft.com/office/drawing/2010/main" xmlns:ma14="http://schemas.microsoft.com/office/mac/drawingml/2011/main" val="1"/>
+              <ma14:wrappingTextBoxFlag xmlns:ma14="http://schemas.microsoft.com/office/mac/drawingml/2011/main" xmlns:a14="http://schemas.microsoft.com/office/drawing/2010/main" xmlns:m="http://schemas.openxmlformats.org/officeDocument/2006/math" xmlns="" val="1"/>
             </a:ext>
           </a:extLst>
         </p:spPr>
@@ -2146,105 +4107,548 @@
           </a:lstStyle>
           <a:p>
             <a:r>
-              <a:t>Section header in 34pt font</a:t>
+              <a:rPr lang="en-US" sz="3600" dirty="0">
+                <a:solidFill>
+                  <a:srgbClr val="C00000"/>
+                </a:solidFill>
+                <a:latin typeface="Calibri Light" panose="020F0302020204030204" pitchFamily="34" charset="0"/>
+                <a:cs typeface="Calibri Light" panose="020F0302020204030204" pitchFamily="34" charset="0"/>
+              </a:rPr>
+              <a:t>Column Subset Selection</a:t>
             </a:r>
+            <a:endParaRPr sz="3600" dirty="0"/>
           </a:p>
         </p:txBody>
       </p:sp>
-      <p:sp>
-        <p:nvSpPr>
-          <p:cNvPr id="40" name="TextBox 46"/>
-          <p:cNvSpPr txBox="1"/>
-          <p:nvPr/>
-        </p:nvSpPr>
-        <p:spPr>
-          <a:xfrm>
-            <a:off x="986246" y="11905511"/>
-            <a:ext cx="9064534" cy="387516"/>
-          </a:xfrm>
-          <a:prstGeom prst="rect">
-            <a:avLst/>
-          </a:prstGeom>
-          <a:ln w="12700">
-            <a:miter lim="400000"/>
-          </a:ln>
-          <a:extLst>
-            <a:ext uri="{C572A759-6A51-4108-AA02-DFA0A04FC94B}">
-              <ma14:wrappingTextBoxFlag xmlns="" xmlns:m="http://schemas.openxmlformats.org/officeDocument/2006/math" xmlns:a14="http://schemas.microsoft.com/office/drawing/2010/main" xmlns:ma14="http://schemas.microsoft.com/office/mac/drawingml/2011/main" val="1"/>
-            </a:ext>
-          </a:extLst>
-        </p:spPr>
-        <p:txBody>
-          <a:bodyPr lIns="45719" rIns="45719">
-            <a:spAutoFit/>
-          </a:bodyPr>
-          <a:lstStyle>
-            <a:lvl1pPr>
-              <a:defRPr sz="2100">
-                <a:latin typeface="Arial"/>
-                <a:ea typeface="Arial"/>
-                <a:cs typeface="Arial"/>
-                <a:sym typeface="Arial"/>
-              </a:defRPr>
-            </a:lvl1pPr>
-          </a:lstStyle>
-          <a:p>
-            <a:r>
-              <a:t>Optional section descriptor in 21pt font</a:t>
-            </a:r>
-          </a:p>
-        </p:txBody>
-      </p:sp>
-      <p:sp>
-        <p:nvSpPr>
-          <p:cNvPr id="41" name="TextBox 47"/>
-          <p:cNvSpPr txBox="1"/>
-          <p:nvPr/>
-        </p:nvSpPr>
-        <p:spPr>
-          <a:xfrm>
-            <a:off x="986246" y="12685935"/>
-            <a:ext cx="9064534" cy="1843576"/>
-          </a:xfrm>
-          <a:prstGeom prst="rect">
-            <a:avLst/>
-          </a:prstGeom>
-          <a:ln w="12700">
-            <a:miter lim="400000"/>
-          </a:ln>
-          <a:extLst>
-            <a:ext uri="{C572A759-6A51-4108-AA02-DFA0A04FC94B}">
-              <ma14:wrappingTextBoxFlag xmlns="" xmlns:m="http://schemas.openxmlformats.org/officeDocument/2006/math" xmlns:a14="http://schemas.microsoft.com/office/drawing/2010/main" xmlns:ma14="http://schemas.microsoft.com/office/mac/drawingml/2011/main" val="1"/>
-            </a:ext>
-          </a:extLst>
-        </p:spPr>
-        <p:txBody>
-          <a:bodyPr lIns="45719" rIns="45719">
-            <a:spAutoFit/>
-          </a:bodyPr>
-          <a:lstStyle>
-            <a:lvl1pPr>
-              <a:lnSpc>
-                <a:spcPct val="120000"/>
-              </a:lnSpc>
-              <a:defRPr sz="2100">
-                <a:solidFill>
-                  <a:srgbClr val="344854"/>
-                </a:solidFill>
-                <a:latin typeface="Arial"/>
-                <a:ea typeface="Arial"/>
-                <a:cs typeface="Arial"/>
-                <a:sym typeface="Arial"/>
-              </a:defRPr>
-            </a:lvl1pPr>
-          </a:lstStyle>
-          <a:p>
-            <a:r>
-              <a:t>This section is an example of a paragraph.  When creating sections, regardless of whether you're putting in text or images, always try to align to the edges of the yellow guidelines. This poster canvas is broken into 3 columns, and aligning to the edges will make it much easier for viewers to differentiate sections and read information.</a:t>
-            </a:r>
-          </a:p>
-        </p:txBody>
-      </p:sp>
+      <mc:AlternateContent xmlns:mc="http://schemas.openxmlformats.org/markup-compatibility/2006">
+        <mc:Choice xmlns:a14="http://schemas.microsoft.com/office/drawing/2010/main" Requires="a14">
+          <p:sp>
+            <p:nvSpPr>
+              <p:cNvPr id="41" name="TextBox 47"/>
+              <p:cNvSpPr txBox="1"/>
+              <p:nvPr/>
+            </p:nvSpPr>
+            <p:spPr>
+              <a:xfrm>
+                <a:off x="831136" y="11751889"/>
+                <a:ext cx="10496493" cy="3943259"/>
+              </a:xfrm>
+              <a:prstGeom prst="rect">
+                <a:avLst/>
+              </a:prstGeom>
+              <a:ln w="12700">
+                <a:miter lim="400000"/>
+              </a:ln>
+              <a:extLst>
+                <a:ext uri="{C572A759-6A51-4108-AA02-DFA0A04FC94B}">
+                  <ma14:wrappingTextBoxFlag xmlns:ma14="http://schemas.microsoft.com/office/mac/drawingml/2011/main" xmlns:m="http://schemas.openxmlformats.org/officeDocument/2006/math" xmlns="" val="1"/>
+                </a:ext>
+              </a:extLst>
+            </p:spPr>
+            <p:txBody>
+              <a:bodyPr wrap="square" lIns="45719" rIns="45719">
+                <a:spAutoFit/>
+              </a:bodyPr>
+              <a:lstStyle>
+                <a:lvl1pPr>
+                  <a:lnSpc>
+                    <a:spcPct val="120000"/>
+                  </a:lnSpc>
+                  <a:defRPr sz="2100">
+                    <a:solidFill>
+                      <a:srgbClr val="344854"/>
+                    </a:solidFill>
+                    <a:latin typeface="Arial"/>
+                    <a:ea typeface="Arial"/>
+                    <a:cs typeface="Arial"/>
+                    <a:sym typeface="Arial"/>
+                  </a:defRPr>
+                </a:lvl1pPr>
+              </a:lstStyle>
+              <a:p>
+                <a:pPr marL="457200" indent="-457200">
+                  <a:buFont typeface="Arial" panose="020B0604020202020204" pitchFamily="34" charset="0"/>
+                  <a:buChar char="•"/>
+                </a:pPr>
+                <a:r>
+                  <a:rPr lang="en-US" sz="3000" dirty="0">
+                    <a:latin typeface="Calibri" panose="020F0502020204030204" pitchFamily="34" charset="0"/>
+                    <a:cs typeface="Calibri" panose="020F0502020204030204" pitchFamily="34" charset="0"/>
+                  </a:rPr>
+                  <a:t>Find matrices </a:t>
+                </a:r>
+                <a14:m>
+                  <m:oMath xmlns:m="http://schemas.openxmlformats.org/officeDocument/2006/math">
+                    <m:r>
+                      <a:rPr lang="en-US" sz="3000" i="1">
+                        <a:solidFill>
+                          <a:srgbClr val="C00000"/>
+                        </a:solidFill>
+                        <a:latin typeface="Cambria Math" panose="02040503050406030204" pitchFamily="18" charset="0"/>
+                        <a:cs typeface="Calibri" panose="020F0502020204030204" pitchFamily="34" charset="0"/>
+                      </a:rPr>
+                      <m:t>𝑈</m:t>
+                    </m:r>
+                    <m:r>
+                      <a:rPr lang="en-US" sz="3000" i="1">
+                        <a:solidFill>
+                          <a:srgbClr val="C00000"/>
+                        </a:solidFill>
+                        <a:latin typeface="Cambria Math" panose="02040503050406030204" pitchFamily="18" charset="0"/>
+                        <a:cs typeface="Calibri" panose="020F0502020204030204" pitchFamily="34" charset="0"/>
+                      </a:rPr>
+                      <m:t>∈</m:t>
+                    </m:r>
+                    <m:sSup>
+                      <m:sSupPr>
+                        <m:ctrlPr>
+                          <a:rPr lang="en-US" sz="3000" i="1">
+                            <a:solidFill>
+                              <a:srgbClr val="C00000"/>
+                            </a:solidFill>
+                            <a:latin typeface="Cambria Math" panose="02040503050406030204" pitchFamily="18" charset="0"/>
+                            <a:cs typeface="Calibri" panose="020F0502020204030204" pitchFamily="34" charset="0"/>
+                          </a:rPr>
+                        </m:ctrlPr>
+                      </m:sSupPr>
+                      <m:e>
+                        <m:r>
+                          <a:rPr lang="en-US" sz="3000" i="1">
+                            <a:solidFill>
+                              <a:srgbClr val="C00000"/>
+                            </a:solidFill>
+                            <a:latin typeface="Cambria Math" panose="02040503050406030204" pitchFamily="18" charset="0"/>
+                            <a:cs typeface="Calibri" panose="020F0502020204030204" pitchFamily="34" charset="0"/>
+                          </a:rPr>
+                          <m:t>ℝ</m:t>
+                        </m:r>
+                      </m:e>
+                      <m:sup>
+                        <m:r>
+                          <a:rPr lang="en-US" sz="3000" i="1">
+                            <a:solidFill>
+                              <a:srgbClr val="C00000"/>
+                            </a:solidFill>
+                            <a:latin typeface="Cambria Math" panose="02040503050406030204" pitchFamily="18" charset="0"/>
+                            <a:cs typeface="Calibri" panose="020F0502020204030204" pitchFamily="34" charset="0"/>
+                          </a:rPr>
+                          <m:t>𝑛</m:t>
+                        </m:r>
+                        <m:r>
+                          <a:rPr lang="en-US" sz="3000" i="1">
+                            <a:solidFill>
+                              <a:srgbClr val="C00000"/>
+                            </a:solidFill>
+                            <a:latin typeface="Cambria Math" panose="02040503050406030204" pitchFamily="18" charset="0"/>
+                            <a:cs typeface="Calibri" panose="020F0502020204030204" pitchFamily="34" charset="0"/>
+                          </a:rPr>
+                          <m:t>×</m:t>
+                        </m:r>
+                        <m:r>
+                          <a:rPr lang="en-US" sz="3000" i="1">
+                            <a:solidFill>
+                              <a:srgbClr val="C00000"/>
+                            </a:solidFill>
+                            <a:latin typeface="Cambria Math" panose="02040503050406030204" pitchFamily="18" charset="0"/>
+                            <a:cs typeface="Calibri" panose="020F0502020204030204" pitchFamily="34" charset="0"/>
+                          </a:rPr>
+                          <m:t>𝑘</m:t>
+                        </m:r>
+                      </m:sup>
+                    </m:sSup>
+                  </m:oMath>
+                </a14:m>
+                <a:r>
+                  <a:rPr lang="en-US" sz="3000" dirty="0">
+                    <a:latin typeface="Calibri" panose="020F0502020204030204" pitchFamily="34" charset="0"/>
+                    <a:cs typeface="Calibri" panose="020F0502020204030204" pitchFamily="34" charset="0"/>
+                  </a:rPr>
+                  <a:t>,</a:t>
+                </a:r>
+                <a:r>
+                  <a:rPr lang="en-US" sz="3000" dirty="0">
+                    <a:solidFill>
+                      <a:srgbClr val="C00000"/>
+                    </a:solidFill>
+                  </a:rPr>
+                  <a:t> </a:t>
+                </a:r>
+                <a14:m>
+                  <m:oMath xmlns:m="http://schemas.openxmlformats.org/officeDocument/2006/math">
+                    <m:r>
+                      <a:rPr lang="en-US" sz="3000" i="1">
+                        <a:solidFill>
+                          <a:srgbClr val="C00000"/>
+                        </a:solidFill>
+                        <a:latin typeface="Cambria Math" panose="02040503050406030204" pitchFamily="18" charset="0"/>
+                      </a:rPr>
+                      <m:t>𝑉</m:t>
+                    </m:r>
+                    <m:r>
+                      <a:rPr lang="en-US" sz="3000" i="1">
+                        <a:solidFill>
+                          <a:srgbClr val="C00000"/>
+                        </a:solidFill>
+                        <a:latin typeface="Cambria Math" panose="02040503050406030204" pitchFamily="18" charset="0"/>
+                      </a:rPr>
+                      <m:t>∈</m:t>
+                    </m:r>
+                    <m:sSup>
+                      <m:sSupPr>
+                        <m:ctrlPr>
+                          <a:rPr lang="en-US" sz="3000" i="1">
+                            <a:solidFill>
+                              <a:srgbClr val="C00000"/>
+                            </a:solidFill>
+                            <a:latin typeface="Cambria Math" panose="02040503050406030204" pitchFamily="18" charset="0"/>
+                          </a:rPr>
+                        </m:ctrlPr>
+                      </m:sSupPr>
+                      <m:e>
+                        <m:r>
+                          <a:rPr lang="en-US" sz="3000" i="1">
+                            <a:solidFill>
+                              <a:srgbClr val="C00000"/>
+                            </a:solidFill>
+                            <a:latin typeface="Cambria Math" panose="02040503050406030204" pitchFamily="18" charset="0"/>
+                          </a:rPr>
+                          <m:t>ℝ</m:t>
+                        </m:r>
+                      </m:e>
+                      <m:sup>
+                        <m:r>
+                          <a:rPr lang="en-US" sz="3000" i="1">
+                            <a:solidFill>
+                              <a:srgbClr val="C00000"/>
+                            </a:solidFill>
+                            <a:latin typeface="Cambria Math" panose="02040503050406030204" pitchFamily="18" charset="0"/>
+                          </a:rPr>
+                          <m:t>𝑘</m:t>
+                        </m:r>
+                        <m:r>
+                          <a:rPr lang="en-US" sz="3000" i="1">
+                            <a:solidFill>
+                              <a:srgbClr val="C00000"/>
+                            </a:solidFill>
+                            <a:latin typeface="Cambria Math" panose="02040503050406030204" pitchFamily="18" charset="0"/>
+                          </a:rPr>
+                          <m:t>×</m:t>
+                        </m:r>
+                        <m:r>
+                          <a:rPr lang="en-US" sz="3000" i="1">
+                            <a:solidFill>
+                              <a:srgbClr val="C00000"/>
+                            </a:solidFill>
+                            <a:latin typeface="Cambria Math" panose="02040503050406030204" pitchFamily="18" charset="0"/>
+                          </a:rPr>
+                          <m:t>𝑑</m:t>
+                        </m:r>
+                      </m:sup>
+                    </m:sSup>
+                  </m:oMath>
+                </a14:m>
+                <a:r>
+                  <a:rPr lang="en-US" sz="3000" dirty="0">
+                    <a:latin typeface="Calibri" panose="020F0502020204030204" pitchFamily="34" charset="0"/>
+                    <a:cs typeface="Calibri" panose="020F0502020204030204" pitchFamily="34" charset="0"/>
+                  </a:rPr>
+                  <a:t> that minimizes </a:t>
+                </a:r>
+                <a14:m>
+                  <m:oMath xmlns:m="http://schemas.openxmlformats.org/officeDocument/2006/math">
+                    <m:sSub>
+                      <m:sSubPr>
+                        <m:ctrlPr>
+                          <a:rPr lang="en-US" sz="3000" i="1">
+                            <a:solidFill>
+                              <a:srgbClr val="C00000"/>
+                            </a:solidFill>
+                            <a:latin typeface="Cambria Math" panose="02040503050406030204" pitchFamily="18" charset="0"/>
+                          </a:rPr>
+                        </m:ctrlPr>
+                      </m:sSubPr>
+                      <m:e>
+                        <m:d>
+                          <m:dPr>
+                            <m:begChr m:val="‖"/>
+                            <m:endChr m:val="‖"/>
+                            <m:ctrlPr>
+                              <a:rPr lang="en-US" sz="3000" i="1">
+                                <a:solidFill>
+                                  <a:srgbClr val="C00000"/>
+                                </a:solidFill>
+                                <a:latin typeface="Cambria Math" panose="02040503050406030204" pitchFamily="18" charset="0"/>
+                              </a:rPr>
+                            </m:ctrlPr>
+                          </m:dPr>
+                          <m:e>
+                            <m:r>
+                              <a:rPr lang="en-US" sz="3000" i="1">
+                                <a:solidFill>
+                                  <a:srgbClr val="C00000"/>
+                                </a:solidFill>
+                                <a:latin typeface="Cambria Math" panose="02040503050406030204" pitchFamily="18" charset="0"/>
+                              </a:rPr>
+                              <m:t>𝑈𝑉</m:t>
+                            </m:r>
+                            <m:r>
+                              <a:rPr lang="en-US" sz="3000" i="1">
+                                <a:solidFill>
+                                  <a:srgbClr val="C00000"/>
+                                </a:solidFill>
+                                <a:latin typeface="Cambria Math" panose="02040503050406030204" pitchFamily="18" charset="0"/>
+                              </a:rPr>
+                              <m:t>−</m:t>
+                            </m:r>
+                            <m:r>
+                              <a:rPr lang="en-US" sz="3000" i="1">
+                                <a:solidFill>
+                                  <a:srgbClr val="C00000"/>
+                                </a:solidFill>
+                                <a:latin typeface="Cambria Math" panose="02040503050406030204" pitchFamily="18" charset="0"/>
+                              </a:rPr>
+                              <m:t>𝐴</m:t>
+                            </m:r>
+                          </m:e>
+                        </m:d>
+                      </m:e>
+                      <m:sub>
+                        <m:r>
+                          <a:rPr lang="en-US" sz="3000" i="1">
+                            <a:solidFill>
+                              <a:srgbClr val="C00000"/>
+                            </a:solidFill>
+                            <a:latin typeface="Cambria Math" panose="02040503050406030204" pitchFamily="18" charset="0"/>
+                          </a:rPr>
+                          <m:t>𝐹</m:t>
+                        </m:r>
+                      </m:sub>
+                    </m:sSub>
+                  </m:oMath>
+                </a14:m>
+                <a:r>
+                  <a:rPr lang="en-US" sz="3000" dirty="0">
+                    <a:latin typeface="Calibri" panose="020F0502020204030204" pitchFamily="34" charset="0"/>
+                    <a:cs typeface="Calibri" panose="020F0502020204030204" pitchFamily="34" charset="0"/>
+                  </a:rPr>
+                  <a:t>, where </a:t>
+                </a:r>
+                <a14:m>
+                  <m:oMath xmlns:m="http://schemas.openxmlformats.org/officeDocument/2006/math">
+                    <m:r>
+                      <a:rPr lang="en-US" sz="3000" i="1">
+                        <a:solidFill>
+                          <a:srgbClr val="C00000"/>
+                        </a:solidFill>
+                        <a:latin typeface="Cambria Math" panose="02040503050406030204" pitchFamily="18" charset="0"/>
+                      </a:rPr>
+                      <m:t>𝑉</m:t>
+                    </m:r>
+                  </m:oMath>
+                </a14:m>
+                <a:r>
+                  <a:rPr lang="en-US" sz="3000" dirty="0">
+                    <a:latin typeface="Calibri" panose="020F0502020204030204" pitchFamily="34" charset="0"/>
+                    <a:cs typeface="Calibri" panose="020F0502020204030204" pitchFamily="34" charset="0"/>
+                  </a:rPr>
+                  <a:t> is </a:t>
+                </a:r>
+                <a14:m>
+                  <m:oMath xmlns:m="http://schemas.openxmlformats.org/officeDocument/2006/math">
+                    <m:r>
+                      <a:rPr lang="en-US" sz="3000" i="1">
+                        <a:solidFill>
+                          <a:srgbClr val="C00000"/>
+                        </a:solidFill>
+                        <a:latin typeface="Cambria Math" panose="02040503050406030204" pitchFamily="18" charset="0"/>
+                      </a:rPr>
+                      <m:t>𝑘</m:t>
+                    </m:r>
+                  </m:oMath>
+                </a14:m>
+                <a:r>
+                  <a:rPr lang="en-US" sz="3000" dirty="0">
+                    <a:latin typeface="Calibri" panose="020F0502020204030204" pitchFamily="34" charset="0"/>
+                    <a:cs typeface="Calibri" panose="020F0502020204030204" pitchFamily="34" charset="0"/>
+                  </a:rPr>
+                  <a:t> columns of </a:t>
+                </a:r>
+                <a14:m>
+                  <m:oMath xmlns:m="http://schemas.openxmlformats.org/officeDocument/2006/math">
+                    <m:r>
+                      <a:rPr lang="en-US" sz="3000" b="0" i="1" smtClean="0">
+                        <a:solidFill>
+                          <a:srgbClr val="C00000"/>
+                        </a:solidFill>
+                        <a:latin typeface="Cambria Math" panose="02040503050406030204" pitchFamily="18" charset="0"/>
+                      </a:rPr>
+                      <m:t>𝐴</m:t>
+                    </m:r>
+                  </m:oMath>
+                </a14:m>
+                <a:endParaRPr lang="en-US" sz="3000" dirty="0">
+                  <a:solidFill>
+                    <a:srgbClr val="C00000"/>
+                  </a:solidFill>
+                  <a:latin typeface="Calibri" panose="020F0502020204030204" pitchFamily="34" charset="0"/>
+                  <a:cs typeface="Calibri" panose="020F0502020204030204" pitchFamily="34" charset="0"/>
+                </a:endParaRPr>
+              </a:p>
+              <a:p>
+                <a:pPr marL="457200" indent="-457200">
+                  <a:buFont typeface="Arial" panose="020B0604020202020204" pitchFamily="34" charset="0"/>
+                  <a:buChar char="•"/>
+                </a:pPr>
+                <a:r>
+                  <a:rPr lang="en-US" sz="3000" dirty="0">
+                    <a:latin typeface="Calibri" panose="020F0502020204030204" pitchFamily="34" charset="0"/>
+                    <a:cs typeface="Calibri" panose="020F0502020204030204" pitchFamily="34" charset="0"/>
+                  </a:rPr>
+                  <a:t>Finding structure among noise</a:t>
+                </a:r>
+              </a:p>
+              <a:p>
+                <a:pPr marL="457200" indent="-457200">
+                  <a:buFont typeface="Arial" panose="020B0604020202020204" pitchFamily="34" charset="0"/>
+                  <a:buChar char="•"/>
+                </a:pPr>
+                <a:r>
+                  <a:rPr lang="en-US" sz="3000" dirty="0">
+                    <a:latin typeface="Calibri" panose="020F0502020204030204" pitchFamily="34" charset="0"/>
+                    <a:cs typeface="Calibri" panose="020F0502020204030204" pitchFamily="34" charset="0"/>
+                  </a:rPr>
+                  <a:t>Low-rank approximation variant with better interpretability</a:t>
+                </a:r>
+              </a:p>
+              <a:p>
+                <a:pPr marL="457200" indent="-457200">
+                  <a:buClr>
+                    <a:schemeClr val="tx1"/>
+                  </a:buClr>
+                  <a:buFont typeface="Arial" panose="020B0604020202020204" pitchFamily="34" charset="0"/>
+                  <a:buChar char="•"/>
+                </a:pPr>
+                <a:r>
+                  <a:rPr lang="en-US" sz="3000" dirty="0">
+                    <a:latin typeface="Calibri" panose="020F0502020204030204" pitchFamily="34" charset="0"/>
+                    <a:cs typeface="Calibri" panose="020F0502020204030204" pitchFamily="34" charset="0"/>
+                  </a:rPr>
+                  <a:t>NP-hard problem</a:t>
+                </a:r>
+              </a:p>
+              <a:p>
+                <a:pPr marL="457200" indent="-457200">
+                  <a:buClr>
+                    <a:schemeClr val="tx1"/>
+                  </a:buClr>
+                  <a:buFont typeface="Arial" panose="020B0604020202020204" pitchFamily="34" charset="0"/>
+                  <a:buChar char="•"/>
+                </a:pPr>
+                <a:r>
+                  <a:rPr lang="en-US" sz="3000" dirty="0">
+                    <a:latin typeface="Calibri" panose="020F0502020204030204" pitchFamily="34" charset="0"/>
+                    <a:cs typeface="Calibri" panose="020F0502020204030204" pitchFamily="34" charset="0"/>
+                  </a:rPr>
+                  <a:t>Can achieve </a:t>
+                </a:r>
+                <a14:m>
+                  <m:oMath xmlns:m="http://schemas.openxmlformats.org/officeDocument/2006/math">
+                    <m:r>
+                      <a:rPr lang="en-US" sz="3000" b="0" i="1" smtClean="0">
+                        <a:solidFill>
+                          <a:srgbClr val="C00000"/>
+                        </a:solidFill>
+                        <a:latin typeface="Cambria Math" panose="02040503050406030204" pitchFamily="18" charset="0"/>
+                      </a:rPr>
+                      <m:t>𝑂</m:t>
+                    </m:r>
+                    <m:r>
+                      <a:rPr lang="en-US" sz="3000" b="0" i="1" smtClean="0">
+                        <a:solidFill>
+                          <a:srgbClr val="C00000"/>
+                        </a:solidFill>
+                        <a:latin typeface="Cambria Math" panose="02040503050406030204" pitchFamily="18" charset="0"/>
+                      </a:rPr>
+                      <m:t>(</m:t>
+                    </m:r>
+                    <m:r>
+                      <a:rPr lang="en-US" sz="3000" b="0" i="1" smtClean="0">
+                        <a:solidFill>
+                          <a:srgbClr val="C00000"/>
+                        </a:solidFill>
+                        <a:latin typeface="Cambria Math" panose="02040503050406030204" pitchFamily="18" charset="0"/>
+                      </a:rPr>
+                      <m:t>𝑘</m:t>
+                    </m:r>
+                    <m:r>
+                      <a:rPr lang="en-US" sz="3000" b="0" i="1" smtClean="0">
+                        <a:solidFill>
+                          <a:srgbClr val="C00000"/>
+                        </a:solidFill>
+                        <a:latin typeface="Cambria Math" panose="02040503050406030204" pitchFamily="18" charset="0"/>
+                      </a:rPr>
+                      <m:t>)</m:t>
+                    </m:r>
+                  </m:oMath>
+                </a14:m>
+                <a:r>
+                  <a:rPr lang="en-US" sz="3000" dirty="0">
+                    <a:latin typeface="Calibri" panose="020F0502020204030204" pitchFamily="34" charset="0"/>
+                    <a:cs typeface="Calibri" panose="020F0502020204030204" pitchFamily="34" charset="0"/>
+                  </a:rPr>
+                  <a:t> approximation by volume sampling or local search</a:t>
+                </a:r>
+              </a:p>
+            </p:txBody>
+          </p:sp>
+        </mc:Choice>
+        <mc:Fallback>
+          <p:sp>
+            <p:nvSpPr>
+              <p:cNvPr id="41" name="TextBox 47"/>
+              <p:cNvSpPr txBox="1">
+                <a:spLocks noRot="1" noChangeAspect="1" noMove="1" noResize="1" noEditPoints="1" noAdjustHandles="1" noChangeArrowheads="1" noChangeShapeType="1" noTextEdit="1"/>
+              </p:cNvSpPr>
+              <p:nvPr/>
+            </p:nvSpPr>
+            <p:spPr>
+              <a:xfrm>
+                <a:off x="831136" y="11751889"/>
+                <a:ext cx="10496493" cy="3943259"/>
+              </a:xfrm>
+              <a:prstGeom prst="rect">
+                <a:avLst/>
+              </a:prstGeom>
+              <a:blipFill>
+                <a:blip r:embed="rId7"/>
+                <a:stretch>
+                  <a:fillRect l="-1626" t="-309" r="-1916" b="-3864"/>
+                </a:stretch>
+              </a:blipFill>
+              <a:ln w="12700">
+                <a:miter lim="400000"/>
+              </a:ln>
+              <a:extLst>
+                <a:ext uri="{C572A759-6A51-4108-AA02-DFA0A04FC94B}">
+                  <ma14:wrappingTextBoxFlag xmlns:ma14="http://schemas.microsoft.com/office/mac/drawingml/2011/main" xmlns:a14="http://schemas.microsoft.com/office/drawing/2010/main" xmlns:m="http://schemas.openxmlformats.org/officeDocument/2006/math" xmlns="" val="1"/>
+                </a:ext>
+              </a:extLst>
+            </p:spPr>
+            <p:txBody>
+              <a:bodyPr/>
+              <a:lstStyle/>
+              <a:p>
+                <a:r>
+                  <a:rPr lang="en-US">
+                    <a:noFill/>
+                  </a:rPr>
+                  <a:t> </a:t>
+                </a:r>
+              </a:p>
+            </p:txBody>
+          </p:sp>
+        </mc:Fallback>
+      </mc:AlternateContent>
       <p:sp>
         <p:nvSpPr>
           <p:cNvPr id="42" name="TextBox 51"/>
@@ -2264,7 +4668,7 @@
           </a:ln>
           <a:extLst>
             <a:ext uri="{C572A759-6A51-4108-AA02-DFA0A04FC94B}">
-              <ma14:wrappingTextBoxFlag xmlns="" xmlns:m="http://schemas.openxmlformats.org/officeDocument/2006/math" xmlns:a14="http://schemas.microsoft.com/office/drawing/2010/main" xmlns:ma14="http://schemas.microsoft.com/office/mac/drawingml/2011/main" val="1"/>
+              <ma14:wrappingTextBoxFlag xmlns:ma14="http://schemas.microsoft.com/office/mac/drawingml/2011/main" xmlns:a14="http://schemas.microsoft.com/office/drawing/2010/main" xmlns:m="http://schemas.openxmlformats.org/officeDocument/2006/math" xmlns="" val="1"/>
             </a:ext>
           </a:extLst>
         </p:spPr>
@@ -2308,7 +4712,7 @@
           </a:ln>
           <a:extLst>
             <a:ext uri="{C572A759-6A51-4108-AA02-DFA0A04FC94B}">
-              <ma14:wrappingTextBoxFlag xmlns="" xmlns:m="http://schemas.openxmlformats.org/officeDocument/2006/math" xmlns:a14="http://schemas.microsoft.com/office/drawing/2010/main" xmlns:ma14="http://schemas.microsoft.com/office/mac/drawingml/2011/main" val="1"/>
+              <ma14:wrappingTextBoxFlag xmlns:ma14="http://schemas.microsoft.com/office/mac/drawingml/2011/main" xmlns:a14="http://schemas.microsoft.com/office/drawing/2010/main" xmlns:m="http://schemas.openxmlformats.org/officeDocument/2006/math" xmlns="" val="1"/>
             </a:ext>
           </a:extLst>
         </p:spPr>
@@ -2352,7 +4756,7 @@
           </a:ln>
           <a:extLst>
             <a:ext uri="{C572A759-6A51-4108-AA02-DFA0A04FC94B}">
-              <ma14:wrappingTextBoxFlag xmlns="" xmlns:m="http://schemas.openxmlformats.org/officeDocument/2006/math" xmlns:a14="http://schemas.microsoft.com/office/drawing/2010/main" xmlns:ma14="http://schemas.microsoft.com/office/mac/drawingml/2011/main" val="1"/>
+              <ma14:wrappingTextBoxFlag xmlns:ma14="http://schemas.microsoft.com/office/mac/drawingml/2011/main" xmlns:a14="http://schemas.microsoft.com/office/drawing/2010/main" xmlns:m="http://schemas.openxmlformats.org/officeDocument/2006/math" xmlns="" val="1"/>
             </a:ext>
           </a:extLst>
         </p:spPr>
@@ -2402,7 +4806,7 @@
           </a:ln>
           <a:extLst>
             <a:ext uri="{C572A759-6A51-4108-AA02-DFA0A04FC94B}">
-              <ma14:wrappingTextBoxFlag xmlns="" xmlns:m="http://schemas.openxmlformats.org/officeDocument/2006/math" xmlns:a14="http://schemas.microsoft.com/office/drawing/2010/main" xmlns:ma14="http://schemas.microsoft.com/office/mac/drawingml/2011/main" val="1"/>
+              <ma14:wrappingTextBoxFlag xmlns:ma14="http://schemas.microsoft.com/office/mac/drawingml/2011/main" xmlns:a14="http://schemas.microsoft.com/office/drawing/2010/main" xmlns:m="http://schemas.openxmlformats.org/officeDocument/2006/math" xmlns="" val="1"/>
             </a:ext>
           </a:extLst>
         </p:spPr>
@@ -2432,80 +4836,6 @@
       </p:sp>
       <p:sp>
         <p:nvSpPr>
-          <p:cNvPr id="46" name="TextBox 56"/>
-          <p:cNvSpPr txBox="1"/>
-          <p:nvPr/>
-        </p:nvSpPr>
-        <p:spPr>
-          <a:xfrm>
-            <a:off x="982979" y="20359289"/>
-            <a:ext cx="9029701" cy="276539"/>
-          </a:xfrm>
-          <a:prstGeom prst="rect">
-            <a:avLst/>
-          </a:prstGeom>
-          <a:ln w="12700">
-            <a:miter lim="400000"/>
-          </a:ln>
-          <a:extLst>
-            <a:ext uri="{C572A759-6A51-4108-AA02-DFA0A04FC94B}">
-              <ma14:wrappingTextBoxFlag xmlns="" xmlns:m="http://schemas.openxmlformats.org/officeDocument/2006/math" xmlns:a14="http://schemas.microsoft.com/office/drawing/2010/main" xmlns:ma14="http://schemas.microsoft.com/office/mac/drawingml/2011/main" val="1"/>
-            </a:ext>
-          </a:extLst>
-        </p:spPr>
-        <p:txBody>
-          <a:bodyPr lIns="45719" rIns="45719">
-            <a:spAutoFit/>
-          </a:bodyPr>
-          <a:lstStyle>
-            <a:lvl1pPr algn="ctr">
-              <a:defRPr sz="1300">
-                <a:solidFill>
-                  <a:srgbClr val="344854"/>
-                </a:solidFill>
-                <a:latin typeface="Arial"/>
-                <a:ea typeface="Arial"/>
-                <a:cs typeface="Arial"/>
-                <a:sym typeface="Arial"/>
-              </a:defRPr>
-            </a:lvl1pPr>
-          </a:lstStyle>
-          <a:p>
-            <a:r>
-              <a:t>Optional caption for images, charts, and graphs</a:t>
-            </a:r>
-          </a:p>
-        </p:txBody>
-      </p:sp>
-      <p:pic>
-        <p:nvPicPr>
-          <p:cNvPr id="47" name="Image" descr="Image"/>
-          <p:cNvPicPr>
-            <a:picLocks noChangeAspect="1"/>
-          </p:cNvPicPr>
-          <p:nvPr/>
-        </p:nvPicPr>
-        <p:blipFill>
-          <a:blip r:embed="rId4"/>
-          <a:stretch>
-            <a:fillRect/>
-          </a:stretch>
-        </p:blipFill>
-        <p:spPr>
-          <a:xfrm>
-            <a:off x="12541143" y="12968203"/>
-            <a:ext cx="7836114" cy="1910722"/>
-          </a:xfrm>
-          <a:prstGeom prst="rect">
-            <a:avLst/>
-          </a:prstGeom>
-          <a:ln w="12700">
-            <a:miter lim="400000"/>
-          </a:ln>
-        </p:spPr>
-      </p:pic>
-      <p:sp>
-        <p:nvSpPr>
           <p:cNvPr id="48" name="TextBox 60"/>
           <p:cNvSpPr txBox="1"/>
           <p:nvPr/>
@@ -2523,7 +4853,7 @@
           </a:ln>
           <a:extLst>
             <a:ext uri="{C572A759-6A51-4108-AA02-DFA0A04FC94B}">
-              <ma14:wrappingTextBoxFlag xmlns="" xmlns:m="http://schemas.openxmlformats.org/officeDocument/2006/math" xmlns:a14="http://schemas.microsoft.com/office/drawing/2010/main" xmlns:ma14="http://schemas.microsoft.com/office/mac/drawingml/2011/main" val="1"/>
+              <ma14:wrappingTextBoxFlag xmlns:ma14="http://schemas.microsoft.com/office/mac/drawingml/2011/main" xmlns:a14="http://schemas.microsoft.com/office/drawing/2010/main" xmlns:m="http://schemas.openxmlformats.org/officeDocument/2006/math" xmlns="" val="1"/>
             </a:ext>
           </a:extLst>
         </p:spPr>
@@ -2567,7 +4897,7 @@
           </a:ln>
           <a:extLst>
             <a:ext uri="{C572A759-6A51-4108-AA02-DFA0A04FC94B}">
-              <ma14:wrappingTextBoxFlag xmlns="" xmlns:m="http://schemas.openxmlformats.org/officeDocument/2006/math" xmlns:a14="http://schemas.microsoft.com/office/drawing/2010/main" xmlns:ma14="http://schemas.microsoft.com/office/mac/drawingml/2011/main" val="1"/>
+              <ma14:wrappingTextBoxFlag xmlns:ma14="http://schemas.microsoft.com/office/mac/drawingml/2011/main" xmlns:a14="http://schemas.microsoft.com/office/drawing/2010/main" xmlns:m="http://schemas.openxmlformats.org/officeDocument/2006/math" xmlns="" val="1"/>
             </a:ext>
           </a:extLst>
         </p:spPr>
@@ -2705,63 +5035,6 @@
           </a:p>
         </p:txBody>
       </p:sp>
-      <p:sp>
-        <p:nvSpPr>
-          <p:cNvPr id="50" name="TextBox 37"/>
-          <p:cNvSpPr txBox="1"/>
-          <p:nvPr/>
-        </p:nvSpPr>
-        <p:spPr>
-          <a:xfrm>
-            <a:off x="17483356" y="784521"/>
-            <a:ext cx="6052723" cy="1115546"/>
-          </a:xfrm>
-          <a:prstGeom prst="rect">
-            <a:avLst/>
-          </a:prstGeom>
-          <a:ln w="12700">
-            <a:miter lim="400000"/>
-          </a:ln>
-          <a:extLst>
-            <a:ext uri="{C572A759-6A51-4108-AA02-DFA0A04FC94B}">
-              <ma14:wrappingTextBoxFlag xmlns="" xmlns:m="http://schemas.openxmlformats.org/officeDocument/2006/math" xmlns:a14="http://schemas.microsoft.com/office/drawing/2010/main" xmlns:ma14="http://schemas.microsoft.com/office/mac/drawingml/2011/main" val="1"/>
-            </a:ext>
-          </a:extLst>
-        </p:spPr>
-        <p:txBody>
-          <a:bodyPr lIns="45719" rIns="45719">
-            <a:spAutoFit/>
-          </a:bodyPr>
-          <a:lstStyle/>
-          <a:p>
-            <a:pPr>
-              <a:lnSpc>
-                <a:spcPct val="120000"/>
-              </a:lnSpc>
-              <a:spcBef>
-                <a:spcPts val="1000"/>
-              </a:spcBef>
-              <a:defRPr sz="2100">
-                <a:latin typeface="Arial"/>
-                <a:ea typeface="Arial"/>
-                <a:cs typeface="Arial"/>
-                <a:sym typeface="Arial"/>
-              </a:defRPr>
-            </a:pPr>
-            <a:r>
-              <a:t>Author Name, Author Name, </a:t>
-            </a:r>
-            <a:br/>
-            <a:r>
-              <a:t>Author Name, Author Name, </a:t>
-            </a:r>
-            <a:br/>
-            <a:r>
-              <a:t>Author Name</a:t>
-            </a:r>
-          </a:p>
-        </p:txBody>
-      </p:sp>
       <p:pic>
         <p:nvPicPr>
           <p:cNvPr id="51" name="Image" descr="Image"/>
@@ -2771,7 +5044,7 @@
           <p:nvPr/>
         </p:nvPicPr>
         <p:blipFill>
-          <a:blip r:embed="rId5"/>
+          <a:blip r:embed="rId8"/>
           <a:srcRect l="11281" b="11572"/>
           <a:stretch>
             <a:fillRect/>
@@ -2792,60 +5065,6 @@
       </p:pic>
       <p:pic>
         <p:nvPicPr>
-          <p:cNvPr id="52" name="Screen Shot 2020-10-26 at 10.02.03 PM.png" descr="Screen Shot 2020-10-26 at 10.02.03 PM.png"/>
-          <p:cNvPicPr>
-            <a:picLocks noChangeAspect="1"/>
-          </p:cNvPicPr>
-          <p:nvPr/>
-        </p:nvPicPr>
-        <p:blipFill>
-          <a:blip r:embed="rId6"/>
-          <a:stretch>
-            <a:fillRect/>
-          </a:stretch>
-        </p:blipFill>
-        <p:spPr>
-          <a:xfrm>
-            <a:off x="11923183" y="5243980"/>
-            <a:ext cx="9477674" cy="4380182"/>
-          </a:xfrm>
-          <a:prstGeom prst="rect">
-            <a:avLst/>
-          </a:prstGeom>
-          <a:ln w="12700">
-            <a:miter lim="400000"/>
-          </a:ln>
-        </p:spPr>
-      </p:pic>
-      <p:pic>
-        <p:nvPicPr>
-          <p:cNvPr id="53" name="Screen Shot 2020-10-26 at 10.03.39 PM.png" descr="Screen Shot 2020-10-26 at 10.03.39 PM.png"/>
-          <p:cNvPicPr>
-            <a:picLocks noChangeAspect="1"/>
-          </p:cNvPicPr>
-          <p:nvPr/>
-        </p:nvPicPr>
-        <p:blipFill>
-          <a:blip r:embed="rId7"/>
-          <a:stretch>
-            <a:fillRect/>
-          </a:stretch>
-        </p:blipFill>
-        <p:spPr>
-          <a:xfrm>
-            <a:off x="11422560" y="15186845"/>
-            <a:ext cx="10772753" cy="6030681"/>
-          </a:xfrm>
-          <a:prstGeom prst="rect">
-            <a:avLst/>
-          </a:prstGeom>
-          <a:ln w="12700">
-            <a:miter lim="400000"/>
-          </a:ln>
-        </p:spPr>
-      </p:pic>
-      <p:pic>
-        <p:nvPicPr>
           <p:cNvPr id="54" name="neurips_logo.pdf" descr="neurips_logo.pdf"/>
           <p:cNvPicPr>
             <a:picLocks noChangeAspect="1"/>
@@ -2853,7 +5072,7 @@
           <p:nvPr/>
         </p:nvPicPr>
         <p:blipFill>
-          <a:blip r:embed="rId8"/>
+          <a:blip r:embed="rId9"/>
           <a:stretch>
             <a:fillRect/>
           </a:stretch>
@@ -2871,6 +5090,3182 @@
           </a:ln>
         </p:spPr>
       </p:pic>
+      <p:sp>
+        <p:nvSpPr>
+          <p:cNvPr id="2" name="TextBox 37">
+            <a:extLst>
+              <a:ext uri="{FF2B5EF4-FFF2-40B4-BE49-F238E27FC236}">
+                <a16:creationId xmlns:a16="http://schemas.microsoft.com/office/drawing/2014/main" id="{88BD07B8-4DFF-A7A1-5F57-DC9F62962C50}"/>
+              </a:ext>
+            </a:extLst>
+          </p:cNvPr>
+          <p:cNvSpPr txBox="1"/>
+          <p:nvPr/>
+        </p:nvSpPr>
+        <p:spPr>
+          <a:xfrm>
+            <a:off x="14849390" y="781157"/>
+            <a:ext cx="11803379" cy="2062103"/>
+          </a:xfrm>
+          <a:prstGeom prst="rect">
+            <a:avLst/>
+          </a:prstGeom>
+          <a:ln w="12700">
+            <a:miter lim="400000"/>
+          </a:ln>
+          <a:extLst>
+            <a:ext uri="{C572A759-6A51-4108-AA02-DFA0A04FC94B}">
+              <ma14:wrappingTextBoxFlag xmlns:ma14="http://schemas.microsoft.com/office/mac/drawingml/2011/main" xmlns:a14="http://schemas.microsoft.com/office/drawing/2010/main" xmlns:m="http://schemas.openxmlformats.org/officeDocument/2006/math" xmlns="" val="1"/>
+            </a:ext>
+          </a:extLst>
+        </p:spPr>
+        <p:txBody>
+          <a:bodyPr wrap="square" lIns="45719" rIns="45719">
+            <a:spAutoFit/>
+          </a:bodyPr>
+          <a:lstStyle/>
+          <a:p>
+            <a:r>
+              <a:rPr lang="en-US" sz="3200" dirty="0">
+                <a:solidFill>
+                  <a:srgbClr val="7030A0"/>
+                </a:solidFill>
+                <a:latin typeface="Calibri" panose="020F0502020204030204" pitchFamily="34" charset="0"/>
+                <a:cs typeface="Calibri" panose="020F0502020204030204" pitchFamily="34" charset="0"/>
+              </a:rPr>
+              <a:t>Zhao Song, Simons Institute of Computing</a:t>
+            </a:r>
+          </a:p>
+          <a:p>
+            <a:r>
+              <a:rPr lang="en-US" sz="3200" dirty="0">
+                <a:solidFill>
+                  <a:srgbClr val="7030A0"/>
+                </a:solidFill>
+                <a:latin typeface="Calibri" panose="020F0502020204030204" pitchFamily="34" charset="0"/>
+                <a:cs typeface="Calibri" panose="020F0502020204030204" pitchFamily="34" charset="0"/>
+              </a:rPr>
+              <a:t>Ali </a:t>
+            </a:r>
+            <a:r>
+              <a:rPr lang="en-US" sz="3200" dirty="0" err="1">
+                <a:solidFill>
+                  <a:srgbClr val="7030A0"/>
+                </a:solidFill>
+                <a:latin typeface="Calibri" panose="020F0502020204030204" pitchFamily="34" charset="0"/>
+                <a:cs typeface="Calibri" panose="020F0502020204030204" pitchFamily="34" charset="0"/>
+              </a:rPr>
+              <a:t>Vakilian</a:t>
+            </a:r>
+            <a:r>
+              <a:rPr lang="en-US" sz="3200" dirty="0">
+                <a:solidFill>
+                  <a:srgbClr val="7030A0"/>
+                </a:solidFill>
+                <a:latin typeface="Calibri" panose="020F0502020204030204" pitchFamily="34" charset="0"/>
+                <a:cs typeface="Calibri" panose="020F0502020204030204" pitchFamily="34" charset="0"/>
+              </a:rPr>
+              <a:t>, Toyota Technological Institute at Chicago</a:t>
+            </a:r>
+          </a:p>
+          <a:p>
+            <a:r>
+              <a:rPr lang="en-US" sz="3200" dirty="0">
+                <a:solidFill>
+                  <a:srgbClr val="7030A0"/>
+                </a:solidFill>
+                <a:latin typeface="Calibri" panose="020F0502020204030204" pitchFamily="34" charset="0"/>
+                <a:cs typeface="Calibri" panose="020F0502020204030204" pitchFamily="34" charset="0"/>
+              </a:rPr>
+              <a:t>David P. Woodruff, Carnegie Mellon University and Google Research</a:t>
+            </a:r>
+          </a:p>
+          <a:p>
+            <a:r>
+              <a:rPr lang="en-US" sz="3200" dirty="0">
+                <a:solidFill>
+                  <a:srgbClr val="7030A0"/>
+                </a:solidFill>
+                <a:latin typeface="Calibri" panose="020F0502020204030204" pitchFamily="34" charset="0"/>
+                <a:cs typeface="Calibri" panose="020F0502020204030204" pitchFamily="34" charset="0"/>
+              </a:rPr>
+              <a:t>Samson Zhou, Texas A&amp;M University</a:t>
+            </a:r>
+          </a:p>
+        </p:txBody>
+      </p:sp>
+      <p:sp>
+        <p:nvSpPr>
+          <p:cNvPr id="14" name="Content Placeholder 2">
+            <a:extLst>
+              <a:ext uri="{FF2B5EF4-FFF2-40B4-BE49-F238E27FC236}">
+                <a16:creationId xmlns:a16="http://schemas.microsoft.com/office/drawing/2014/main" id="{1EEAF359-64F8-DF6E-8861-C212717E9656}"/>
+              </a:ext>
+            </a:extLst>
+          </p:cNvPr>
+          <p:cNvSpPr txBox="1">
+            <a:spLocks/>
+          </p:cNvSpPr>
+          <p:nvPr/>
+        </p:nvSpPr>
+        <p:spPr>
+          <a:xfrm>
+            <a:off x="6767970" y="5174604"/>
+            <a:ext cx="3414204" cy="3287913"/>
+          </a:xfrm>
+          <a:prstGeom prst="rect">
+            <a:avLst/>
+          </a:prstGeom>
+        </p:spPr>
+        <p:txBody>
+          <a:bodyPr/>
+          <a:lstStyle>
+            <a:lvl1pPr marL="731556" marR="0" indent="-731556" algn="l" defTabSz="2926226" rtl="0" latinLnBrk="0">
+              <a:lnSpc>
+                <a:spcPct val="90000"/>
+              </a:lnSpc>
+              <a:spcBef>
+                <a:spcPts val="3200"/>
+              </a:spcBef>
+              <a:spcAft>
+                <a:spcPts val="0"/>
+              </a:spcAft>
+              <a:buClrTx/>
+              <a:buSzPct val="100000"/>
+              <a:buFont typeface="Arial"/>
+              <a:buChar char="•"/>
+              <a:tabLst/>
+              <a:defRPr sz="8900" b="0" i="0" u="none" strike="noStrike" cap="none" spc="0" baseline="0">
+                <a:solidFill>
+                  <a:srgbClr val="000000"/>
+                </a:solidFill>
+                <a:uFillTx/>
+                <a:latin typeface="+mn-lt"/>
+                <a:ea typeface="+mn-ea"/>
+                <a:cs typeface="+mn-cs"/>
+                <a:sym typeface="Calibri"/>
+              </a:defRPr>
+            </a:lvl1pPr>
+            <a:lvl2pPr marL="2319804" marR="0" indent="-856691" algn="l" defTabSz="2926226" rtl="0" latinLnBrk="0">
+              <a:lnSpc>
+                <a:spcPct val="90000"/>
+              </a:lnSpc>
+              <a:spcBef>
+                <a:spcPts val="3200"/>
+              </a:spcBef>
+              <a:spcAft>
+                <a:spcPts val="0"/>
+              </a:spcAft>
+              <a:buClrTx/>
+              <a:buSzPct val="100000"/>
+              <a:buFont typeface="Arial"/>
+              <a:buChar char="•"/>
+              <a:tabLst/>
+              <a:defRPr sz="8900" b="0" i="0" u="none" strike="noStrike" cap="none" spc="0" baseline="0">
+                <a:solidFill>
+                  <a:srgbClr val="000000"/>
+                </a:solidFill>
+                <a:uFillTx/>
+                <a:latin typeface="+mn-lt"/>
+                <a:ea typeface="+mn-ea"/>
+                <a:cs typeface="+mn-cs"/>
+                <a:sym typeface="Calibri"/>
+              </a:defRPr>
+            </a:lvl2pPr>
+            <a:lvl3pPr marL="3943547" marR="0" indent="-1017321" algn="l" defTabSz="2926226" rtl="0" latinLnBrk="0">
+              <a:lnSpc>
+                <a:spcPct val="90000"/>
+              </a:lnSpc>
+              <a:spcBef>
+                <a:spcPts val="3200"/>
+              </a:spcBef>
+              <a:spcAft>
+                <a:spcPts val="0"/>
+              </a:spcAft>
+              <a:buClrTx/>
+              <a:buSzPct val="100000"/>
+              <a:buFont typeface="Arial"/>
+              <a:buChar char="•"/>
+              <a:tabLst/>
+              <a:defRPr sz="8900" b="0" i="0" u="none" strike="noStrike" cap="none" spc="0" baseline="0">
+                <a:solidFill>
+                  <a:srgbClr val="000000"/>
+                </a:solidFill>
+                <a:uFillTx/>
+                <a:latin typeface="+mn-lt"/>
+                <a:ea typeface="+mn-ea"/>
+                <a:cs typeface="+mn-cs"/>
+                <a:sym typeface="Calibri"/>
+              </a:defRPr>
+            </a:lvl3pPr>
+            <a:lvl4pPr marL="5531594" marR="0" indent="-1142255" algn="l" defTabSz="2926226" rtl="0" latinLnBrk="0">
+              <a:lnSpc>
+                <a:spcPct val="90000"/>
+              </a:lnSpc>
+              <a:spcBef>
+                <a:spcPts val="3200"/>
+              </a:spcBef>
+              <a:spcAft>
+                <a:spcPts val="0"/>
+              </a:spcAft>
+              <a:buClrTx/>
+              <a:buSzPct val="100000"/>
+              <a:buFont typeface="Arial"/>
+              <a:buChar char="•"/>
+              <a:tabLst/>
+              <a:defRPr sz="8900" b="0" i="0" u="none" strike="noStrike" cap="none" spc="0" baseline="0">
+                <a:solidFill>
+                  <a:srgbClr val="000000"/>
+                </a:solidFill>
+                <a:uFillTx/>
+                <a:latin typeface="+mn-lt"/>
+                <a:ea typeface="+mn-ea"/>
+                <a:cs typeface="+mn-cs"/>
+                <a:sym typeface="Calibri"/>
+              </a:defRPr>
+            </a:lvl4pPr>
+            <a:lvl5pPr marL="6994707" marR="0" indent="-1142255" algn="l" defTabSz="2926226" rtl="0" latinLnBrk="0">
+              <a:lnSpc>
+                <a:spcPct val="90000"/>
+              </a:lnSpc>
+              <a:spcBef>
+                <a:spcPts val="3200"/>
+              </a:spcBef>
+              <a:spcAft>
+                <a:spcPts val="0"/>
+              </a:spcAft>
+              <a:buClrTx/>
+              <a:buSzPct val="100000"/>
+              <a:buFont typeface="Arial"/>
+              <a:buChar char="•"/>
+              <a:tabLst/>
+              <a:defRPr sz="8900" b="0" i="0" u="none" strike="noStrike" cap="none" spc="0" baseline="0">
+                <a:solidFill>
+                  <a:srgbClr val="000000"/>
+                </a:solidFill>
+                <a:uFillTx/>
+                <a:latin typeface="+mn-lt"/>
+                <a:ea typeface="+mn-ea"/>
+                <a:cs typeface="+mn-cs"/>
+                <a:sym typeface="Calibri"/>
+              </a:defRPr>
+            </a:lvl5pPr>
+            <a:lvl6pPr marL="8457820" marR="0" indent="-1142255" algn="l" defTabSz="2926226" rtl="0" latinLnBrk="0">
+              <a:lnSpc>
+                <a:spcPct val="90000"/>
+              </a:lnSpc>
+              <a:spcBef>
+                <a:spcPts val="3200"/>
+              </a:spcBef>
+              <a:spcAft>
+                <a:spcPts val="0"/>
+              </a:spcAft>
+              <a:buClrTx/>
+              <a:buSzPct val="100000"/>
+              <a:buFont typeface="Arial"/>
+              <a:buChar char="•"/>
+              <a:tabLst/>
+              <a:defRPr sz="8900" b="0" i="0" u="none" strike="noStrike" cap="none" spc="0" baseline="0">
+                <a:solidFill>
+                  <a:srgbClr val="000000"/>
+                </a:solidFill>
+                <a:uFillTx/>
+                <a:latin typeface="+mn-lt"/>
+                <a:ea typeface="+mn-ea"/>
+                <a:cs typeface="+mn-cs"/>
+                <a:sym typeface="Calibri"/>
+              </a:defRPr>
+            </a:lvl6pPr>
+            <a:lvl7pPr marL="9920933" marR="0" indent="-1142255" algn="l" defTabSz="2926226" rtl="0" latinLnBrk="0">
+              <a:lnSpc>
+                <a:spcPct val="90000"/>
+              </a:lnSpc>
+              <a:spcBef>
+                <a:spcPts val="3200"/>
+              </a:spcBef>
+              <a:spcAft>
+                <a:spcPts val="0"/>
+              </a:spcAft>
+              <a:buClrTx/>
+              <a:buSzPct val="100000"/>
+              <a:buFont typeface="Arial"/>
+              <a:buChar char="•"/>
+              <a:tabLst/>
+              <a:defRPr sz="8900" b="0" i="0" u="none" strike="noStrike" cap="none" spc="0" baseline="0">
+                <a:solidFill>
+                  <a:srgbClr val="000000"/>
+                </a:solidFill>
+                <a:uFillTx/>
+                <a:latin typeface="+mn-lt"/>
+                <a:ea typeface="+mn-ea"/>
+                <a:cs typeface="+mn-cs"/>
+                <a:sym typeface="Calibri"/>
+              </a:defRPr>
+            </a:lvl7pPr>
+            <a:lvl8pPr marL="11384047" marR="0" indent="-1142255" algn="l" defTabSz="2926226" rtl="0" latinLnBrk="0">
+              <a:lnSpc>
+                <a:spcPct val="90000"/>
+              </a:lnSpc>
+              <a:spcBef>
+                <a:spcPts val="3200"/>
+              </a:spcBef>
+              <a:spcAft>
+                <a:spcPts val="0"/>
+              </a:spcAft>
+              <a:buClrTx/>
+              <a:buSzPct val="100000"/>
+              <a:buFont typeface="Arial"/>
+              <a:buChar char="•"/>
+              <a:tabLst/>
+              <a:defRPr sz="8900" b="0" i="0" u="none" strike="noStrike" cap="none" spc="0" baseline="0">
+                <a:solidFill>
+                  <a:srgbClr val="000000"/>
+                </a:solidFill>
+                <a:uFillTx/>
+                <a:latin typeface="+mn-lt"/>
+                <a:ea typeface="+mn-ea"/>
+                <a:cs typeface="+mn-cs"/>
+                <a:sym typeface="Calibri"/>
+              </a:defRPr>
+            </a:lvl8pPr>
+            <a:lvl9pPr marL="12847160" marR="0" indent="-1142255" algn="l" defTabSz="2926226" rtl="0" latinLnBrk="0">
+              <a:lnSpc>
+                <a:spcPct val="90000"/>
+              </a:lnSpc>
+              <a:spcBef>
+                <a:spcPts val="3200"/>
+              </a:spcBef>
+              <a:spcAft>
+                <a:spcPts val="0"/>
+              </a:spcAft>
+              <a:buClrTx/>
+              <a:buSzPct val="100000"/>
+              <a:buFont typeface="Arial"/>
+              <a:buChar char="•"/>
+              <a:tabLst/>
+              <a:defRPr sz="8900" b="0" i="0" u="none" strike="noStrike" cap="none" spc="0" baseline="0">
+                <a:solidFill>
+                  <a:srgbClr val="000000"/>
+                </a:solidFill>
+                <a:uFillTx/>
+                <a:latin typeface="+mn-lt"/>
+                <a:ea typeface="+mn-ea"/>
+                <a:cs typeface="+mn-cs"/>
+                <a:sym typeface="Calibri"/>
+              </a:defRPr>
+            </a:lvl9pPr>
+          </a:lstStyle>
+          <a:p>
+            <a:pPr marL="0" indent="0" hangingPunct="1">
+              <a:lnSpc>
+                <a:spcPct val="100000"/>
+              </a:lnSpc>
+              <a:spcBef>
+                <a:spcPts val="0"/>
+              </a:spcBef>
+              <a:buFont typeface="Arial"/>
+              <a:buNone/>
+            </a:pPr>
+            <a:r>
+              <a:rPr lang="en-US" sz="2800" dirty="0"/>
+              <a:t>1  3  5 -2  7  0 11  4 -8</a:t>
+            </a:r>
+          </a:p>
+          <a:p>
+            <a:pPr marL="0" indent="0" hangingPunct="1">
+              <a:lnSpc>
+                <a:spcPct val="100000"/>
+              </a:lnSpc>
+              <a:spcBef>
+                <a:spcPts val="0"/>
+              </a:spcBef>
+              <a:buFont typeface="Arial"/>
+              <a:buNone/>
+            </a:pPr>
+            <a:r>
+              <a:rPr lang="en-US" sz="2800" dirty="0"/>
+              <a:t>0  0 -1  3 13 2  8   6  2</a:t>
+            </a:r>
+          </a:p>
+          <a:p>
+            <a:pPr marL="0" indent="0" hangingPunct="1">
+              <a:lnSpc>
+                <a:spcPct val="100000"/>
+              </a:lnSpc>
+              <a:spcBef>
+                <a:spcPts val="0"/>
+              </a:spcBef>
+              <a:buFont typeface="Arial"/>
+              <a:buNone/>
+            </a:pPr>
+            <a:r>
+              <a:rPr lang="en-US" sz="2800" dirty="0"/>
+              <a:t>2  5  6  1  4  0  -7  5  3</a:t>
+            </a:r>
+          </a:p>
+          <a:p>
+            <a:pPr marL="0" indent="0" hangingPunct="1">
+              <a:lnSpc>
+                <a:spcPct val="100000"/>
+              </a:lnSpc>
+              <a:spcBef>
+                <a:spcPts val="0"/>
+              </a:spcBef>
+              <a:buFont typeface="Arial"/>
+              <a:buNone/>
+            </a:pPr>
+            <a:r>
+              <a:rPr lang="en-US" sz="2800" dirty="0"/>
+              <a:t>8  7  2  1 -1 -3 -2 -4 -6</a:t>
+            </a:r>
+          </a:p>
+          <a:p>
+            <a:pPr marL="0" indent="0" hangingPunct="1">
+              <a:lnSpc>
+                <a:spcPct val="100000"/>
+              </a:lnSpc>
+              <a:spcBef>
+                <a:spcPts val="0"/>
+              </a:spcBef>
+              <a:buFont typeface="Arial"/>
+              <a:buNone/>
+            </a:pPr>
+            <a:r>
+              <a:rPr lang="en-US" sz="2800" dirty="0"/>
+              <a:t>-5 3 -4 -1 -2 -1 0 -3  -1</a:t>
+            </a:r>
+          </a:p>
+          <a:p>
+            <a:pPr marL="0" indent="0" hangingPunct="1">
+              <a:lnSpc>
+                <a:spcPct val="100000"/>
+              </a:lnSpc>
+              <a:spcBef>
+                <a:spcPts val="0"/>
+              </a:spcBef>
+              <a:buFont typeface="Arial"/>
+              <a:buNone/>
+            </a:pPr>
+            <a:r>
+              <a:rPr lang="en-US" sz="2800" dirty="0"/>
+              <a:t>7  1  3  2  4  1  0  11  1</a:t>
+            </a:r>
+          </a:p>
+          <a:p>
+            <a:pPr marL="0" indent="0" hangingPunct="1">
+              <a:lnSpc>
+                <a:spcPct val="100000"/>
+              </a:lnSpc>
+              <a:spcBef>
+                <a:spcPts val="0"/>
+              </a:spcBef>
+              <a:buFont typeface="Arial"/>
+              <a:buNone/>
+            </a:pPr>
+            <a:endParaRPr lang="en-US" sz="2800" dirty="0"/>
+          </a:p>
+        </p:txBody>
+      </p:sp>
+      <p:sp>
+        <p:nvSpPr>
+          <p:cNvPr id="15" name="Rectangle 14">
+            <a:extLst>
+              <a:ext uri="{FF2B5EF4-FFF2-40B4-BE49-F238E27FC236}">
+                <a16:creationId xmlns:a16="http://schemas.microsoft.com/office/drawing/2014/main" id="{A0BBC244-76E6-769B-DE07-78CA255446AF}"/>
+              </a:ext>
+            </a:extLst>
+          </p:cNvPr>
+          <p:cNvSpPr/>
+          <p:nvPr/>
+        </p:nvSpPr>
+        <p:spPr>
+          <a:xfrm>
+            <a:off x="6701002" y="5174603"/>
+            <a:ext cx="3414204" cy="2706491"/>
+          </a:xfrm>
+          <a:prstGeom prst="rect">
+            <a:avLst/>
+          </a:prstGeom>
+          <a:noFill/>
+          <a:ln w="57150">
+            <a:prstDash val="sysDash"/>
+          </a:ln>
+        </p:spPr>
+        <p:style>
+          <a:lnRef idx="2">
+            <a:schemeClr val="accent1">
+              <a:shade val="50000"/>
+            </a:schemeClr>
+          </a:lnRef>
+          <a:fillRef idx="1">
+            <a:schemeClr val="accent1"/>
+          </a:fillRef>
+          <a:effectRef idx="0">
+            <a:schemeClr val="accent1"/>
+          </a:effectRef>
+          <a:fontRef idx="minor">
+            <a:schemeClr val="lt1"/>
+          </a:fontRef>
+        </p:style>
+        <p:txBody>
+          <a:bodyPr rtlCol="0" anchor="ctr"/>
+          <a:lstStyle/>
+          <a:p>
+            <a:pPr algn="ctr"/>
+            <a:endParaRPr lang="en-US"/>
+          </a:p>
+        </p:txBody>
+      </p:sp>
+      <mc:AlternateContent xmlns:mc="http://schemas.openxmlformats.org/markup-compatibility/2006">
+        <mc:Choice xmlns:a14="http://schemas.microsoft.com/office/drawing/2010/main" Requires="a14">
+          <p:sp>
+            <p:nvSpPr>
+              <p:cNvPr id="16" name="Rectangle 15">
+                <a:extLst>
+                  <a:ext uri="{FF2B5EF4-FFF2-40B4-BE49-F238E27FC236}">
+                    <a16:creationId xmlns:a16="http://schemas.microsoft.com/office/drawing/2014/main" id="{4C523DA7-680F-E192-DF0A-19F41208C626}"/>
+                  </a:ext>
+                </a:extLst>
+              </p:cNvPr>
+              <p:cNvSpPr/>
+              <p:nvPr/>
+            </p:nvSpPr>
+            <p:spPr>
+              <a:xfrm>
+                <a:off x="6168062" y="6314024"/>
+                <a:ext cx="487063" cy="523220"/>
+              </a:xfrm>
+              <a:prstGeom prst="rect">
+                <a:avLst/>
+              </a:prstGeom>
+            </p:spPr>
+            <p:txBody>
+              <a:bodyPr wrap="square">
+                <a:spAutoFit/>
+              </a:bodyPr>
+              <a:lstStyle/>
+              <a:p>
+                <a:pPr/>
+                <a14:m>
+                  <m:oMathPara xmlns:m="http://schemas.openxmlformats.org/officeDocument/2006/math">
+                    <m:oMathParaPr>
+                      <m:jc m:val="centerGroup"/>
+                    </m:oMathParaPr>
+                    <m:oMath xmlns:m="http://schemas.openxmlformats.org/officeDocument/2006/math">
+                      <m:r>
+                        <a:rPr lang="en-US" sz="2800" b="0" i="1" smtClean="0">
+                          <a:solidFill>
+                            <a:srgbClr val="C00000"/>
+                          </a:solidFill>
+                          <a:latin typeface="Cambria Math" panose="02040503050406030204" pitchFamily="18" charset="0"/>
+                        </a:rPr>
+                        <m:t>𝑛</m:t>
+                      </m:r>
+                    </m:oMath>
+                  </m:oMathPara>
+                </a14:m>
+                <a:endParaRPr lang="en-US" sz="2800" dirty="0">
+                  <a:solidFill>
+                    <a:srgbClr val="C00000"/>
+                  </a:solidFill>
+                </a:endParaRPr>
+              </a:p>
+            </p:txBody>
+          </p:sp>
+        </mc:Choice>
+        <mc:Fallback>
+          <p:sp>
+            <p:nvSpPr>
+              <p:cNvPr id="16" name="Rectangle 15">
+                <a:extLst>
+                  <a:ext uri="{FF2B5EF4-FFF2-40B4-BE49-F238E27FC236}">
+                    <a16:creationId xmlns:a16="http://schemas.microsoft.com/office/drawing/2014/main" id="{4C523DA7-680F-E192-DF0A-19F41208C626}"/>
+                  </a:ext>
+                </a:extLst>
+              </p:cNvPr>
+              <p:cNvSpPr>
+                <a:spLocks noRot="1" noChangeAspect="1" noMove="1" noResize="1" noEditPoints="1" noAdjustHandles="1" noChangeArrowheads="1" noChangeShapeType="1" noTextEdit="1"/>
+              </p:cNvSpPr>
+              <p:nvPr/>
+            </p:nvSpPr>
+            <p:spPr>
+              <a:xfrm>
+                <a:off x="6168062" y="6314024"/>
+                <a:ext cx="487063" cy="523220"/>
+              </a:xfrm>
+              <a:prstGeom prst="rect">
+                <a:avLst/>
+              </a:prstGeom>
+              <a:blipFill>
+                <a:blip r:embed="rId10"/>
+                <a:stretch>
+                  <a:fillRect/>
+                </a:stretch>
+              </a:blipFill>
+            </p:spPr>
+            <p:txBody>
+              <a:bodyPr/>
+              <a:lstStyle/>
+              <a:p>
+                <a:r>
+                  <a:rPr lang="en-US">
+                    <a:noFill/>
+                  </a:rPr>
+                  <a:t> </a:t>
+                </a:r>
+              </a:p>
+            </p:txBody>
+          </p:sp>
+        </mc:Fallback>
+      </mc:AlternateContent>
+      <mc:AlternateContent xmlns:mc="http://schemas.openxmlformats.org/markup-compatibility/2006">
+        <mc:Choice xmlns:a14="http://schemas.microsoft.com/office/drawing/2010/main" Requires="a14">
+          <p:sp>
+            <p:nvSpPr>
+              <p:cNvPr id="17" name="Rectangle 16">
+                <a:extLst>
+                  <a:ext uri="{FF2B5EF4-FFF2-40B4-BE49-F238E27FC236}">
+                    <a16:creationId xmlns:a16="http://schemas.microsoft.com/office/drawing/2014/main" id="{9C616E20-3F81-CB0D-A47F-F7E25C7F7920}"/>
+                  </a:ext>
+                </a:extLst>
+              </p:cNvPr>
+              <p:cNvSpPr/>
+              <p:nvPr/>
+            </p:nvSpPr>
+            <p:spPr>
+              <a:xfrm>
+                <a:off x="8217088" y="8074194"/>
+                <a:ext cx="494153" cy="523220"/>
+              </a:xfrm>
+              <a:prstGeom prst="rect">
+                <a:avLst/>
+              </a:prstGeom>
+            </p:spPr>
+            <p:txBody>
+              <a:bodyPr wrap="square">
+                <a:spAutoFit/>
+              </a:bodyPr>
+              <a:lstStyle/>
+              <a:p>
+                <a:pPr/>
+                <a14:m>
+                  <m:oMathPara xmlns:m="http://schemas.openxmlformats.org/officeDocument/2006/math">
+                    <m:oMathParaPr>
+                      <m:jc m:val="centerGroup"/>
+                    </m:oMathParaPr>
+                    <m:oMath xmlns:m="http://schemas.openxmlformats.org/officeDocument/2006/math">
+                      <m:r>
+                        <a:rPr lang="en-US" sz="2800" b="0" i="1" smtClean="0">
+                          <a:solidFill>
+                            <a:srgbClr val="C00000"/>
+                          </a:solidFill>
+                          <a:latin typeface="Cambria Math" panose="02040503050406030204" pitchFamily="18" charset="0"/>
+                        </a:rPr>
+                        <m:t>𝑑</m:t>
+                      </m:r>
+                    </m:oMath>
+                  </m:oMathPara>
+                </a14:m>
+                <a:endParaRPr lang="en-US" sz="2400" dirty="0">
+                  <a:solidFill>
+                    <a:srgbClr val="C00000"/>
+                  </a:solidFill>
+                </a:endParaRPr>
+              </a:p>
+            </p:txBody>
+          </p:sp>
+        </mc:Choice>
+        <mc:Fallback>
+          <p:sp>
+            <p:nvSpPr>
+              <p:cNvPr id="17" name="Rectangle 16">
+                <a:extLst>
+                  <a:ext uri="{FF2B5EF4-FFF2-40B4-BE49-F238E27FC236}">
+                    <a16:creationId xmlns:a16="http://schemas.microsoft.com/office/drawing/2014/main" id="{9C616E20-3F81-CB0D-A47F-F7E25C7F7920}"/>
+                  </a:ext>
+                </a:extLst>
+              </p:cNvPr>
+              <p:cNvSpPr>
+                <a:spLocks noRot="1" noChangeAspect="1" noMove="1" noResize="1" noEditPoints="1" noAdjustHandles="1" noChangeArrowheads="1" noChangeShapeType="1" noTextEdit="1"/>
+              </p:cNvSpPr>
+              <p:nvPr/>
+            </p:nvSpPr>
+            <p:spPr>
+              <a:xfrm>
+                <a:off x="8217088" y="8074194"/>
+                <a:ext cx="494153" cy="523220"/>
+              </a:xfrm>
+              <a:prstGeom prst="rect">
+                <a:avLst/>
+              </a:prstGeom>
+              <a:blipFill>
+                <a:blip r:embed="rId11"/>
+                <a:stretch>
+                  <a:fillRect/>
+                </a:stretch>
+              </a:blipFill>
+            </p:spPr>
+            <p:txBody>
+              <a:bodyPr/>
+              <a:lstStyle/>
+              <a:p>
+                <a:r>
+                  <a:rPr lang="en-US">
+                    <a:noFill/>
+                  </a:rPr>
+                  <a:t> </a:t>
+                </a:r>
+              </a:p>
+            </p:txBody>
+          </p:sp>
+        </mc:Fallback>
+      </mc:AlternateContent>
+      <p:pic>
+        <p:nvPicPr>
+          <p:cNvPr id="18" name="Picture 2" descr="Image result for netflix">
+            <a:extLst>
+              <a:ext uri="{FF2B5EF4-FFF2-40B4-BE49-F238E27FC236}">
+                <a16:creationId xmlns:a16="http://schemas.microsoft.com/office/drawing/2014/main" id="{17301364-8FCD-51EC-E227-D7D661A86DF1}"/>
+              </a:ext>
+            </a:extLst>
+          </p:cNvPr>
+          <p:cNvPicPr>
+            <a:picLocks noChangeAspect="1" noChangeArrowheads="1"/>
+          </p:cNvPicPr>
+          <p:nvPr/>
+        </p:nvPicPr>
+        <p:blipFill>
+          <a:blip r:embed="rId12" cstate="print">
+            <a:extLst>
+              <a:ext uri="{28A0092B-C50C-407E-A947-70E740481C1C}">
+                <a14:useLocalDpi xmlns:a14="http://schemas.microsoft.com/office/drawing/2010/main" val="0"/>
+              </a:ext>
+            </a:extLst>
+          </a:blip>
+          <a:srcRect/>
+          <a:stretch>
+            <a:fillRect/>
+          </a:stretch>
+        </p:blipFill>
+        <p:spPr bwMode="auto">
+          <a:xfrm>
+            <a:off x="1846253" y="6669655"/>
+            <a:ext cx="2823795" cy="1308947"/>
+          </a:xfrm>
+          <a:prstGeom prst="rect">
+            <a:avLst/>
+          </a:prstGeom>
+          <a:noFill/>
+          <a:extLst>
+            <a:ext uri="{909E8E84-426E-40DD-AFC4-6F175D3DCCD1}">
+              <a14:hiddenFill xmlns:a14="http://schemas.microsoft.com/office/drawing/2010/main">
+                <a:solidFill>
+                  <a:srgbClr val="FFFFFF"/>
+                </a:solidFill>
+              </a14:hiddenFill>
+            </a:ext>
+          </a:extLst>
+        </p:spPr>
+      </p:pic>
+      <p:sp>
+        <p:nvSpPr>
+          <p:cNvPr id="19" name="TextBox 45">
+            <a:extLst>
+              <a:ext uri="{FF2B5EF4-FFF2-40B4-BE49-F238E27FC236}">
+                <a16:creationId xmlns:a16="http://schemas.microsoft.com/office/drawing/2014/main" id="{CC7B6280-ACA4-8B62-2624-322B141D8FCE}"/>
+              </a:ext>
+            </a:extLst>
+          </p:cNvPr>
+          <p:cNvSpPr txBox="1"/>
+          <p:nvPr/>
+        </p:nvSpPr>
+        <p:spPr>
+          <a:xfrm>
+            <a:off x="920588" y="16959374"/>
+            <a:ext cx="9064534" cy="646331"/>
+          </a:xfrm>
+          <a:prstGeom prst="rect">
+            <a:avLst/>
+          </a:prstGeom>
+          <a:ln w="12700">
+            <a:miter lim="400000"/>
+          </a:ln>
+          <a:extLst>
+            <a:ext uri="{C572A759-6A51-4108-AA02-DFA0A04FC94B}">
+              <ma14:wrappingTextBoxFlag xmlns:ma14="http://schemas.microsoft.com/office/mac/drawingml/2011/main" xmlns:a14="http://schemas.microsoft.com/office/drawing/2010/main" xmlns:m="http://schemas.openxmlformats.org/officeDocument/2006/math" xmlns="" val="1"/>
+            </a:ext>
+          </a:extLst>
+        </p:spPr>
+        <p:txBody>
+          <a:bodyPr lIns="45719" rIns="45719">
+            <a:spAutoFit/>
+          </a:bodyPr>
+          <a:lstStyle>
+            <a:lvl1pPr>
+              <a:defRPr sz="3400">
+                <a:latin typeface="Arial"/>
+                <a:ea typeface="Arial"/>
+                <a:cs typeface="Arial"/>
+                <a:sym typeface="Arial"/>
+              </a:defRPr>
+            </a:lvl1pPr>
+          </a:lstStyle>
+          <a:p>
+            <a:r>
+              <a:rPr lang="en-US" sz="3600" dirty="0">
+                <a:solidFill>
+                  <a:srgbClr val="C00000"/>
+                </a:solidFill>
+                <a:latin typeface="Calibri Light" panose="020F0302020204030204" pitchFamily="34" charset="0"/>
+                <a:cs typeface="Calibri Light" panose="020F0302020204030204" pitchFamily="34" charset="0"/>
+              </a:rPr>
+              <a:t>Social Fairness</a:t>
+            </a:r>
+            <a:endParaRPr sz="3600" dirty="0"/>
+          </a:p>
+        </p:txBody>
+      </p:sp>
+      <p:sp>
+        <p:nvSpPr>
+          <p:cNvPr id="20" name="Content Placeholder 2">
+            <a:extLst>
+              <a:ext uri="{FF2B5EF4-FFF2-40B4-BE49-F238E27FC236}">
+                <a16:creationId xmlns:a16="http://schemas.microsoft.com/office/drawing/2014/main" id="{72CF31C6-C11D-08CE-566D-357B65E0DCF4}"/>
+              </a:ext>
+            </a:extLst>
+          </p:cNvPr>
+          <p:cNvSpPr txBox="1">
+            <a:spLocks/>
+          </p:cNvSpPr>
+          <p:nvPr/>
+        </p:nvSpPr>
+        <p:spPr>
+          <a:xfrm>
+            <a:off x="8127545" y="16599675"/>
+            <a:ext cx="3694043" cy="4351338"/>
+          </a:xfrm>
+          <a:prstGeom prst="rect">
+            <a:avLst/>
+          </a:prstGeom>
+        </p:spPr>
+        <p:txBody>
+          <a:bodyPr/>
+          <a:lstStyle>
+            <a:lvl1pPr marL="731556" marR="0" indent="-731556" algn="l" defTabSz="2926226" rtl="0" latinLnBrk="0">
+              <a:lnSpc>
+                <a:spcPct val="90000"/>
+              </a:lnSpc>
+              <a:spcBef>
+                <a:spcPts val="3200"/>
+              </a:spcBef>
+              <a:spcAft>
+                <a:spcPts val="0"/>
+              </a:spcAft>
+              <a:buClrTx/>
+              <a:buSzPct val="100000"/>
+              <a:buFont typeface="Arial"/>
+              <a:buChar char="•"/>
+              <a:tabLst/>
+              <a:defRPr sz="8900" b="0" i="0" u="none" strike="noStrike" cap="none" spc="0" baseline="0">
+                <a:solidFill>
+                  <a:srgbClr val="000000"/>
+                </a:solidFill>
+                <a:uFillTx/>
+                <a:latin typeface="+mn-lt"/>
+                <a:ea typeface="+mn-ea"/>
+                <a:cs typeface="+mn-cs"/>
+                <a:sym typeface="Calibri"/>
+              </a:defRPr>
+            </a:lvl1pPr>
+            <a:lvl2pPr marL="2319804" marR="0" indent="-856691" algn="l" defTabSz="2926226" rtl="0" latinLnBrk="0">
+              <a:lnSpc>
+                <a:spcPct val="90000"/>
+              </a:lnSpc>
+              <a:spcBef>
+                <a:spcPts val="3200"/>
+              </a:spcBef>
+              <a:spcAft>
+                <a:spcPts val="0"/>
+              </a:spcAft>
+              <a:buClrTx/>
+              <a:buSzPct val="100000"/>
+              <a:buFont typeface="Arial"/>
+              <a:buChar char="•"/>
+              <a:tabLst/>
+              <a:defRPr sz="8900" b="0" i="0" u="none" strike="noStrike" cap="none" spc="0" baseline="0">
+                <a:solidFill>
+                  <a:srgbClr val="000000"/>
+                </a:solidFill>
+                <a:uFillTx/>
+                <a:latin typeface="+mn-lt"/>
+                <a:ea typeface="+mn-ea"/>
+                <a:cs typeface="+mn-cs"/>
+                <a:sym typeface="Calibri"/>
+              </a:defRPr>
+            </a:lvl2pPr>
+            <a:lvl3pPr marL="3943547" marR="0" indent="-1017321" algn="l" defTabSz="2926226" rtl="0" latinLnBrk="0">
+              <a:lnSpc>
+                <a:spcPct val="90000"/>
+              </a:lnSpc>
+              <a:spcBef>
+                <a:spcPts val="3200"/>
+              </a:spcBef>
+              <a:spcAft>
+                <a:spcPts val="0"/>
+              </a:spcAft>
+              <a:buClrTx/>
+              <a:buSzPct val="100000"/>
+              <a:buFont typeface="Arial"/>
+              <a:buChar char="•"/>
+              <a:tabLst/>
+              <a:defRPr sz="8900" b="0" i="0" u="none" strike="noStrike" cap="none" spc="0" baseline="0">
+                <a:solidFill>
+                  <a:srgbClr val="000000"/>
+                </a:solidFill>
+                <a:uFillTx/>
+                <a:latin typeface="+mn-lt"/>
+                <a:ea typeface="+mn-ea"/>
+                <a:cs typeface="+mn-cs"/>
+                <a:sym typeface="Calibri"/>
+              </a:defRPr>
+            </a:lvl3pPr>
+            <a:lvl4pPr marL="5531594" marR="0" indent="-1142255" algn="l" defTabSz="2926226" rtl="0" latinLnBrk="0">
+              <a:lnSpc>
+                <a:spcPct val="90000"/>
+              </a:lnSpc>
+              <a:spcBef>
+                <a:spcPts val="3200"/>
+              </a:spcBef>
+              <a:spcAft>
+                <a:spcPts val="0"/>
+              </a:spcAft>
+              <a:buClrTx/>
+              <a:buSzPct val="100000"/>
+              <a:buFont typeface="Arial"/>
+              <a:buChar char="•"/>
+              <a:tabLst/>
+              <a:defRPr sz="8900" b="0" i="0" u="none" strike="noStrike" cap="none" spc="0" baseline="0">
+                <a:solidFill>
+                  <a:srgbClr val="000000"/>
+                </a:solidFill>
+                <a:uFillTx/>
+                <a:latin typeface="+mn-lt"/>
+                <a:ea typeface="+mn-ea"/>
+                <a:cs typeface="+mn-cs"/>
+                <a:sym typeface="Calibri"/>
+              </a:defRPr>
+            </a:lvl4pPr>
+            <a:lvl5pPr marL="6994707" marR="0" indent="-1142255" algn="l" defTabSz="2926226" rtl="0" latinLnBrk="0">
+              <a:lnSpc>
+                <a:spcPct val="90000"/>
+              </a:lnSpc>
+              <a:spcBef>
+                <a:spcPts val="3200"/>
+              </a:spcBef>
+              <a:spcAft>
+                <a:spcPts val="0"/>
+              </a:spcAft>
+              <a:buClrTx/>
+              <a:buSzPct val="100000"/>
+              <a:buFont typeface="Arial"/>
+              <a:buChar char="•"/>
+              <a:tabLst/>
+              <a:defRPr sz="8900" b="0" i="0" u="none" strike="noStrike" cap="none" spc="0" baseline="0">
+                <a:solidFill>
+                  <a:srgbClr val="000000"/>
+                </a:solidFill>
+                <a:uFillTx/>
+                <a:latin typeface="+mn-lt"/>
+                <a:ea typeface="+mn-ea"/>
+                <a:cs typeface="+mn-cs"/>
+                <a:sym typeface="Calibri"/>
+              </a:defRPr>
+            </a:lvl5pPr>
+            <a:lvl6pPr marL="8457820" marR="0" indent="-1142255" algn="l" defTabSz="2926226" rtl="0" latinLnBrk="0">
+              <a:lnSpc>
+                <a:spcPct val="90000"/>
+              </a:lnSpc>
+              <a:spcBef>
+                <a:spcPts val="3200"/>
+              </a:spcBef>
+              <a:spcAft>
+                <a:spcPts val="0"/>
+              </a:spcAft>
+              <a:buClrTx/>
+              <a:buSzPct val="100000"/>
+              <a:buFont typeface="Arial"/>
+              <a:buChar char="•"/>
+              <a:tabLst/>
+              <a:defRPr sz="8900" b="0" i="0" u="none" strike="noStrike" cap="none" spc="0" baseline="0">
+                <a:solidFill>
+                  <a:srgbClr val="000000"/>
+                </a:solidFill>
+                <a:uFillTx/>
+                <a:latin typeface="+mn-lt"/>
+                <a:ea typeface="+mn-ea"/>
+                <a:cs typeface="+mn-cs"/>
+                <a:sym typeface="Calibri"/>
+              </a:defRPr>
+            </a:lvl6pPr>
+            <a:lvl7pPr marL="9920933" marR="0" indent="-1142255" algn="l" defTabSz="2926226" rtl="0" latinLnBrk="0">
+              <a:lnSpc>
+                <a:spcPct val="90000"/>
+              </a:lnSpc>
+              <a:spcBef>
+                <a:spcPts val="3200"/>
+              </a:spcBef>
+              <a:spcAft>
+                <a:spcPts val="0"/>
+              </a:spcAft>
+              <a:buClrTx/>
+              <a:buSzPct val="100000"/>
+              <a:buFont typeface="Arial"/>
+              <a:buChar char="•"/>
+              <a:tabLst/>
+              <a:defRPr sz="8900" b="0" i="0" u="none" strike="noStrike" cap="none" spc="0" baseline="0">
+                <a:solidFill>
+                  <a:srgbClr val="000000"/>
+                </a:solidFill>
+                <a:uFillTx/>
+                <a:latin typeface="+mn-lt"/>
+                <a:ea typeface="+mn-ea"/>
+                <a:cs typeface="+mn-cs"/>
+                <a:sym typeface="Calibri"/>
+              </a:defRPr>
+            </a:lvl7pPr>
+            <a:lvl8pPr marL="11384047" marR="0" indent="-1142255" algn="l" defTabSz="2926226" rtl="0" latinLnBrk="0">
+              <a:lnSpc>
+                <a:spcPct val="90000"/>
+              </a:lnSpc>
+              <a:spcBef>
+                <a:spcPts val="3200"/>
+              </a:spcBef>
+              <a:spcAft>
+                <a:spcPts val="0"/>
+              </a:spcAft>
+              <a:buClrTx/>
+              <a:buSzPct val="100000"/>
+              <a:buFont typeface="Arial"/>
+              <a:buChar char="•"/>
+              <a:tabLst/>
+              <a:defRPr sz="8900" b="0" i="0" u="none" strike="noStrike" cap="none" spc="0" baseline="0">
+                <a:solidFill>
+                  <a:srgbClr val="000000"/>
+                </a:solidFill>
+                <a:uFillTx/>
+                <a:latin typeface="+mn-lt"/>
+                <a:ea typeface="+mn-ea"/>
+                <a:cs typeface="+mn-cs"/>
+                <a:sym typeface="Calibri"/>
+              </a:defRPr>
+            </a:lvl8pPr>
+            <a:lvl9pPr marL="12847160" marR="0" indent="-1142255" algn="l" defTabSz="2926226" rtl="0" latinLnBrk="0">
+              <a:lnSpc>
+                <a:spcPct val="90000"/>
+              </a:lnSpc>
+              <a:spcBef>
+                <a:spcPts val="3200"/>
+              </a:spcBef>
+              <a:spcAft>
+                <a:spcPts val="0"/>
+              </a:spcAft>
+              <a:buClrTx/>
+              <a:buSzPct val="100000"/>
+              <a:buFont typeface="Arial"/>
+              <a:buChar char="•"/>
+              <a:tabLst/>
+              <a:defRPr sz="8900" b="0" i="0" u="none" strike="noStrike" cap="none" spc="0" baseline="0">
+                <a:solidFill>
+                  <a:srgbClr val="000000"/>
+                </a:solidFill>
+                <a:uFillTx/>
+                <a:latin typeface="+mn-lt"/>
+                <a:ea typeface="+mn-ea"/>
+                <a:cs typeface="+mn-cs"/>
+                <a:sym typeface="Calibri"/>
+              </a:defRPr>
+            </a:lvl9pPr>
+          </a:lstStyle>
+          <a:p>
+            <a:pPr marL="0" indent="0" hangingPunct="1">
+              <a:spcBef>
+                <a:spcPts val="0"/>
+              </a:spcBef>
+              <a:buFont typeface="Arial"/>
+              <a:buNone/>
+            </a:pPr>
+            <a:r>
+              <a:rPr lang="en-US" sz="3000" dirty="0"/>
+              <a:t>1  3  5 -2  7  0 11  4 -8</a:t>
+            </a:r>
+          </a:p>
+          <a:p>
+            <a:pPr marL="0" indent="0" hangingPunct="1">
+              <a:spcBef>
+                <a:spcPts val="0"/>
+              </a:spcBef>
+              <a:buFont typeface="Arial"/>
+              <a:buNone/>
+            </a:pPr>
+            <a:r>
+              <a:rPr lang="en-US" sz="3000" dirty="0"/>
+              <a:t>0  0 -1  3 13 2  8   6  2</a:t>
+            </a:r>
+          </a:p>
+          <a:p>
+            <a:pPr marL="0" indent="0" hangingPunct="1">
+              <a:spcBef>
+                <a:spcPts val="0"/>
+              </a:spcBef>
+              <a:buFont typeface="Arial"/>
+              <a:buNone/>
+            </a:pPr>
+            <a:endParaRPr lang="en-US" sz="3000" dirty="0"/>
+          </a:p>
+        </p:txBody>
+      </p:sp>
+      <p:sp>
+        <p:nvSpPr>
+          <p:cNvPr id="21" name="Rectangle 20">
+            <a:extLst>
+              <a:ext uri="{FF2B5EF4-FFF2-40B4-BE49-F238E27FC236}">
+                <a16:creationId xmlns:a16="http://schemas.microsoft.com/office/drawing/2014/main" id="{B71ECA2C-6A23-73B0-DD82-D4A9FC722B29}"/>
+              </a:ext>
+            </a:extLst>
+          </p:cNvPr>
+          <p:cNvSpPr/>
+          <p:nvPr/>
+        </p:nvSpPr>
+        <p:spPr>
+          <a:xfrm>
+            <a:off x="8127545" y="16599675"/>
+            <a:ext cx="3304032" cy="949380"/>
+          </a:xfrm>
+          <a:prstGeom prst="rect">
+            <a:avLst/>
+          </a:prstGeom>
+          <a:noFill/>
+          <a:ln w="57150">
+            <a:prstDash val="sysDash"/>
+          </a:ln>
+        </p:spPr>
+        <p:style>
+          <a:lnRef idx="2">
+            <a:schemeClr val="accent1">
+              <a:shade val="50000"/>
+            </a:schemeClr>
+          </a:lnRef>
+          <a:fillRef idx="1">
+            <a:schemeClr val="accent1"/>
+          </a:fillRef>
+          <a:effectRef idx="0">
+            <a:schemeClr val="accent1"/>
+          </a:effectRef>
+          <a:fontRef idx="minor">
+            <a:schemeClr val="lt1"/>
+          </a:fontRef>
+        </p:style>
+        <p:txBody>
+          <a:bodyPr rtlCol="0" anchor="ctr"/>
+          <a:lstStyle/>
+          <a:p>
+            <a:pPr algn="ctr"/>
+            <a:endParaRPr lang="en-US" sz="3000"/>
+          </a:p>
+        </p:txBody>
+      </p:sp>
+      <mc:AlternateContent xmlns:mc="http://schemas.openxmlformats.org/markup-compatibility/2006">
+        <mc:Choice xmlns:a14="http://schemas.microsoft.com/office/drawing/2010/main" Requires="a14">
+          <p:sp>
+            <p:nvSpPr>
+              <p:cNvPr id="22" name="Rectangle 21">
+                <a:extLst>
+                  <a:ext uri="{FF2B5EF4-FFF2-40B4-BE49-F238E27FC236}">
+                    <a16:creationId xmlns:a16="http://schemas.microsoft.com/office/drawing/2014/main" id="{AEF86DD3-3636-A917-0011-789AB7B4A1DF}"/>
+                  </a:ext>
+                </a:extLst>
+              </p:cNvPr>
+              <p:cNvSpPr/>
+              <p:nvPr/>
+            </p:nvSpPr>
+            <p:spPr>
+              <a:xfrm>
+                <a:off x="752040" y="17756139"/>
+                <a:ext cx="6845301" cy="3533724"/>
+              </a:xfrm>
+              <a:prstGeom prst="rect">
+                <a:avLst/>
+              </a:prstGeom>
+            </p:spPr>
+            <p:txBody>
+              <a:bodyPr wrap="square">
+                <a:spAutoFit/>
+              </a:bodyPr>
+              <a:lstStyle/>
+              <a:p>
+                <a:pPr marL="457200" indent="-457200">
+                  <a:buFont typeface="Arial" panose="020B0604020202020204" pitchFamily="34" charset="0"/>
+                  <a:buChar char="•"/>
+                </a:pPr>
+                <a:r>
+                  <a:rPr lang="en-US" sz="3000" dirty="0">
+                    <a:latin typeface="Calibri" panose="020F0502020204030204" pitchFamily="34" charset="0"/>
+                    <a:cs typeface="Calibri" panose="020F0502020204030204" pitchFamily="34" charset="0"/>
+                  </a:rPr>
+                  <a:t>Find rank </a:t>
+                </a:r>
+                <a14:m>
+                  <m:oMath xmlns:m="http://schemas.openxmlformats.org/officeDocument/2006/math">
+                    <m:r>
+                      <a:rPr lang="en-US" sz="3000" b="0" i="1" smtClean="0">
+                        <a:solidFill>
+                          <a:srgbClr val="C00000"/>
+                        </a:solidFill>
+                        <a:latin typeface="Cambria Math" panose="02040503050406030204" pitchFamily="18" charset="0"/>
+                      </a:rPr>
+                      <m:t>𝑘</m:t>
+                    </m:r>
+                  </m:oMath>
+                </a14:m>
+                <a:r>
+                  <a:rPr lang="en-US" sz="3000" dirty="0">
+                    <a:latin typeface="Calibri" panose="020F0502020204030204" pitchFamily="34" charset="0"/>
+                    <a:cs typeface="Calibri" panose="020F0502020204030204" pitchFamily="34" charset="0"/>
+                  </a:rPr>
+                  <a:t> matrices </a:t>
+                </a:r>
+                <a14:m>
+                  <m:oMath xmlns:m="http://schemas.openxmlformats.org/officeDocument/2006/math">
+                    <m:sSub>
+                      <m:sSubPr>
+                        <m:ctrlPr>
+                          <a:rPr lang="en-US" sz="3000" b="0" i="1" smtClean="0">
+                            <a:solidFill>
+                              <a:srgbClr val="C00000"/>
+                            </a:solidFill>
+                            <a:latin typeface="Cambria Math" panose="02040503050406030204" pitchFamily="18" charset="0"/>
+                            <a:cs typeface="Calibri" panose="020F0502020204030204" pitchFamily="34" charset="0"/>
+                          </a:rPr>
+                        </m:ctrlPr>
+                      </m:sSubPr>
+                      <m:e>
+                        <m:r>
+                          <a:rPr lang="en-US" sz="3000" b="0" i="1" smtClean="0">
+                            <a:solidFill>
+                              <a:srgbClr val="C00000"/>
+                            </a:solidFill>
+                            <a:latin typeface="Cambria Math" panose="02040503050406030204" pitchFamily="18" charset="0"/>
+                            <a:cs typeface="Calibri" panose="020F0502020204030204" pitchFamily="34" charset="0"/>
+                          </a:rPr>
+                          <m:t>𝑈</m:t>
+                        </m:r>
+                      </m:e>
+                      <m:sub>
+                        <m:r>
+                          <a:rPr lang="en-US" sz="3000" b="0" i="1" smtClean="0">
+                            <a:solidFill>
+                              <a:srgbClr val="C00000"/>
+                            </a:solidFill>
+                            <a:latin typeface="Cambria Math" panose="02040503050406030204" pitchFamily="18" charset="0"/>
+                            <a:cs typeface="Calibri" panose="020F0502020204030204" pitchFamily="34" charset="0"/>
+                          </a:rPr>
+                          <m:t>1</m:t>
+                        </m:r>
+                      </m:sub>
+                    </m:sSub>
+                    <m:r>
+                      <a:rPr lang="en-US" sz="3000" b="0" i="1" smtClean="0">
+                        <a:solidFill>
+                          <a:srgbClr val="C00000"/>
+                        </a:solidFill>
+                        <a:latin typeface="Cambria Math" panose="02040503050406030204" pitchFamily="18" charset="0"/>
+                        <a:cs typeface="Calibri" panose="020F0502020204030204" pitchFamily="34" charset="0"/>
+                      </a:rPr>
+                      <m:t>∈</m:t>
+                    </m:r>
+                    <m:sSup>
+                      <m:sSupPr>
+                        <m:ctrlPr>
+                          <a:rPr lang="en-US" sz="3000" b="0" i="1" smtClean="0">
+                            <a:solidFill>
+                              <a:srgbClr val="C00000"/>
+                            </a:solidFill>
+                            <a:latin typeface="Cambria Math" panose="02040503050406030204" pitchFamily="18" charset="0"/>
+                            <a:cs typeface="Calibri" panose="020F0502020204030204" pitchFamily="34" charset="0"/>
+                          </a:rPr>
+                        </m:ctrlPr>
+                      </m:sSupPr>
+                      <m:e>
+                        <m:r>
+                          <a:rPr lang="en-US" sz="3000" b="0" i="1" smtClean="0">
+                            <a:solidFill>
+                              <a:srgbClr val="C00000"/>
+                            </a:solidFill>
+                            <a:latin typeface="Cambria Math" panose="02040503050406030204" pitchFamily="18" charset="0"/>
+                            <a:cs typeface="Calibri" panose="020F0502020204030204" pitchFamily="34" charset="0"/>
+                          </a:rPr>
+                          <m:t>ℝ</m:t>
+                        </m:r>
+                      </m:e>
+                      <m:sup>
+                        <m:sSub>
+                          <m:sSubPr>
+                            <m:ctrlPr>
+                              <a:rPr lang="en-US" sz="3000" b="0" i="1" smtClean="0">
+                                <a:solidFill>
+                                  <a:srgbClr val="C00000"/>
+                                </a:solidFill>
+                                <a:latin typeface="Cambria Math" panose="02040503050406030204" pitchFamily="18" charset="0"/>
+                                <a:cs typeface="Calibri" panose="020F0502020204030204" pitchFamily="34" charset="0"/>
+                              </a:rPr>
+                            </m:ctrlPr>
+                          </m:sSubPr>
+                          <m:e>
+                            <m:r>
+                              <a:rPr lang="en-US" sz="3000" b="0" i="1" smtClean="0">
+                                <a:solidFill>
+                                  <a:srgbClr val="C00000"/>
+                                </a:solidFill>
+                                <a:latin typeface="Cambria Math" panose="02040503050406030204" pitchFamily="18" charset="0"/>
+                                <a:cs typeface="Calibri" panose="020F0502020204030204" pitchFamily="34" charset="0"/>
+                              </a:rPr>
+                              <m:t>𝑛</m:t>
+                            </m:r>
+                          </m:e>
+                          <m:sub>
+                            <m:r>
+                              <a:rPr lang="en-US" sz="3000" b="0" i="1" smtClean="0">
+                                <a:solidFill>
+                                  <a:srgbClr val="C00000"/>
+                                </a:solidFill>
+                                <a:latin typeface="Cambria Math" panose="02040503050406030204" pitchFamily="18" charset="0"/>
+                                <a:cs typeface="Calibri" panose="020F0502020204030204" pitchFamily="34" charset="0"/>
+                              </a:rPr>
+                              <m:t>1</m:t>
+                            </m:r>
+                          </m:sub>
+                        </m:sSub>
+                        <m:r>
+                          <a:rPr lang="en-US" sz="3000" b="0" i="1" smtClean="0">
+                            <a:solidFill>
+                              <a:srgbClr val="C00000"/>
+                            </a:solidFill>
+                            <a:latin typeface="Cambria Math" panose="02040503050406030204" pitchFamily="18" charset="0"/>
+                            <a:cs typeface="Calibri" panose="020F0502020204030204" pitchFamily="34" charset="0"/>
+                          </a:rPr>
+                          <m:t>×</m:t>
+                        </m:r>
+                        <m:r>
+                          <a:rPr lang="en-US" sz="3000" b="0" i="1" smtClean="0">
+                            <a:solidFill>
+                              <a:srgbClr val="C00000"/>
+                            </a:solidFill>
+                            <a:latin typeface="Cambria Math" panose="02040503050406030204" pitchFamily="18" charset="0"/>
+                            <a:cs typeface="Calibri" panose="020F0502020204030204" pitchFamily="34" charset="0"/>
+                          </a:rPr>
+                          <m:t>𝑘</m:t>
+                        </m:r>
+                      </m:sup>
+                    </m:sSup>
+                  </m:oMath>
+                </a14:m>
+                <a:r>
+                  <a:rPr lang="en-US" sz="3000" dirty="0">
+                    <a:latin typeface="Calibri" panose="020F0502020204030204" pitchFamily="34" charset="0"/>
+                    <a:cs typeface="Calibri" panose="020F0502020204030204" pitchFamily="34" charset="0"/>
+                  </a:rPr>
+                  <a:t>, …, </a:t>
+                </a:r>
+                <a14:m>
+                  <m:oMath xmlns:m="http://schemas.openxmlformats.org/officeDocument/2006/math">
+                    <m:sSub>
+                      <m:sSubPr>
+                        <m:ctrlPr>
+                          <a:rPr lang="en-US" sz="3000" i="1">
+                            <a:solidFill>
+                              <a:srgbClr val="C00000"/>
+                            </a:solidFill>
+                            <a:latin typeface="Cambria Math" panose="02040503050406030204" pitchFamily="18" charset="0"/>
+                            <a:cs typeface="Calibri" panose="020F0502020204030204" pitchFamily="34" charset="0"/>
+                          </a:rPr>
+                        </m:ctrlPr>
+                      </m:sSubPr>
+                      <m:e>
+                        <m:r>
+                          <a:rPr lang="en-US" sz="3000" i="1">
+                            <a:solidFill>
+                              <a:srgbClr val="C00000"/>
+                            </a:solidFill>
+                            <a:latin typeface="Cambria Math" panose="02040503050406030204" pitchFamily="18" charset="0"/>
+                            <a:cs typeface="Calibri" panose="020F0502020204030204" pitchFamily="34" charset="0"/>
+                          </a:rPr>
+                          <m:t>𝑈</m:t>
+                        </m:r>
+                      </m:e>
+                      <m:sub>
+                        <m:r>
+                          <a:rPr lang="en-US" sz="3000" b="0" i="1" smtClean="0">
+                            <a:solidFill>
+                              <a:srgbClr val="C00000"/>
+                            </a:solidFill>
+                            <a:latin typeface="Cambria Math" panose="02040503050406030204" pitchFamily="18" charset="0"/>
+                            <a:cs typeface="Calibri" panose="020F0502020204030204" pitchFamily="34" charset="0"/>
+                          </a:rPr>
+                          <m:t>ℓ</m:t>
+                        </m:r>
+                      </m:sub>
+                    </m:sSub>
+                    <m:r>
+                      <a:rPr lang="en-US" sz="3000" i="1">
+                        <a:solidFill>
+                          <a:srgbClr val="C00000"/>
+                        </a:solidFill>
+                        <a:latin typeface="Cambria Math" panose="02040503050406030204" pitchFamily="18" charset="0"/>
+                        <a:cs typeface="Calibri" panose="020F0502020204030204" pitchFamily="34" charset="0"/>
+                      </a:rPr>
+                      <m:t>∈</m:t>
+                    </m:r>
+                    <m:sSup>
+                      <m:sSupPr>
+                        <m:ctrlPr>
+                          <a:rPr lang="en-US" sz="3000" i="1">
+                            <a:solidFill>
+                              <a:srgbClr val="C00000"/>
+                            </a:solidFill>
+                            <a:latin typeface="Cambria Math" panose="02040503050406030204" pitchFamily="18" charset="0"/>
+                            <a:cs typeface="Calibri" panose="020F0502020204030204" pitchFamily="34" charset="0"/>
+                          </a:rPr>
+                        </m:ctrlPr>
+                      </m:sSupPr>
+                      <m:e>
+                        <m:r>
+                          <a:rPr lang="en-US" sz="3000" i="1">
+                            <a:solidFill>
+                              <a:srgbClr val="C00000"/>
+                            </a:solidFill>
+                            <a:latin typeface="Cambria Math" panose="02040503050406030204" pitchFamily="18" charset="0"/>
+                            <a:cs typeface="Calibri" panose="020F0502020204030204" pitchFamily="34" charset="0"/>
+                          </a:rPr>
+                          <m:t>ℝ</m:t>
+                        </m:r>
+                      </m:e>
+                      <m:sup>
+                        <m:sSub>
+                          <m:sSubPr>
+                            <m:ctrlPr>
+                              <a:rPr lang="en-US" sz="3000" i="1">
+                                <a:solidFill>
+                                  <a:srgbClr val="C00000"/>
+                                </a:solidFill>
+                                <a:latin typeface="Cambria Math" panose="02040503050406030204" pitchFamily="18" charset="0"/>
+                                <a:cs typeface="Calibri" panose="020F0502020204030204" pitchFamily="34" charset="0"/>
+                              </a:rPr>
+                            </m:ctrlPr>
+                          </m:sSubPr>
+                          <m:e>
+                            <m:r>
+                              <a:rPr lang="en-US" sz="3000" i="1">
+                                <a:solidFill>
+                                  <a:srgbClr val="C00000"/>
+                                </a:solidFill>
+                                <a:latin typeface="Cambria Math" panose="02040503050406030204" pitchFamily="18" charset="0"/>
+                                <a:cs typeface="Calibri" panose="020F0502020204030204" pitchFamily="34" charset="0"/>
+                              </a:rPr>
+                              <m:t>𝑛</m:t>
+                            </m:r>
+                          </m:e>
+                          <m:sub>
+                            <m:r>
+                              <a:rPr lang="en-US" sz="3000" b="0" i="1" smtClean="0">
+                                <a:solidFill>
+                                  <a:srgbClr val="C00000"/>
+                                </a:solidFill>
+                                <a:latin typeface="Cambria Math" panose="02040503050406030204" pitchFamily="18" charset="0"/>
+                                <a:cs typeface="Calibri" panose="020F0502020204030204" pitchFamily="34" charset="0"/>
+                              </a:rPr>
+                              <m:t>ℓ</m:t>
+                            </m:r>
+                          </m:sub>
+                        </m:sSub>
+                        <m:r>
+                          <a:rPr lang="en-US" sz="3000" i="1">
+                            <a:solidFill>
+                              <a:srgbClr val="C00000"/>
+                            </a:solidFill>
+                            <a:latin typeface="Cambria Math" panose="02040503050406030204" pitchFamily="18" charset="0"/>
+                            <a:cs typeface="Calibri" panose="020F0502020204030204" pitchFamily="34" charset="0"/>
+                          </a:rPr>
+                          <m:t>×</m:t>
+                        </m:r>
+                        <m:r>
+                          <a:rPr lang="en-US" sz="3000" i="1">
+                            <a:solidFill>
+                              <a:srgbClr val="C00000"/>
+                            </a:solidFill>
+                            <a:latin typeface="Cambria Math" panose="02040503050406030204" pitchFamily="18" charset="0"/>
+                            <a:cs typeface="Calibri" panose="020F0502020204030204" pitchFamily="34" charset="0"/>
+                          </a:rPr>
+                          <m:t>𝑘</m:t>
+                        </m:r>
+                      </m:sup>
+                    </m:sSup>
+                  </m:oMath>
+                </a14:m>
+                <a:r>
+                  <a:rPr lang="en-US" sz="3000" dirty="0">
+                    <a:latin typeface="Calibri" panose="020F0502020204030204" pitchFamily="34" charset="0"/>
+                    <a:cs typeface="Calibri" panose="020F0502020204030204" pitchFamily="34" charset="0"/>
+                  </a:rPr>
+                  <a:t>,</a:t>
+                </a:r>
+                <a:r>
+                  <a:rPr lang="en-US" sz="3000" dirty="0">
+                    <a:solidFill>
+                      <a:srgbClr val="C00000"/>
+                    </a:solidFill>
+                  </a:rPr>
+                  <a:t> </a:t>
+                </a:r>
+                <a14:m>
+                  <m:oMath xmlns:m="http://schemas.openxmlformats.org/officeDocument/2006/math">
+                    <m:r>
+                      <a:rPr lang="en-US" sz="3000" b="0" i="1" smtClean="0">
+                        <a:solidFill>
+                          <a:srgbClr val="C00000"/>
+                        </a:solidFill>
+                        <a:latin typeface="Cambria Math" panose="02040503050406030204" pitchFamily="18" charset="0"/>
+                      </a:rPr>
+                      <m:t>𝑉</m:t>
+                    </m:r>
+                    <m:r>
+                      <a:rPr lang="en-US" sz="3000" b="0" i="1" smtClean="0">
+                        <a:solidFill>
+                          <a:srgbClr val="C00000"/>
+                        </a:solidFill>
+                        <a:latin typeface="Cambria Math" panose="02040503050406030204" pitchFamily="18" charset="0"/>
+                      </a:rPr>
+                      <m:t>∈</m:t>
+                    </m:r>
+                    <m:sSup>
+                      <m:sSupPr>
+                        <m:ctrlPr>
+                          <a:rPr lang="en-US" sz="3000" b="0" i="1" smtClean="0">
+                            <a:solidFill>
+                              <a:srgbClr val="C00000"/>
+                            </a:solidFill>
+                            <a:latin typeface="Cambria Math" panose="02040503050406030204" pitchFamily="18" charset="0"/>
+                          </a:rPr>
+                        </m:ctrlPr>
+                      </m:sSupPr>
+                      <m:e>
+                        <m:r>
+                          <a:rPr lang="en-US" sz="3000" b="0" i="1" smtClean="0">
+                            <a:solidFill>
+                              <a:srgbClr val="C00000"/>
+                            </a:solidFill>
+                            <a:latin typeface="Cambria Math" panose="02040503050406030204" pitchFamily="18" charset="0"/>
+                          </a:rPr>
+                          <m:t>ℝ</m:t>
+                        </m:r>
+                      </m:e>
+                      <m:sup>
+                        <m:r>
+                          <a:rPr lang="en-US" sz="3000" b="0" i="1" smtClean="0">
+                            <a:solidFill>
+                              <a:srgbClr val="C00000"/>
+                            </a:solidFill>
+                            <a:latin typeface="Cambria Math" panose="02040503050406030204" pitchFamily="18" charset="0"/>
+                          </a:rPr>
+                          <m:t>𝑘</m:t>
+                        </m:r>
+                        <m:r>
+                          <a:rPr lang="en-US" sz="3000" b="0" i="1" smtClean="0">
+                            <a:solidFill>
+                              <a:srgbClr val="C00000"/>
+                            </a:solidFill>
+                            <a:latin typeface="Cambria Math" panose="02040503050406030204" pitchFamily="18" charset="0"/>
+                          </a:rPr>
+                          <m:t>×</m:t>
+                        </m:r>
+                        <m:r>
+                          <a:rPr lang="en-US" sz="3000" b="0" i="1" smtClean="0">
+                            <a:solidFill>
+                              <a:srgbClr val="C00000"/>
+                            </a:solidFill>
+                            <a:latin typeface="Cambria Math" panose="02040503050406030204" pitchFamily="18" charset="0"/>
+                          </a:rPr>
+                          <m:t>𝑑</m:t>
+                        </m:r>
+                      </m:sup>
+                    </m:sSup>
+                  </m:oMath>
+                </a14:m>
+                <a:r>
+                  <a:rPr lang="en-US" sz="3000" dirty="0">
+                    <a:latin typeface="Calibri" panose="020F0502020204030204" pitchFamily="34" charset="0"/>
+                    <a:cs typeface="Calibri" panose="020F0502020204030204" pitchFamily="34" charset="0"/>
+                  </a:rPr>
+                  <a:t> that minimizes </a:t>
+                </a:r>
+                <a14:m>
+                  <m:oMath xmlns:m="http://schemas.openxmlformats.org/officeDocument/2006/math">
+                    <m:limLow>
+                      <m:limLowPr>
+                        <m:ctrlPr>
+                          <a:rPr lang="en-US" sz="3000" b="0" i="1" smtClean="0">
+                            <a:solidFill>
+                              <a:srgbClr val="C00000"/>
+                            </a:solidFill>
+                            <a:latin typeface="Cambria Math" panose="02040503050406030204" pitchFamily="18" charset="0"/>
+                          </a:rPr>
+                        </m:ctrlPr>
+                      </m:limLowPr>
+                      <m:e>
+                        <m:r>
+                          <m:rPr>
+                            <m:sty m:val="p"/>
+                          </m:rPr>
+                          <a:rPr lang="en-US" sz="3000" b="0" i="0" smtClean="0">
+                            <a:solidFill>
+                              <a:srgbClr val="C00000"/>
+                            </a:solidFill>
+                            <a:latin typeface="Cambria Math" panose="02040503050406030204" pitchFamily="18" charset="0"/>
+                          </a:rPr>
+                          <m:t>max</m:t>
+                        </m:r>
+                      </m:e>
+                      <m:lim>
+                        <m:r>
+                          <a:rPr lang="en-US" sz="3000" b="0" i="1" smtClean="0">
+                            <a:solidFill>
+                              <a:srgbClr val="C00000"/>
+                            </a:solidFill>
+                            <a:latin typeface="Cambria Math" panose="02040503050406030204" pitchFamily="18" charset="0"/>
+                          </a:rPr>
+                          <m:t>𝑖</m:t>
+                        </m:r>
+                        <m:r>
+                          <a:rPr lang="en-US" sz="3000" b="0" i="1" smtClean="0">
+                            <a:solidFill>
+                              <a:srgbClr val="C00000"/>
+                            </a:solidFill>
+                            <a:latin typeface="Cambria Math" panose="02040503050406030204" pitchFamily="18" charset="0"/>
+                          </a:rPr>
+                          <m:t>∈</m:t>
+                        </m:r>
+                        <m:d>
+                          <m:dPr>
+                            <m:begChr m:val="["/>
+                            <m:endChr m:val="]"/>
+                            <m:ctrlPr>
+                              <a:rPr lang="en-US" sz="3000" b="0" i="1" smtClean="0">
+                                <a:solidFill>
+                                  <a:srgbClr val="C00000"/>
+                                </a:solidFill>
+                                <a:latin typeface="Cambria Math" panose="02040503050406030204" pitchFamily="18" charset="0"/>
+                              </a:rPr>
+                            </m:ctrlPr>
+                          </m:dPr>
+                          <m:e>
+                            <m:r>
+                              <a:rPr lang="en-US" sz="3000" b="0" i="1" smtClean="0">
+                                <a:solidFill>
+                                  <a:srgbClr val="C00000"/>
+                                </a:solidFill>
+                                <a:latin typeface="Cambria Math" panose="02040503050406030204" pitchFamily="18" charset="0"/>
+                              </a:rPr>
+                              <m:t>ℓ</m:t>
+                            </m:r>
+                          </m:e>
+                        </m:d>
+                      </m:lim>
+                    </m:limLow>
+                    <m:sSub>
+                      <m:sSubPr>
+                        <m:ctrlPr>
+                          <a:rPr lang="en-US" sz="3000" b="0" i="1" smtClean="0">
+                            <a:solidFill>
+                              <a:srgbClr val="C00000"/>
+                            </a:solidFill>
+                            <a:latin typeface="Cambria Math" panose="02040503050406030204" pitchFamily="18" charset="0"/>
+                          </a:rPr>
+                        </m:ctrlPr>
+                      </m:sSubPr>
+                      <m:e>
+                        <m:r>
+                          <a:rPr lang="en-US" sz="3000" b="0" i="1" smtClean="0">
+                            <a:solidFill>
+                              <a:srgbClr val="C00000"/>
+                            </a:solidFill>
+                            <a:latin typeface="Cambria Math" panose="02040503050406030204" pitchFamily="18" charset="0"/>
+                          </a:rPr>
+                          <m:t> </m:t>
+                        </m:r>
+                        <m:d>
+                          <m:dPr>
+                            <m:begChr m:val="‖"/>
+                            <m:endChr m:val="‖"/>
+                            <m:ctrlPr>
+                              <a:rPr lang="en-US" sz="3000" b="0" i="1" smtClean="0">
+                                <a:solidFill>
+                                  <a:srgbClr val="C00000"/>
+                                </a:solidFill>
+                                <a:latin typeface="Cambria Math" panose="02040503050406030204" pitchFamily="18" charset="0"/>
+                              </a:rPr>
+                            </m:ctrlPr>
+                          </m:dPr>
+                          <m:e>
+                            <m:sSub>
+                              <m:sSubPr>
+                                <m:ctrlPr>
+                                  <a:rPr lang="en-US" sz="3000" b="0" i="1" smtClean="0">
+                                    <a:solidFill>
+                                      <a:srgbClr val="C00000"/>
+                                    </a:solidFill>
+                                    <a:latin typeface="Cambria Math" panose="02040503050406030204" pitchFamily="18" charset="0"/>
+                                  </a:rPr>
+                                </m:ctrlPr>
+                              </m:sSubPr>
+                              <m:e>
+                                <m:r>
+                                  <a:rPr lang="en-US" sz="3000" b="0" i="1" smtClean="0">
+                                    <a:solidFill>
+                                      <a:srgbClr val="C00000"/>
+                                    </a:solidFill>
+                                    <a:latin typeface="Cambria Math" panose="02040503050406030204" pitchFamily="18" charset="0"/>
+                                  </a:rPr>
+                                  <m:t>𝑈</m:t>
+                                </m:r>
+                              </m:e>
+                              <m:sub>
+                                <m:r>
+                                  <a:rPr lang="en-US" sz="3000" b="0" i="1" smtClean="0">
+                                    <a:solidFill>
+                                      <a:srgbClr val="C00000"/>
+                                    </a:solidFill>
+                                    <a:latin typeface="Cambria Math" panose="02040503050406030204" pitchFamily="18" charset="0"/>
+                                  </a:rPr>
+                                  <m:t>𝑖</m:t>
+                                </m:r>
+                              </m:sub>
+                            </m:sSub>
+                            <m:r>
+                              <a:rPr lang="en-US" sz="3000" b="0" i="1" smtClean="0">
+                                <a:solidFill>
+                                  <a:srgbClr val="C00000"/>
+                                </a:solidFill>
+                                <a:latin typeface="Cambria Math" panose="02040503050406030204" pitchFamily="18" charset="0"/>
+                              </a:rPr>
+                              <m:t>𝑉</m:t>
+                            </m:r>
+                            <m:r>
+                              <a:rPr lang="en-US" sz="3000" b="0" i="1" smtClean="0">
+                                <a:solidFill>
+                                  <a:srgbClr val="C00000"/>
+                                </a:solidFill>
+                                <a:latin typeface="Cambria Math" panose="02040503050406030204" pitchFamily="18" charset="0"/>
+                              </a:rPr>
+                              <m:t>−</m:t>
+                            </m:r>
+                            <m:sSub>
+                              <m:sSubPr>
+                                <m:ctrlPr>
+                                  <a:rPr lang="en-US" sz="3000" b="0" i="1" smtClean="0">
+                                    <a:solidFill>
+                                      <a:srgbClr val="C00000"/>
+                                    </a:solidFill>
+                                    <a:latin typeface="Cambria Math" panose="02040503050406030204" pitchFamily="18" charset="0"/>
+                                  </a:rPr>
+                                </m:ctrlPr>
+                              </m:sSubPr>
+                              <m:e>
+                                <m:r>
+                                  <a:rPr lang="en-US" sz="3000" b="0" i="1" smtClean="0">
+                                    <a:solidFill>
+                                      <a:srgbClr val="C00000"/>
+                                    </a:solidFill>
+                                    <a:latin typeface="Cambria Math" panose="02040503050406030204" pitchFamily="18" charset="0"/>
+                                  </a:rPr>
+                                  <m:t>𝐴</m:t>
+                                </m:r>
+                              </m:e>
+                              <m:sub>
+                                <m:r>
+                                  <a:rPr lang="en-US" sz="3000" b="0" i="1" smtClean="0">
+                                    <a:solidFill>
+                                      <a:srgbClr val="C00000"/>
+                                    </a:solidFill>
+                                    <a:latin typeface="Cambria Math" panose="02040503050406030204" pitchFamily="18" charset="0"/>
+                                  </a:rPr>
+                                  <m:t>𝑖</m:t>
+                                </m:r>
+                              </m:sub>
+                            </m:sSub>
+                          </m:e>
+                        </m:d>
+                      </m:e>
+                      <m:sub>
+                        <m:r>
+                          <a:rPr lang="en-US" sz="3000" b="0" i="1" smtClean="0">
+                            <a:solidFill>
+                              <a:srgbClr val="C00000"/>
+                            </a:solidFill>
+                            <a:latin typeface="Cambria Math" panose="02040503050406030204" pitchFamily="18" charset="0"/>
+                          </a:rPr>
+                          <m:t>𝐹</m:t>
+                        </m:r>
+                      </m:sub>
+                    </m:sSub>
+                  </m:oMath>
+                </a14:m>
+                <a:r>
+                  <a:rPr lang="en-US" sz="3000" dirty="0">
+                    <a:solidFill>
+                      <a:srgbClr val="C00000"/>
+                    </a:solidFill>
+                    <a:latin typeface="Calibri" panose="020F0502020204030204" pitchFamily="34" charset="0"/>
+                    <a:cs typeface="Calibri" panose="020F0502020204030204" pitchFamily="34" charset="0"/>
+                  </a:rPr>
+                  <a:t> </a:t>
+                </a:r>
+                <a:endParaRPr lang="en-US" sz="3000" dirty="0">
+                  <a:latin typeface="Calibri" panose="020F0502020204030204" pitchFamily="34" charset="0"/>
+                  <a:cs typeface="Calibri" panose="020F0502020204030204" pitchFamily="34" charset="0"/>
+                </a:endParaRPr>
+              </a:p>
+              <a:p>
+                <a:pPr marL="457200" indent="-457200">
+                  <a:buFont typeface="Arial" panose="020B0604020202020204" pitchFamily="34" charset="0"/>
+                  <a:buChar char="•"/>
+                </a:pPr>
+                <a:r>
+                  <a:rPr lang="en-US" sz="3000" dirty="0">
+                    <a:latin typeface="Calibri" panose="020F0502020204030204" pitchFamily="34" charset="0"/>
+                    <a:cs typeface="Calibri" panose="020F0502020204030204" pitchFamily="34" charset="0"/>
+                  </a:rPr>
+                  <a:t>Each matrix </a:t>
+                </a:r>
+                <a14:m>
+                  <m:oMath xmlns:m="http://schemas.openxmlformats.org/officeDocument/2006/math">
+                    <m:sSub>
+                      <m:sSubPr>
+                        <m:ctrlPr>
+                          <a:rPr lang="en-US" sz="3000" b="0" i="1" smtClean="0">
+                            <a:solidFill>
+                              <a:srgbClr val="C00000"/>
+                            </a:solidFill>
+                            <a:latin typeface="Cambria Math" panose="02040503050406030204" pitchFamily="18" charset="0"/>
+                            <a:cs typeface="Calibri" panose="020F0502020204030204" pitchFamily="34" charset="0"/>
+                          </a:rPr>
+                        </m:ctrlPr>
+                      </m:sSubPr>
+                      <m:e>
+                        <m:r>
+                          <a:rPr lang="en-US" sz="3000" b="0" i="1" smtClean="0">
+                            <a:solidFill>
+                              <a:srgbClr val="C00000"/>
+                            </a:solidFill>
+                            <a:latin typeface="Cambria Math" panose="02040503050406030204" pitchFamily="18" charset="0"/>
+                            <a:cs typeface="Calibri" panose="020F0502020204030204" pitchFamily="34" charset="0"/>
+                          </a:rPr>
+                          <m:t>𝐴</m:t>
+                        </m:r>
+                      </m:e>
+                      <m:sub>
+                        <m:r>
+                          <a:rPr lang="en-US" sz="3000" b="0" i="1" smtClean="0">
+                            <a:solidFill>
+                              <a:srgbClr val="C00000"/>
+                            </a:solidFill>
+                            <a:latin typeface="Cambria Math" panose="02040503050406030204" pitchFamily="18" charset="0"/>
+                            <a:cs typeface="Calibri" panose="020F0502020204030204" pitchFamily="34" charset="0"/>
+                          </a:rPr>
+                          <m:t>𝑖</m:t>
+                        </m:r>
+                      </m:sub>
+                    </m:sSub>
+                  </m:oMath>
+                </a14:m>
+                <a:r>
+                  <a:rPr lang="en-US" sz="3000" dirty="0">
+                    <a:latin typeface="Calibri" panose="020F0502020204030204" pitchFamily="34" charset="0"/>
+                    <a:cs typeface="Calibri" panose="020F0502020204030204" pitchFamily="34" charset="0"/>
+                  </a:rPr>
+                  <a:t> is the dataset of a protected subpopulation</a:t>
+                </a:r>
+              </a:p>
+              <a:p>
+                <a:pPr marL="457200" indent="-457200">
+                  <a:buFont typeface="Arial" panose="020B0604020202020204" pitchFamily="34" charset="0"/>
+                  <a:buChar char="•"/>
+                </a:pPr>
+                <a:r>
+                  <a:rPr lang="en-US" sz="3000" dirty="0">
+                    <a:latin typeface="Calibri" panose="020F0502020204030204" pitchFamily="34" charset="0"/>
+                    <a:cs typeface="Calibri" panose="020F0502020204030204" pitchFamily="34" charset="0"/>
+                  </a:rPr>
+                  <a:t>Ensure solution is equitable to all subpopulations</a:t>
+                </a:r>
+              </a:p>
+            </p:txBody>
+          </p:sp>
+        </mc:Choice>
+        <mc:Fallback>
+          <p:sp>
+            <p:nvSpPr>
+              <p:cNvPr id="22" name="Rectangle 21">
+                <a:extLst>
+                  <a:ext uri="{FF2B5EF4-FFF2-40B4-BE49-F238E27FC236}">
+                    <a16:creationId xmlns:a16="http://schemas.microsoft.com/office/drawing/2014/main" id="{AEF86DD3-3636-A917-0011-789AB7B4A1DF}"/>
+                  </a:ext>
+                </a:extLst>
+              </p:cNvPr>
+              <p:cNvSpPr>
+                <a:spLocks noRot="1" noChangeAspect="1" noMove="1" noResize="1" noEditPoints="1" noAdjustHandles="1" noChangeArrowheads="1" noChangeShapeType="1" noTextEdit="1"/>
+              </p:cNvSpPr>
+              <p:nvPr/>
+            </p:nvSpPr>
+            <p:spPr>
+              <a:xfrm>
+                <a:off x="752040" y="17756139"/>
+                <a:ext cx="6845301" cy="3533724"/>
+              </a:xfrm>
+              <a:prstGeom prst="rect">
+                <a:avLst/>
+              </a:prstGeom>
+              <a:blipFill>
+                <a:blip r:embed="rId13"/>
+                <a:stretch>
+                  <a:fillRect l="-1781" t="-1900" b="-4663"/>
+                </a:stretch>
+              </a:blipFill>
+            </p:spPr>
+            <p:txBody>
+              <a:bodyPr/>
+              <a:lstStyle/>
+              <a:p>
+                <a:r>
+                  <a:rPr lang="en-US">
+                    <a:noFill/>
+                  </a:rPr>
+                  <a:t> </a:t>
+                </a:r>
+              </a:p>
+            </p:txBody>
+          </p:sp>
+        </mc:Fallback>
+      </mc:AlternateContent>
+      <mc:AlternateContent xmlns:mc="http://schemas.openxmlformats.org/markup-compatibility/2006">
+        <mc:Choice xmlns:a14="http://schemas.microsoft.com/office/drawing/2010/main" Requires="a14">
+          <p:sp>
+            <p:nvSpPr>
+              <p:cNvPr id="23" name="Rectangle 22">
+                <a:extLst>
+                  <a:ext uri="{FF2B5EF4-FFF2-40B4-BE49-F238E27FC236}">
+                    <a16:creationId xmlns:a16="http://schemas.microsoft.com/office/drawing/2014/main" id="{CC2A2B39-8568-7D3B-BB00-5D62FE5A970D}"/>
+                  </a:ext>
+                </a:extLst>
+              </p:cNvPr>
+              <p:cNvSpPr/>
+              <p:nvPr/>
+            </p:nvSpPr>
+            <p:spPr>
+              <a:xfrm>
+                <a:off x="7581897" y="16812755"/>
+                <a:ext cx="661400" cy="553998"/>
+              </a:xfrm>
+              <a:prstGeom prst="rect">
+                <a:avLst/>
+              </a:prstGeom>
+            </p:spPr>
+            <p:txBody>
+              <a:bodyPr wrap="none">
+                <a:spAutoFit/>
+              </a:bodyPr>
+              <a:lstStyle/>
+              <a:p>
+                <a:pPr/>
+                <a14:m>
+                  <m:oMathPara xmlns:m="http://schemas.openxmlformats.org/officeDocument/2006/math">
+                    <m:oMathParaPr>
+                      <m:jc m:val="centerGroup"/>
+                    </m:oMathParaPr>
+                    <m:oMath xmlns:m="http://schemas.openxmlformats.org/officeDocument/2006/math">
+                      <m:sSub>
+                        <m:sSubPr>
+                          <m:ctrlPr>
+                            <a:rPr lang="en-US" sz="3000" b="0" i="1" smtClean="0">
+                              <a:solidFill>
+                                <a:srgbClr val="C00000"/>
+                              </a:solidFill>
+                              <a:latin typeface="Cambria Math" panose="02040503050406030204" pitchFamily="18" charset="0"/>
+                            </a:rPr>
+                          </m:ctrlPr>
+                        </m:sSubPr>
+                        <m:e>
+                          <m:r>
+                            <a:rPr lang="en-US" sz="3000" b="0" i="1" smtClean="0">
+                              <a:solidFill>
+                                <a:srgbClr val="C00000"/>
+                              </a:solidFill>
+                              <a:latin typeface="Cambria Math" panose="02040503050406030204" pitchFamily="18" charset="0"/>
+                            </a:rPr>
+                            <m:t>𝑛</m:t>
+                          </m:r>
+                        </m:e>
+                        <m:sub>
+                          <m:r>
+                            <a:rPr lang="en-US" sz="3000" b="0" i="1" smtClean="0">
+                              <a:solidFill>
+                                <a:srgbClr val="C00000"/>
+                              </a:solidFill>
+                              <a:latin typeface="Cambria Math" panose="02040503050406030204" pitchFamily="18" charset="0"/>
+                            </a:rPr>
+                            <m:t>1</m:t>
+                          </m:r>
+                        </m:sub>
+                      </m:sSub>
+                    </m:oMath>
+                  </m:oMathPara>
+                </a14:m>
+                <a:endParaRPr lang="en-US" sz="3000" dirty="0">
+                  <a:solidFill>
+                    <a:srgbClr val="C00000"/>
+                  </a:solidFill>
+                </a:endParaRPr>
+              </a:p>
+            </p:txBody>
+          </p:sp>
+        </mc:Choice>
+        <mc:Fallback>
+          <p:sp>
+            <p:nvSpPr>
+              <p:cNvPr id="23" name="Rectangle 22">
+                <a:extLst>
+                  <a:ext uri="{FF2B5EF4-FFF2-40B4-BE49-F238E27FC236}">
+                    <a16:creationId xmlns:a16="http://schemas.microsoft.com/office/drawing/2014/main" id="{CC2A2B39-8568-7D3B-BB00-5D62FE5A970D}"/>
+                  </a:ext>
+                </a:extLst>
+              </p:cNvPr>
+              <p:cNvSpPr>
+                <a:spLocks noRot="1" noChangeAspect="1" noMove="1" noResize="1" noEditPoints="1" noAdjustHandles="1" noChangeArrowheads="1" noChangeShapeType="1" noTextEdit="1"/>
+              </p:cNvSpPr>
+              <p:nvPr/>
+            </p:nvSpPr>
+            <p:spPr>
+              <a:xfrm>
+                <a:off x="7581897" y="16812755"/>
+                <a:ext cx="661400" cy="553998"/>
+              </a:xfrm>
+              <a:prstGeom prst="rect">
+                <a:avLst/>
+              </a:prstGeom>
+              <a:blipFill>
+                <a:blip r:embed="rId14"/>
+                <a:stretch>
+                  <a:fillRect/>
+                </a:stretch>
+              </a:blipFill>
+            </p:spPr>
+            <p:txBody>
+              <a:bodyPr/>
+              <a:lstStyle/>
+              <a:p>
+                <a:r>
+                  <a:rPr lang="en-US">
+                    <a:noFill/>
+                  </a:rPr>
+                  <a:t> </a:t>
+                </a:r>
+              </a:p>
+            </p:txBody>
+          </p:sp>
+        </mc:Fallback>
+      </mc:AlternateContent>
+      <mc:AlternateContent xmlns:mc="http://schemas.openxmlformats.org/markup-compatibility/2006">
+        <mc:Choice xmlns:a14="http://schemas.microsoft.com/office/drawing/2010/main" Requires="a14">
+          <p:sp>
+            <p:nvSpPr>
+              <p:cNvPr id="24" name="Rectangle 23">
+                <a:extLst>
+                  <a:ext uri="{FF2B5EF4-FFF2-40B4-BE49-F238E27FC236}">
+                    <a16:creationId xmlns:a16="http://schemas.microsoft.com/office/drawing/2014/main" id="{5639ACCE-6C24-0822-2A18-983824F6D816}"/>
+                  </a:ext>
+                </a:extLst>
+              </p:cNvPr>
+              <p:cNvSpPr/>
+              <p:nvPr/>
+            </p:nvSpPr>
+            <p:spPr>
+              <a:xfrm>
+                <a:off x="9496358" y="17679683"/>
+                <a:ext cx="506229" cy="553998"/>
+              </a:xfrm>
+              <a:prstGeom prst="rect">
+                <a:avLst/>
+              </a:prstGeom>
+            </p:spPr>
+            <p:txBody>
+              <a:bodyPr wrap="none">
+                <a:spAutoFit/>
+              </a:bodyPr>
+              <a:lstStyle/>
+              <a:p>
+                <a:pPr/>
+                <a14:m>
+                  <m:oMathPara xmlns:m="http://schemas.openxmlformats.org/officeDocument/2006/math">
+                    <m:oMathParaPr>
+                      <m:jc m:val="centerGroup"/>
+                    </m:oMathParaPr>
+                    <m:oMath xmlns:m="http://schemas.openxmlformats.org/officeDocument/2006/math">
+                      <m:r>
+                        <a:rPr lang="en-US" sz="3000" b="0" i="1" smtClean="0">
+                          <a:solidFill>
+                            <a:srgbClr val="C00000"/>
+                          </a:solidFill>
+                          <a:latin typeface="Cambria Math" panose="02040503050406030204" pitchFamily="18" charset="0"/>
+                        </a:rPr>
+                        <m:t>𝑑</m:t>
+                      </m:r>
+                    </m:oMath>
+                  </m:oMathPara>
+                </a14:m>
+                <a:endParaRPr lang="en-US" sz="3000" dirty="0">
+                  <a:solidFill>
+                    <a:srgbClr val="C00000"/>
+                  </a:solidFill>
+                </a:endParaRPr>
+              </a:p>
+            </p:txBody>
+          </p:sp>
+        </mc:Choice>
+        <mc:Fallback>
+          <p:sp>
+            <p:nvSpPr>
+              <p:cNvPr id="24" name="Rectangle 23">
+                <a:extLst>
+                  <a:ext uri="{FF2B5EF4-FFF2-40B4-BE49-F238E27FC236}">
+                    <a16:creationId xmlns:a16="http://schemas.microsoft.com/office/drawing/2014/main" id="{5639ACCE-6C24-0822-2A18-983824F6D816}"/>
+                  </a:ext>
+                </a:extLst>
+              </p:cNvPr>
+              <p:cNvSpPr>
+                <a:spLocks noRot="1" noChangeAspect="1" noMove="1" noResize="1" noEditPoints="1" noAdjustHandles="1" noChangeArrowheads="1" noChangeShapeType="1" noTextEdit="1"/>
+              </p:cNvSpPr>
+              <p:nvPr/>
+            </p:nvSpPr>
+            <p:spPr>
+              <a:xfrm>
+                <a:off x="9496358" y="17679683"/>
+                <a:ext cx="506229" cy="553998"/>
+              </a:xfrm>
+              <a:prstGeom prst="rect">
+                <a:avLst/>
+              </a:prstGeom>
+              <a:blipFill>
+                <a:blip r:embed="rId15"/>
+                <a:stretch>
+                  <a:fillRect/>
+                </a:stretch>
+              </a:blipFill>
+            </p:spPr>
+            <p:txBody>
+              <a:bodyPr/>
+              <a:lstStyle/>
+              <a:p>
+                <a:r>
+                  <a:rPr lang="en-US">
+                    <a:noFill/>
+                  </a:rPr>
+                  <a:t> </a:t>
+                </a:r>
+              </a:p>
+            </p:txBody>
+          </p:sp>
+        </mc:Fallback>
+      </mc:AlternateContent>
+      <p:sp>
+        <p:nvSpPr>
+          <p:cNvPr id="25" name="TextBox 24">
+            <a:extLst>
+              <a:ext uri="{FF2B5EF4-FFF2-40B4-BE49-F238E27FC236}">
+                <a16:creationId xmlns:a16="http://schemas.microsoft.com/office/drawing/2014/main" id="{9E3BF983-AB93-B28C-DEE6-A006EC886408}"/>
+              </a:ext>
+            </a:extLst>
+          </p:cNvPr>
+          <p:cNvSpPr txBox="1"/>
+          <p:nvPr/>
+        </p:nvSpPr>
+        <p:spPr>
+          <a:xfrm>
+            <a:off x="8127545" y="18230596"/>
+            <a:ext cx="3503212" cy="1938992"/>
+          </a:xfrm>
+          <a:prstGeom prst="rect">
+            <a:avLst/>
+          </a:prstGeom>
+          <a:noFill/>
+        </p:spPr>
+        <p:txBody>
+          <a:bodyPr wrap="square">
+            <a:spAutoFit/>
+          </a:bodyPr>
+          <a:lstStyle/>
+          <a:p>
+            <a:pPr marL="0" indent="0">
+              <a:buNone/>
+            </a:pPr>
+            <a:r>
+              <a:rPr lang="en-US" sz="3000" dirty="0"/>
+              <a:t>2  5  6  1  4  0  -7  5  3</a:t>
+            </a:r>
+          </a:p>
+          <a:p>
+            <a:pPr marL="0" indent="0">
+              <a:buNone/>
+            </a:pPr>
+            <a:r>
+              <a:rPr lang="en-US" sz="3000" dirty="0"/>
+              <a:t>8  7  2  1 -1 -3 -2 -4 -6</a:t>
+            </a:r>
+          </a:p>
+          <a:p>
+            <a:pPr marL="0" indent="0">
+              <a:buNone/>
+            </a:pPr>
+            <a:r>
+              <a:rPr lang="en-US" sz="3000" dirty="0"/>
+              <a:t>-5 3 -4 -1 -2 -1 0 -3  -1</a:t>
+            </a:r>
+          </a:p>
+        </p:txBody>
+      </p:sp>
+      <p:sp>
+        <p:nvSpPr>
+          <p:cNvPr id="26" name="Rectangle 25">
+            <a:extLst>
+              <a:ext uri="{FF2B5EF4-FFF2-40B4-BE49-F238E27FC236}">
+                <a16:creationId xmlns:a16="http://schemas.microsoft.com/office/drawing/2014/main" id="{91B44044-E60E-1304-FE73-C3CC8262EC16}"/>
+              </a:ext>
+            </a:extLst>
+          </p:cNvPr>
+          <p:cNvSpPr/>
+          <p:nvPr/>
+        </p:nvSpPr>
+        <p:spPr>
+          <a:xfrm>
+            <a:off x="8127545" y="18230596"/>
+            <a:ext cx="3304032" cy="1384994"/>
+          </a:xfrm>
+          <a:prstGeom prst="rect">
+            <a:avLst/>
+          </a:prstGeom>
+          <a:noFill/>
+          <a:ln w="57150">
+            <a:prstDash val="sysDash"/>
+          </a:ln>
+        </p:spPr>
+        <p:style>
+          <a:lnRef idx="2">
+            <a:schemeClr val="accent1">
+              <a:shade val="50000"/>
+            </a:schemeClr>
+          </a:lnRef>
+          <a:fillRef idx="1">
+            <a:schemeClr val="accent1"/>
+          </a:fillRef>
+          <a:effectRef idx="0">
+            <a:schemeClr val="accent1"/>
+          </a:effectRef>
+          <a:fontRef idx="minor">
+            <a:schemeClr val="lt1"/>
+          </a:fontRef>
+        </p:style>
+        <p:txBody>
+          <a:bodyPr rtlCol="0" anchor="ctr"/>
+          <a:lstStyle/>
+          <a:p>
+            <a:pPr algn="ctr"/>
+            <a:endParaRPr lang="en-US" sz="3000"/>
+          </a:p>
+        </p:txBody>
+      </p:sp>
+      <p:sp>
+        <p:nvSpPr>
+          <p:cNvPr id="55" name="TextBox 54">
+            <a:extLst>
+              <a:ext uri="{FF2B5EF4-FFF2-40B4-BE49-F238E27FC236}">
+                <a16:creationId xmlns:a16="http://schemas.microsoft.com/office/drawing/2014/main" id="{1F725440-53B2-C6D2-51B2-823C92EE4921}"/>
+              </a:ext>
+            </a:extLst>
+          </p:cNvPr>
+          <p:cNvSpPr txBox="1"/>
+          <p:nvPr/>
+        </p:nvSpPr>
+        <p:spPr>
+          <a:xfrm>
+            <a:off x="8127545" y="20434815"/>
+            <a:ext cx="3304032" cy="1015663"/>
+          </a:xfrm>
+          <a:prstGeom prst="rect">
+            <a:avLst/>
+          </a:prstGeom>
+          <a:noFill/>
+        </p:spPr>
+        <p:txBody>
+          <a:bodyPr wrap="square">
+            <a:spAutoFit/>
+          </a:bodyPr>
+          <a:lstStyle/>
+          <a:p>
+            <a:pPr marL="0" indent="0">
+              <a:buNone/>
+            </a:pPr>
+            <a:r>
+              <a:rPr lang="en-US" sz="3000" dirty="0"/>
+              <a:t>7  1  3  2  4  1  0  11  1</a:t>
+            </a:r>
+          </a:p>
+        </p:txBody>
+      </p:sp>
+      <mc:AlternateContent xmlns:mc="http://schemas.openxmlformats.org/markup-compatibility/2006">
+        <mc:Choice xmlns:a14="http://schemas.microsoft.com/office/drawing/2010/main" Requires="a14">
+          <p:sp>
+            <p:nvSpPr>
+              <p:cNvPr id="56" name="Rectangle 55">
+                <a:extLst>
+                  <a:ext uri="{FF2B5EF4-FFF2-40B4-BE49-F238E27FC236}">
+                    <a16:creationId xmlns:a16="http://schemas.microsoft.com/office/drawing/2014/main" id="{ECF917C2-A0D5-7DDD-AF97-E9FF204EBF77}"/>
+                  </a:ext>
+                </a:extLst>
+              </p:cNvPr>
+              <p:cNvSpPr/>
+              <p:nvPr/>
+            </p:nvSpPr>
+            <p:spPr>
+              <a:xfrm>
+                <a:off x="7581897" y="18643155"/>
+                <a:ext cx="670312" cy="553998"/>
+              </a:xfrm>
+              <a:prstGeom prst="rect">
+                <a:avLst/>
+              </a:prstGeom>
+            </p:spPr>
+            <p:txBody>
+              <a:bodyPr wrap="none">
+                <a:spAutoFit/>
+              </a:bodyPr>
+              <a:lstStyle/>
+              <a:p>
+                <a:pPr/>
+                <a14:m>
+                  <m:oMathPara xmlns:m="http://schemas.openxmlformats.org/officeDocument/2006/math">
+                    <m:oMathParaPr>
+                      <m:jc m:val="centerGroup"/>
+                    </m:oMathParaPr>
+                    <m:oMath xmlns:m="http://schemas.openxmlformats.org/officeDocument/2006/math">
+                      <m:sSub>
+                        <m:sSubPr>
+                          <m:ctrlPr>
+                            <a:rPr lang="en-US" sz="3000" b="0" i="1" smtClean="0">
+                              <a:solidFill>
+                                <a:srgbClr val="C00000"/>
+                              </a:solidFill>
+                              <a:latin typeface="Cambria Math" panose="02040503050406030204" pitchFamily="18" charset="0"/>
+                            </a:rPr>
+                          </m:ctrlPr>
+                        </m:sSubPr>
+                        <m:e>
+                          <m:r>
+                            <a:rPr lang="en-US" sz="3000" b="0" i="1" smtClean="0">
+                              <a:solidFill>
+                                <a:srgbClr val="C00000"/>
+                              </a:solidFill>
+                              <a:latin typeface="Cambria Math" panose="02040503050406030204" pitchFamily="18" charset="0"/>
+                            </a:rPr>
+                            <m:t>𝑛</m:t>
+                          </m:r>
+                        </m:e>
+                        <m:sub>
+                          <m:r>
+                            <a:rPr lang="en-US" sz="3000" b="0" i="1" smtClean="0">
+                              <a:solidFill>
+                                <a:srgbClr val="C00000"/>
+                              </a:solidFill>
+                              <a:latin typeface="Cambria Math" panose="02040503050406030204" pitchFamily="18" charset="0"/>
+                            </a:rPr>
+                            <m:t>2</m:t>
+                          </m:r>
+                        </m:sub>
+                      </m:sSub>
+                    </m:oMath>
+                  </m:oMathPara>
+                </a14:m>
+                <a:endParaRPr lang="en-US" sz="3000" dirty="0">
+                  <a:solidFill>
+                    <a:srgbClr val="C00000"/>
+                  </a:solidFill>
+                </a:endParaRPr>
+              </a:p>
+            </p:txBody>
+          </p:sp>
+        </mc:Choice>
+        <mc:Fallback>
+          <p:sp>
+            <p:nvSpPr>
+              <p:cNvPr id="56" name="Rectangle 55">
+                <a:extLst>
+                  <a:ext uri="{FF2B5EF4-FFF2-40B4-BE49-F238E27FC236}">
+                    <a16:creationId xmlns:a16="http://schemas.microsoft.com/office/drawing/2014/main" id="{ECF917C2-A0D5-7DDD-AF97-E9FF204EBF77}"/>
+                  </a:ext>
+                </a:extLst>
+              </p:cNvPr>
+              <p:cNvSpPr>
+                <a:spLocks noRot="1" noChangeAspect="1" noMove="1" noResize="1" noEditPoints="1" noAdjustHandles="1" noChangeArrowheads="1" noChangeShapeType="1" noTextEdit="1"/>
+              </p:cNvSpPr>
+              <p:nvPr/>
+            </p:nvSpPr>
+            <p:spPr>
+              <a:xfrm>
+                <a:off x="7581897" y="18643155"/>
+                <a:ext cx="670312" cy="553998"/>
+              </a:xfrm>
+              <a:prstGeom prst="rect">
+                <a:avLst/>
+              </a:prstGeom>
+              <a:blipFill>
+                <a:blip r:embed="rId16"/>
+                <a:stretch>
+                  <a:fillRect/>
+                </a:stretch>
+              </a:blipFill>
+            </p:spPr>
+            <p:txBody>
+              <a:bodyPr/>
+              <a:lstStyle/>
+              <a:p>
+                <a:r>
+                  <a:rPr lang="en-US">
+                    <a:noFill/>
+                  </a:rPr>
+                  <a:t> </a:t>
+                </a:r>
+              </a:p>
+            </p:txBody>
+          </p:sp>
+        </mc:Fallback>
+      </mc:AlternateContent>
+      <p:sp>
+        <p:nvSpPr>
+          <p:cNvPr id="57" name="Rectangle 56">
+            <a:extLst>
+              <a:ext uri="{FF2B5EF4-FFF2-40B4-BE49-F238E27FC236}">
+                <a16:creationId xmlns:a16="http://schemas.microsoft.com/office/drawing/2014/main" id="{53E0F4CE-78EF-BBDF-53C3-BA7B6C787AED}"/>
+              </a:ext>
+            </a:extLst>
+          </p:cNvPr>
+          <p:cNvSpPr/>
+          <p:nvPr/>
+        </p:nvSpPr>
+        <p:spPr>
+          <a:xfrm>
+            <a:off x="8127545" y="20425189"/>
+            <a:ext cx="3304032" cy="516197"/>
+          </a:xfrm>
+          <a:prstGeom prst="rect">
+            <a:avLst/>
+          </a:prstGeom>
+          <a:noFill/>
+          <a:ln w="57150">
+            <a:prstDash val="sysDash"/>
+          </a:ln>
+        </p:spPr>
+        <p:style>
+          <a:lnRef idx="2">
+            <a:schemeClr val="accent1">
+              <a:shade val="50000"/>
+            </a:schemeClr>
+          </a:lnRef>
+          <a:fillRef idx="1">
+            <a:schemeClr val="accent1"/>
+          </a:fillRef>
+          <a:effectRef idx="0">
+            <a:schemeClr val="accent1"/>
+          </a:effectRef>
+          <a:fontRef idx="minor">
+            <a:schemeClr val="lt1"/>
+          </a:fontRef>
+        </p:style>
+        <p:txBody>
+          <a:bodyPr rtlCol="0" anchor="ctr"/>
+          <a:lstStyle/>
+          <a:p>
+            <a:pPr algn="ctr"/>
+            <a:endParaRPr lang="en-US" sz="3000"/>
+          </a:p>
+        </p:txBody>
+      </p:sp>
+      <mc:AlternateContent xmlns:mc="http://schemas.openxmlformats.org/markup-compatibility/2006">
+        <mc:Choice xmlns:a14="http://schemas.microsoft.com/office/drawing/2010/main" Requires="a14">
+          <p:sp>
+            <p:nvSpPr>
+              <p:cNvPr id="58" name="Rectangle 57">
+                <a:extLst>
+                  <a:ext uri="{FF2B5EF4-FFF2-40B4-BE49-F238E27FC236}">
+                    <a16:creationId xmlns:a16="http://schemas.microsoft.com/office/drawing/2014/main" id="{A33C21DF-12CD-92EC-1AE2-F12EF84A85B4}"/>
+                  </a:ext>
+                </a:extLst>
+              </p:cNvPr>
+              <p:cNvSpPr/>
+              <p:nvPr/>
+            </p:nvSpPr>
+            <p:spPr>
+              <a:xfrm>
+                <a:off x="7573625" y="20408540"/>
+                <a:ext cx="654282" cy="553998"/>
+              </a:xfrm>
+              <a:prstGeom prst="rect">
+                <a:avLst/>
+              </a:prstGeom>
+            </p:spPr>
+            <p:txBody>
+              <a:bodyPr wrap="none">
+                <a:spAutoFit/>
+              </a:bodyPr>
+              <a:lstStyle/>
+              <a:p>
+                <a:pPr/>
+                <a14:m>
+                  <m:oMathPara xmlns:m="http://schemas.openxmlformats.org/officeDocument/2006/math">
+                    <m:oMathParaPr>
+                      <m:jc m:val="centerGroup"/>
+                    </m:oMathParaPr>
+                    <m:oMath xmlns:m="http://schemas.openxmlformats.org/officeDocument/2006/math">
+                      <m:sSub>
+                        <m:sSubPr>
+                          <m:ctrlPr>
+                            <a:rPr lang="en-US" sz="3000" b="0" i="1" smtClean="0">
+                              <a:solidFill>
+                                <a:srgbClr val="C00000"/>
+                              </a:solidFill>
+                              <a:latin typeface="Cambria Math" panose="02040503050406030204" pitchFamily="18" charset="0"/>
+                            </a:rPr>
+                          </m:ctrlPr>
+                        </m:sSubPr>
+                        <m:e>
+                          <m:r>
+                            <a:rPr lang="en-US" sz="3000" b="0" i="1" smtClean="0">
+                              <a:solidFill>
+                                <a:srgbClr val="C00000"/>
+                              </a:solidFill>
+                              <a:latin typeface="Cambria Math" panose="02040503050406030204" pitchFamily="18" charset="0"/>
+                            </a:rPr>
+                            <m:t>𝑛</m:t>
+                          </m:r>
+                        </m:e>
+                        <m:sub>
+                          <m:r>
+                            <a:rPr lang="en-US" sz="3000" b="0" i="1" smtClean="0">
+                              <a:solidFill>
+                                <a:srgbClr val="C00000"/>
+                              </a:solidFill>
+                              <a:latin typeface="Cambria Math" panose="02040503050406030204" pitchFamily="18" charset="0"/>
+                            </a:rPr>
+                            <m:t>ℓ</m:t>
+                          </m:r>
+                        </m:sub>
+                      </m:sSub>
+                    </m:oMath>
+                  </m:oMathPara>
+                </a14:m>
+                <a:endParaRPr lang="en-US" sz="3000" dirty="0">
+                  <a:solidFill>
+                    <a:srgbClr val="C00000"/>
+                  </a:solidFill>
+                </a:endParaRPr>
+              </a:p>
+            </p:txBody>
+          </p:sp>
+        </mc:Choice>
+        <mc:Fallback>
+          <p:sp>
+            <p:nvSpPr>
+              <p:cNvPr id="58" name="Rectangle 57">
+                <a:extLst>
+                  <a:ext uri="{FF2B5EF4-FFF2-40B4-BE49-F238E27FC236}">
+                    <a16:creationId xmlns:a16="http://schemas.microsoft.com/office/drawing/2014/main" id="{A33C21DF-12CD-92EC-1AE2-F12EF84A85B4}"/>
+                  </a:ext>
+                </a:extLst>
+              </p:cNvPr>
+              <p:cNvSpPr>
+                <a:spLocks noRot="1" noChangeAspect="1" noMove="1" noResize="1" noEditPoints="1" noAdjustHandles="1" noChangeArrowheads="1" noChangeShapeType="1" noTextEdit="1"/>
+              </p:cNvSpPr>
+              <p:nvPr/>
+            </p:nvSpPr>
+            <p:spPr>
+              <a:xfrm>
+                <a:off x="7573625" y="20408540"/>
+                <a:ext cx="654282" cy="553998"/>
+              </a:xfrm>
+              <a:prstGeom prst="rect">
+                <a:avLst/>
+              </a:prstGeom>
+              <a:blipFill>
+                <a:blip r:embed="rId17"/>
+                <a:stretch>
+                  <a:fillRect/>
+                </a:stretch>
+              </a:blipFill>
+            </p:spPr>
+            <p:txBody>
+              <a:bodyPr/>
+              <a:lstStyle/>
+              <a:p>
+                <a:r>
+                  <a:rPr lang="en-US">
+                    <a:noFill/>
+                  </a:rPr>
+                  <a:t> </a:t>
+                </a:r>
+              </a:p>
+            </p:txBody>
+          </p:sp>
+        </mc:Fallback>
+      </mc:AlternateContent>
+      <mc:AlternateContent xmlns:mc="http://schemas.openxmlformats.org/markup-compatibility/2006">
+        <mc:Choice xmlns:a14="http://schemas.microsoft.com/office/drawing/2010/main" Requires="a14">
+          <p:sp>
+            <p:nvSpPr>
+              <p:cNvPr id="59" name="TextBox 58">
+                <a:extLst>
+                  <a:ext uri="{FF2B5EF4-FFF2-40B4-BE49-F238E27FC236}">
+                    <a16:creationId xmlns:a16="http://schemas.microsoft.com/office/drawing/2014/main" id="{7EBA79F5-70C5-F439-AD4B-32DE73A992D6}"/>
+                  </a:ext>
+                </a:extLst>
+              </p:cNvPr>
+              <p:cNvSpPr txBox="1"/>
+              <p:nvPr/>
+            </p:nvSpPr>
+            <p:spPr>
+              <a:xfrm>
+                <a:off x="11058733" y="19834501"/>
+                <a:ext cx="1365636" cy="553998"/>
+              </a:xfrm>
+              <a:prstGeom prst="rect">
+                <a:avLst/>
+              </a:prstGeom>
+              <a:noFill/>
+            </p:spPr>
+            <p:txBody>
+              <a:bodyPr wrap="square">
+                <a:spAutoFit/>
+              </a:bodyPr>
+              <a:lstStyle/>
+              <a:p>
+                <a:pPr/>
+                <a14:m>
+                  <m:oMathPara xmlns:m="http://schemas.openxmlformats.org/officeDocument/2006/math">
+                    <m:oMathParaPr>
+                      <m:jc m:val="centerGroup"/>
+                    </m:oMathParaPr>
+                    <m:oMath xmlns:m="http://schemas.openxmlformats.org/officeDocument/2006/math">
+                      <m:sSub>
+                        <m:sSubPr>
+                          <m:ctrlPr>
+                            <a:rPr lang="en-US" sz="3000" b="0" i="1" smtClean="0">
+                              <a:solidFill>
+                                <a:srgbClr val="C00000"/>
+                              </a:solidFill>
+                              <a:latin typeface="Cambria Math" panose="02040503050406030204" pitchFamily="18" charset="0"/>
+                            </a:rPr>
+                          </m:ctrlPr>
+                        </m:sSubPr>
+                        <m:e>
+                          <m:r>
+                            <a:rPr lang="en-US" sz="3000" b="0" i="1" smtClean="0">
+                              <a:solidFill>
+                                <a:srgbClr val="C00000"/>
+                              </a:solidFill>
+                              <a:latin typeface="Cambria Math" panose="02040503050406030204" pitchFamily="18" charset="0"/>
+                            </a:rPr>
+                            <m:t>𝐴</m:t>
+                          </m:r>
+                        </m:e>
+                        <m:sub>
+                          <m:r>
+                            <a:rPr lang="en-US" sz="3000" b="0" i="1" smtClean="0">
+                              <a:solidFill>
+                                <a:srgbClr val="C00000"/>
+                              </a:solidFill>
+                              <a:latin typeface="Cambria Math" panose="02040503050406030204" pitchFamily="18" charset="0"/>
+                            </a:rPr>
+                            <m:t>2</m:t>
+                          </m:r>
+                        </m:sub>
+                      </m:sSub>
+                    </m:oMath>
+                  </m:oMathPara>
+                </a14:m>
+                <a:endParaRPr lang="en-US" sz="3000" dirty="0"/>
+              </a:p>
+            </p:txBody>
+          </p:sp>
+        </mc:Choice>
+        <mc:Fallback>
+          <p:sp>
+            <p:nvSpPr>
+              <p:cNvPr id="59" name="TextBox 58">
+                <a:extLst>
+                  <a:ext uri="{FF2B5EF4-FFF2-40B4-BE49-F238E27FC236}">
+                    <a16:creationId xmlns:a16="http://schemas.microsoft.com/office/drawing/2014/main" id="{7EBA79F5-70C5-F439-AD4B-32DE73A992D6}"/>
+                  </a:ext>
+                </a:extLst>
+              </p:cNvPr>
+              <p:cNvSpPr txBox="1">
+                <a:spLocks noRot="1" noChangeAspect="1" noMove="1" noResize="1" noEditPoints="1" noAdjustHandles="1" noChangeArrowheads="1" noChangeShapeType="1" noTextEdit="1"/>
+              </p:cNvSpPr>
+              <p:nvPr/>
+            </p:nvSpPr>
+            <p:spPr>
+              <a:xfrm>
+                <a:off x="11058733" y="19834501"/>
+                <a:ext cx="1365636" cy="553998"/>
+              </a:xfrm>
+              <a:prstGeom prst="rect">
+                <a:avLst/>
+              </a:prstGeom>
+              <a:blipFill>
+                <a:blip r:embed="rId18"/>
+                <a:stretch>
+                  <a:fillRect/>
+                </a:stretch>
+              </a:blipFill>
+            </p:spPr>
+            <p:txBody>
+              <a:bodyPr/>
+              <a:lstStyle/>
+              <a:p>
+                <a:r>
+                  <a:rPr lang="en-US">
+                    <a:noFill/>
+                  </a:rPr>
+                  <a:t> </a:t>
+                </a:r>
+              </a:p>
+            </p:txBody>
+          </p:sp>
+        </mc:Fallback>
+      </mc:AlternateContent>
+      <mc:AlternateContent xmlns:mc="http://schemas.openxmlformats.org/markup-compatibility/2006">
+        <mc:Choice xmlns:a14="http://schemas.microsoft.com/office/drawing/2010/main" Requires="a14">
+          <p:sp>
+            <p:nvSpPr>
+              <p:cNvPr id="60" name="TextBox 59">
+                <a:extLst>
+                  <a:ext uri="{FF2B5EF4-FFF2-40B4-BE49-F238E27FC236}">
+                    <a16:creationId xmlns:a16="http://schemas.microsoft.com/office/drawing/2014/main" id="{A687FEE1-F47E-25C3-8EC0-0C51B7E7D156}"/>
+                  </a:ext>
+                </a:extLst>
+              </p:cNvPr>
+              <p:cNvSpPr txBox="1"/>
+              <p:nvPr/>
+            </p:nvSpPr>
+            <p:spPr>
+              <a:xfrm>
+                <a:off x="11087744" y="17537390"/>
+                <a:ext cx="1365636" cy="553998"/>
+              </a:xfrm>
+              <a:prstGeom prst="rect">
+                <a:avLst/>
+              </a:prstGeom>
+              <a:noFill/>
+            </p:spPr>
+            <p:txBody>
+              <a:bodyPr wrap="square">
+                <a:spAutoFit/>
+              </a:bodyPr>
+              <a:lstStyle/>
+              <a:p>
+                <a:pPr/>
+                <a14:m>
+                  <m:oMathPara xmlns:m="http://schemas.openxmlformats.org/officeDocument/2006/math">
+                    <m:oMathParaPr>
+                      <m:jc m:val="centerGroup"/>
+                    </m:oMathParaPr>
+                    <m:oMath xmlns:m="http://schemas.openxmlformats.org/officeDocument/2006/math">
+                      <m:sSub>
+                        <m:sSubPr>
+                          <m:ctrlPr>
+                            <a:rPr lang="en-US" sz="3000" b="0" i="1" smtClean="0">
+                              <a:solidFill>
+                                <a:srgbClr val="C00000"/>
+                              </a:solidFill>
+                              <a:latin typeface="Cambria Math" panose="02040503050406030204" pitchFamily="18" charset="0"/>
+                            </a:rPr>
+                          </m:ctrlPr>
+                        </m:sSubPr>
+                        <m:e>
+                          <m:r>
+                            <a:rPr lang="en-US" sz="3000" b="0" i="1" smtClean="0">
+                              <a:solidFill>
+                                <a:srgbClr val="C00000"/>
+                              </a:solidFill>
+                              <a:latin typeface="Cambria Math" panose="02040503050406030204" pitchFamily="18" charset="0"/>
+                            </a:rPr>
+                            <m:t>𝐴</m:t>
+                          </m:r>
+                        </m:e>
+                        <m:sub>
+                          <m:r>
+                            <a:rPr lang="en-US" sz="3000" b="0" i="1" smtClean="0">
+                              <a:solidFill>
+                                <a:srgbClr val="C00000"/>
+                              </a:solidFill>
+                              <a:latin typeface="Cambria Math" panose="02040503050406030204" pitchFamily="18" charset="0"/>
+                            </a:rPr>
+                            <m:t>1</m:t>
+                          </m:r>
+                        </m:sub>
+                      </m:sSub>
+                    </m:oMath>
+                  </m:oMathPara>
+                </a14:m>
+                <a:endParaRPr lang="en-US" sz="3000" dirty="0"/>
+              </a:p>
+            </p:txBody>
+          </p:sp>
+        </mc:Choice>
+        <mc:Fallback>
+          <p:sp>
+            <p:nvSpPr>
+              <p:cNvPr id="60" name="TextBox 59">
+                <a:extLst>
+                  <a:ext uri="{FF2B5EF4-FFF2-40B4-BE49-F238E27FC236}">
+                    <a16:creationId xmlns:a16="http://schemas.microsoft.com/office/drawing/2014/main" id="{A687FEE1-F47E-25C3-8EC0-0C51B7E7D156}"/>
+                  </a:ext>
+                </a:extLst>
+              </p:cNvPr>
+              <p:cNvSpPr txBox="1">
+                <a:spLocks noRot="1" noChangeAspect="1" noMove="1" noResize="1" noEditPoints="1" noAdjustHandles="1" noChangeArrowheads="1" noChangeShapeType="1" noTextEdit="1"/>
+              </p:cNvSpPr>
+              <p:nvPr/>
+            </p:nvSpPr>
+            <p:spPr>
+              <a:xfrm>
+                <a:off x="11087744" y="17537390"/>
+                <a:ext cx="1365636" cy="553998"/>
+              </a:xfrm>
+              <a:prstGeom prst="rect">
+                <a:avLst/>
+              </a:prstGeom>
+              <a:blipFill>
+                <a:blip r:embed="rId19"/>
+                <a:stretch>
+                  <a:fillRect/>
+                </a:stretch>
+              </a:blipFill>
+            </p:spPr>
+            <p:txBody>
+              <a:bodyPr/>
+              <a:lstStyle/>
+              <a:p>
+                <a:r>
+                  <a:rPr lang="en-US">
+                    <a:noFill/>
+                  </a:rPr>
+                  <a:t> </a:t>
+                </a:r>
+              </a:p>
+            </p:txBody>
+          </p:sp>
+        </mc:Fallback>
+      </mc:AlternateContent>
+      <mc:AlternateContent xmlns:mc="http://schemas.openxmlformats.org/markup-compatibility/2006">
+        <mc:Choice xmlns:a14="http://schemas.microsoft.com/office/drawing/2010/main" Requires="a14">
+          <p:sp>
+            <p:nvSpPr>
+              <p:cNvPr id="61" name="TextBox 60">
+                <a:extLst>
+                  <a:ext uri="{FF2B5EF4-FFF2-40B4-BE49-F238E27FC236}">
+                    <a16:creationId xmlns:a16="http://schemas.microsoft.com/office/drawing/2014/main" id="{24A4BF64-58C8-7BEC-FAFB-4E4DCC171C78}"/>
+                  </a:ext>
+                </a:extLst>
+              </p:cNvPr>
+              <p:cNvSpPr txBox="1"/>
+              <p:nvPr/>
+            </p:nvSpPr>
+            <p:spPr>
+              <a:xfrm>
+                <a:off x="11058733" y="20988706"/>
+                <a:ext cx="1365636" cy="553998"/>
+              </a:xfrm>
+              <a:prstGeom prst="rect">
+                <a:avLst/>
+              </a:prstGeom>
+              <a:noFill/>
+            </p:spPr>
+            <p:txBody>
+              <a:bodyPr wrap="square">
+                <a:spAutoFit/>
+              </a:bodyPr>
+              <a:lstStyle/>
+              <a:p>
+                <a:pPr/>
+                <a14:m>
+                  <m:oMathPara xmlns:m="http://schemas.openxmlformats.org/officeDocument/2006/math">
+                    <m:oMathParaPr>
+                      <m:jc m:val="centerGroup"/>
+                    </m:oMathParaPr>
+                    <m:oMath xmlns:m="http://schemas.openxmlformats.org/officeDocument/2006/math">
+                      <m:sSub>
+                        <m:sSubPr>
+                          <m:ctrlPr>
+                            <a:rPr lang="en-US" sz="3000" b="0" i="1" smtClean="0">
+                              <a:solidFill>
+                                <a:srgbClr val="C00000"/>
+                              </a:solidFill>
+                              <a:latin typeface="Cambria Math" panose="02040503050406030204" pitchFamily="18" charset="0"/>
+                            </a:rPr>
+                          </m:ctrlPr>
+                        </m:sSubPr>
+                        <m:e>
+                          <m:r>
+                            <a:rPr lang="en-US" sz="3000" b="0" i="1" smtClean="0">
+                              <a:solidFill>
+                                <a:srgbClr val="C00000"/>
+                              </a:solidFill>
+                              <a:latin typeface="Cambria Math" panose="02040503050406030204" pitchFamily="18" charset="0"/>
+                            </a:rPr>
+                            <m:t>𝐴</m:t>
+                          </m:r>
+                        </m:e>
+                        <m:sub>
+                          <m:r>
+                            <a:rPr lang="en-US" sz="3000" b="0" i="1" smtClean="0">
+                              <a:solidFill>
+                                <a:srgbClr val="C00000"/>
+                              </a:solidFill>
+                              <a:latin typeface="Cambria Math" panose="02040503050406030204" pitchFamily="18" charset="0"/>
+                            </a:rPr>
+                            <m:t>ℓ</m:t>
+                          </m:r>
+                        </m:sub>
+                      </m:sSub>
+                    </m:oMath>
+                  </m:oMathPara>
+                </a14:m>
+                <a:endParaRPr lang="en-US" sz="3000" dirty="0"/>
+              </a:p>
+            </p:txBody>
+          </p:sp>
+        </mc:Choice>
+        <mc:Fallback>
+          <p:sp>
+            <p:nvSpPr>
+              <p:cNvPr id="61" name="TextBox 60">
+                <a:extLst>
+                  <a:ext uri="{FF2B5EF4-FFF2-40B4-BE49-F238E27FC236}">
+                    <a16:creationId xmlns:a16="http://schemas.microsoft.com/office/drawing/2014/main" id="{24A4BF64-58C8-7BEC-FAFB-4E4DCC171C78}"/>
+                  </a:ext>
+                </a:extLst>
+              </p:cNvPr>
+              <p:cNvSpPr txBox="1">
+                <a:spLocks noRot="1" noChangeAspect="1" noMove="1" noResize="1" noEditPoints="1" noAdjustHandles="1" noChangeArrowheads="1" noChangeShapeType="1" noTextEdit="1"/>
+              </p:cNvSpPr>
+              <p:nvPr/>
+            </p:nvSpPr>
+            <p:spPr>
+              <a:xfrm>
+                <a:off x="11058733" y="20988706"/>
+                <a:ext cx="1365636" cy="553998"/>
+              </a:xfrm>
+              <a:prstGeom prst="rect">
+                <a:avLst/>
+              </a:prstGeom>
+              <a:blipFill>
+                <a:blip r:embed="rId20"/>
+                <a:stretch>
+                  <a:fillRect/>
+                </a:stretch>
+              </a:blipFill>
+            </p:spPr>
+            <p:txBody>
+              <a:bodyPr/>
+              <a:lstStyle/>
+              <a:p>
+                <a:r>
+                  <a:rPr lang="en-US">
+                    <a:noFill/>
+                  </a:rPr>
+                  <a:t> </a:t>
+                </a:r>
+              </a:p>
+            </p:txBody>
+          </p:sp>
+        </mc:Fallback>
+      </mc:AlternateContent>
+      <mc:AlternateContent xmlns:mc="http://schemas.openxmlformats.org/markup-compatibility/2006">
+        <mc:Choice xmlns:a14="http://schemas.microsoft.com/office/drawing/2010/main" Requires="a14">
+          <p:sp>
+            <p:nvSpPr>
+              <p:cNvPr id="62" name="TextBox 61">
+                <a:extLst>
+                  <a:ext uri="{FF2B5EF4-FFF2-40B4-BE49-F238E27FC236}">
+                    <a16:creationId xmlns:a16="http://schemas.microsoft.com/office/drawing/2014/main" id="{45F1F0D8-2626-A620-74E6-4062DA15A735}"/>
+                  </a:ext>
+                </a:extLst>
+              </p:cNvPr>
+              <p:cNvSpPr txBox="1"/>
+              <p:nvPr/>
+            </p:nvSpPr>
+            <p:spPr>
+              <a:xfrm>
+                <a:off x="9052644" y="19750455"/>
+                <a:ext cx="1365636" cy="553998"/>
+              </a:xfrm>
+              <a:prstGeom prst="rect">
+                <a:avLst/>
+              </a:prstGeom>
+              <a:noFill/>
+            </p:spPr>
+            <p:txBody>
+              <a:bodyPr wrap="square">
+                <a:spAutoFit/>
+              </a:bodyPr>
+              <a:lstStyle/>
+              <a:p>
+                <a:pPr/>
+                <a14:m>
+                  <m:oMathPara xmlns:m="http://schemas.openxmlformats.org/officeDocument/2006/math">
+                    <m:oMathParaPr>
+                      <m:jc m:val="centerGroup"/>
+                    </m:oMathParaPr>
+                    <m:oMath xmlns:m="http://schemas.openxmlformats.org/officeDocument/2006/math">
+                      <m:r>
+                        <a:rPr lang="en-US" sz="3000" b="0" i="1" smtClean="0">
+                          <a:solidFill>
+                            <a:srgbClr val="C00000"/>
+                          </a:solidFill>
+                          <a:latin typeface="Cambria Math" panose="02040503050406030204" pitchFamily="18" charset="0"/>
+                        </a:rPr>
+                        <m:t>⋮</m:t>
+                      </m:r>
+                    </m:oMath>
+                  </m:oMathPara>
+                </a14:m>
+                <a:endParaRPr lang="en-US" sz="3000" dirty="0"/>
+              </a:p>
+            </p:txBody>
+          </p:sp>
+        </mc:Choice>
+        <mc:Fallback>
+          <p:sp>
+            <p:nvSpPr>
+              <p:cNvPr id="62" name="TextBox 61">
+                <a:extLst>
+                  <a:ext uri="{FF2B5EF4-FFF2-40B4-BE49-F238E27FC236}">
+                    <a16:creationId xmlns:a16="http://schemas.microsoft.com/office/drawing/2014/main" id="{45F1F0D8-2626-A620-74E6-4062DA15A735}"/>
+                  </a:ext>
+                </a:extLst>
+              </p:cNvPr>
+              <p:cNvSpPr txBox="1">
+                <a:spLocks noRot="1" noChangeAspect="1" noMove="1" noResize="1" noEditPoints="1" noAdjustHandles="1" noChangeArrowheads="1" noChangeShapeType="1" noTextEdit="1"/>
+              </p:cNvSpPr>
+              <p:nvPr/>
+            </p:nvSpPr>
+            <p:spPr>
+              <a:xfrm>
+                <a:off x="9052644" y="19750455"/>
+                <a:ext cx="1365636" cy="553998"/>
+              </a:xfrm>
+              <a:prstGeom prst="rect">
+                <a:avLst/>
+              </a:prstGeom>
+              <a:blipFill>
+                <a:blip r:embed="rId21"/>
+                <a:stretch>
+                  <a:fillRect/>
+                </a:stretch>
+              </a:blipFill>
+            </p:spPr>
+            <p:txBody>
+              <a:bodyPr/>
+              <a:lstStyle/>
+              <a:p>
+                <a:r>
+                  <a:rPr lang="en-US">
+                    <a:noFill/>
+                  </a:rPr>
+                  <a:t> </a:t>
+                </a:r>
+              </a:p>
+            </p:txBody>
+          </p:sp>
+        </mc:Fallback>
+      </mc:AlternateContent>
+      <p:sp>
+        <p:nvSpPr>
+          <p:cNvPr id="64" name="TextBox 63">
+            <a:extLst>
+              <a:ext uri="{FF2B5EF4-FFF2-40B4-BE49-F238E27FC236}">
+                <a16:creationId xmlns:a16="http://schemas.microsoft.com/office/drawing/2014/main" id="{7AD21962-90A7-F114-4D5E-636215B4599C}"/>
+              </a:ext>
+            </a:extLst>
+          </p:cNvPr>
+          <p:cNvSpPr txBox="1"/>
+          <p:nvPr/>
+        </p:nvSpPr>
+        <p:spPr>
+          <a:xfrm>
+            <a:off x="773464" y="15695148"/>
+            <a:ext cx="6802451" cy="1015663"/>
+          </a:xfrm>
+          <a:prstGeom prst="rect">
+            <a:avLst/>
+          </a:prstGeom>
+          <a:noFill/>
+          <a:ln w="12700" cap="flat">
+            <a:noFill/>
+            <a:miter lim="400000"/>
+          </a:ln>
+          <a:effectLst/>
+          <a:sp3d/>
+        </p:spPr>
+        <p:style>
+          <a:lnRef idx="0">
+            <a:scrgbClr r="0" g="0" b="0"/>
+          </a:lnRef>
+          <a:fillRef idx="0">
+            <a:scrgbClr r="0" g="0" b="0"/>
+          </a:fillRef>
+          <a:effectRef idx="0">
+            <a:scrgbClr r="0" g="0" b="0"/>
+          </a:effectRef>
+          <a:fontRef idx="none"/>
+        </p:style>
+        <p:txBody>
+          <a:bodyPr wrap="square">
+            <a:spAutoFit/>
+          </a:bodyPr>
+          <a:lstStyle/>
+          <a:p>
+            <a:pPr marL="457200" indent="-457200">
+              <a:buClr>
+                <a:schemeClr val="tx1"/>
+              </a:buClr>
+              <a:buFont typeface="Arial" panose="020B0604020202020204" pitchFamily="34" charset="0"/>
+              <a:buChar char="•"/>
+            </a:pPr>
+            <a:r>
+              <a:rPr lang="en-US" sz="3000" dirty="0">
+                <a:latin typeface="Calibri" panose="020F0502020204030204" pitchFamily="34" charset="0"/>
+                <a:cs typeface="Calibri" panose="020F0502020204030204" pitchFamily="34" charset="0"/>
+              </a:rPr>
+              <a:t>Approximation algorithms use polynomial time</a:t>
+            </a:r>
+          </a:p>
+        </p:txBody>
+      </p:sp>
     </p:spTree>
   </p:cSld>
   <p:clrMapOvr>
